--- a/ER Diagram/ER Diagram - Project - COMP3005.pptx
+++ b/ER Diagram/ER Diagram - Project - COMP3005.pptx
@@ -223,7 +223,7 @@
           <a:p>
             <a:fld id="{4EEA96E3-5376-2D42-97CA-66A886050071}" type="datetimeFigureOut">
               <a:rPr lang="en-US" smtClean="0"/>
-              <a:t>3/15/2020</a:t>
+              <a:t>3/22/20</a:t>
             </a:fld>
             <a:endParaRPr lang="en-US"/>
           </a:p>
@@ -465,7 +465,7 @@
           <a:p>
             <a:fld id="{3BD378E5-F4D9-824D-8BC6-66DDB52D5CFC}" type="datetimeFigureOut">
               <a:rPr lang="en-US" smtClean="0"/>
-              <a:t>3/15/2020</a:t>
+              <a:t>3/22/20</a:t>
             </a:fld>
             <a:endParaRPr lang="en-US"/>
           </a:p>
@@ -663,7 +663,7 @@
           <a:p>
             <a:fld id="{3BD378E5-F4D9-824D-8BC6-66DDB52D5CFC}" type="datetimeFigureOut">
               <a:rPr lang="en-US" smtClean="0"/>
-              <a:t>3/15/2020</a:t>
+              <a:t>3/22/20</a:t>
             </a:fld>
             <a:endParaRPr lang="en-US"/>
           </a:p>
@@ -871,7 +871,7 @@
           <a:p>
             <a:fld id="{3BD378E5-F4D9-824D-8BC6-66DDB52D5CFC}" type="datetimeFigureOut">
               <a:rPr lang="en-US" smtClean="0"/>
-              <a:t>3/15/2020</a:t>
+              <a:t>3/22/20</a:t>
             </a:fld>
             <a:endParaRPr lang="en-US"/>
           </a:p>
@@ -1069,7 +1069,7 @@
           <a:p>
             <a:fld id="{3BD378E5-F4D9-824D-8BC6-66DDB52D5CFC}" type="datetimeFigureOut">
               <a:rPr lang="en-US" smtClean="0"/>
-              <a:t>3/15/2020</a:t>
+              <a:t>3/22/20</a:t>
             </a:fld>
             <a:endParaRPr lang="en-US"/>
           </a:p>
@@ -1344,7 +1344,7 @@
           <a:p>
             <a:fld id="{3BD378E5-F4D9-824D-8BC6-66DDB52D5CFC}" type="datetimeFigureOut">
               <a:rPr lang="en-US" smtClean="0"/>
-              <a:t>3/15/2020</a:t>
+              <a:t>3/22/20</a:t>
             </a:fld>
             <a:endParaRPr lang="en-US"/>
           </a:p>
@@ -1609,7 +1609,7 @@
           <a:p>
             <a:fld id="{3BD378E5-F4D9-824D-8BC6-66DDB52D5CFC}" type="datetimeFigureOut">
               <a:rPr lang="en-US" smtClean="0"/>
-              <a:t>3/15/2020</a:t>
+              <a:t>3/22/20</a:t>
             </a:fld>
             <a:endParaRPr lang="en-US"/>
           </a:p>
@@ -2021,7 +2021,7 @@
           <a:p>
             <a:fld id="{3BD378E5-F4D9-824D-8BC6-66DDB52D5CFC}" type="datetimeFigureOut">
               <a:rPr lang="en-US" smtClean="0"/>
-              <a:t>3/15/2020</a:t>
+              <a:t>3/22/20</a:t>
             </a:fld>
             <a:endParaRPr lang="en-US"/>
           </a:p>
@@ -2162,7 +2162,7 @@
           <a:p>
             <a:fld id="{3BD378E5-F4D9-824D-8BC6-66DDB52D5CFC}" type="datetimeFigureOut">
               <a:rPr lang="en-US" smtClean="0"/>
-              <a:t>3/15/2020</a:t>
+              <a:t>3/22/20</a:t>
             </a:fld>
             <a:endParaRPr lang="en-US"/>
           </a:p>
@@ -2275,7 +2275,7 @@
           <a:p>
             <a:fld id="{3BD378E5-F4D9-824D-8BC6-66DDB52D5CFC}" type="datetimeFigureOut">
               <a:rPr lang="en-US" smtClean="0"/>
-              <a:t>3/15/2020</a:t>
+              <a:t>3/22/20</a:t>
             </a:fld>
             <a:endParaRPr lang="en-US"/>
           </a:p>
@@ -2586,7 +2586,7 @@
           <a:p>
             <a:fld id="{3BD378E5-F4D9-824D-8BC6-66DDB52D5CFC}" type="datetimeFigureOut">
               <a:rPr lang="en-US" smtClean="0"/>
-              <a:t>3/15/2020</a:t>
+              <a:t>3/22/20</a:t>
             </a:fld>
             <a:endParaRPr lang="en-US"/>
           </a:p>
@@ -2874,7 +2874,7 @@
           <a:p>
             <a:fld id="{3BD378E5-F4D9-824D-8BC6-66DDB52D5CFC}" type="datetimeFigureOut">
               <a:rPr lang="en-US" smtClean="0"/>
-              <a:t>3/15/2020</a:t>
+              <a:t>3/22/20</a:t>
             </a:fld>
             <a:endParaRPr lang="en-US"/>
           </a:p>
@@ -3115,7 +3115,7 @@
           <a:p>
             <a:fld id="{3BD378E5-F4D9-824D-8BC6-66DDB52D5CFC}" type="datetimeFigureOut">
               <a:rPr lang="en-US" smtClean="0"/>
-              <a:t>3/15/2020</a:t>
+              <a:t>3/22/20</a:t>
             </a:fld>
             <a:endParaRPr lang="en-US"/>
           </a:p>
@@ -3547,14 +3547,14 @@
           <p:nvPr>
             <p:extLst>
               <p:ext uri="{D42A27DB-BD31-4B8C-83A1-F6EECF244321}">
-                <p14:modId xmlns:p14="http://schemas.microsoft.com/office/powerpoint/2010/main" val="2101602731"/>
+                <p14:modId xmlns:p14="http://schemas.microsoft.com/office/powerpoint/2010/main" val="662887108"/>
               </p:ext>
             </p:extLst>
           </p:nvPr>
         </p:nvGraphicFramePr>
         <p:xfrm>
           <a:off x="4408787" y="36146"/>
-          <a:ext cx="1210788" cy="1463040"/>
+          <a:ext cx="1210788" cy="1828800"/>
         </p:xfrm>
         <a:graphic>
           <a:graphicData uri="http://schemas.openxmlformats.org/drawingml/2006/table">
@@ -3716,6 +3716,30 @@
                         </a:rPr>
                         <a:t>email</a:t>
                       </a:r>
+                    </a:p>
+                    <a:p>
+                      <a:pPr algn="l"/>
+                      <a:r>
+                        <a:rPr lang="en-US" sz="1200" dirty="0" err="1">
+                          <a:latin typeface="Times" pitchFamily="2" charset="0"/>
+                        </a:rPr>
+                        <a:t>shipping_add</a:t>
+                      </a:r>
+                      <a:endParaRPr lang="en-US" sz="1200" dirty="0">
+                        <a:latin typeface="Times" pitchFamily="2" charset="0"/>
+                      </a:endParaRPr>
+                    </a:p>
+                    <a:p>
+                      <a:pPr algn="l"/>
+                      <a:r>
+                        <a:rPr lang="en-US" sz="1200" dirty="0" err="1">
+                          <a:latin typeface="Times" pitchFamily="2" charset="0"/>
+                        </a:rPr>
+                        <a:t>billing_add</a:t>
+                      </a:r>
+                      <a:endParaRPr lang="en-US" sz="1200" dirty="0">
+                        <a:latin typeface="Times" pitchFamily="2" charset="0"/>
+                      </a:endParaRPr>
                     </a:p>
                   </a:txBody>
                   <a:tcPr>
@@ -5105,16 +5129,16 @@
           <p:cNvCxnSpPr>
             <a:cxnSpLocks/>
             <a:stCxn id="78" idx="3"/>
-            <a:endCxn id="139" idx="1"/>
+            <a:endCxn id="4" idx="2"/>
           </p:cNvCxnSpPr>
           <p:nvPr/>
         </p:nvCxnSpPr>
         <p:spPr>
-          <a:xfrm>
-            <a:off x="2126788" y="1864946"/>
-            <a:ext cx="712818" cy="0"/>
+          <a:xfrm flipV="1">
+            <a:off x="2126813" y="1864946"/>
+            <a:ext cx="2887368" cy="663952"/>
           </a:xfrm>
-          <a:prstGeom prst="line">
+          <a:prstGeom prst="bentConnector2">
             <a:avLst/>
           </a:prstGeom>
           <a:ln>
@@ -5155,8 +5179,8 @@
         </p:nvCxnSpPr>
         <p:spPr>
           <a:xfrm>
-            <a:off x="1148404" y="2372244"/>
-            <a:ext cx="25" cy="1166672"/>
+            <a:off x="1148429" y="3036196"/>
+            <a:ext cx="0" cy="502720"/>
           </a:xfrm>
           <a:prstGeom prst="line">
             <a:avLst/>
@@ -5741,393 +5765,6 @@
           </a:graphicData>
         </a:graphic>
       </p:graphicFrame>
-      <p:graphicFrame>
-        <p:nvGraphicFramePr>
-          <p:cNvPr id="139" name="Table 138">
-            <a:extLst>
-              <a:ext uri="{FF2B5EF4-FFF2-40B4-BE49-F238E27FC236}">
-                <a16:creationId xmlns:a16="http://schemas.microsoft.com/office/drawing/2014/main" id="{8B8DD644-E9B5-5A4B-A285-62A16832A5D8}"/>
-              </a:ext>
-            </a:extLst>
-          </p:cNvPr>
-          <p:cNvGraphicFramePr>
-            <a:graphicFrameLocks noGrp="1"/>
-          </p:cNvGraphicFramePr>
-          <p:nvPr>
-            <p:extLst>
-              <p:ext uri="{D42A27DB-BD31-4B8C-83A1-F6EECF244321}">
-                <p14:modId xmlns:p14="http://schemas.microsoft.com/office/powerpoint/2010/main" val="880583413"/>
-              </p:ext>
-            </p:extLst>
-          </p:nvPr>
-        </p:nvGraphicFramePr>
-        <p:xfrm>
-          <a:off x="2839606" y="36146"/>
-          <a:ext cx="1265555" cy="3657600"/>
-        </p:xfrm>
-        <a:graphic>
-          <a:graphicData uri="http://schemas.openxmlformats.org/drawingml/2006/table">
-            <a:tbl>
-              <a:tblPr firstRow="1" bandRow="1">
-                <a:tableStyleId>{5FD0F851-EC5A-4D38-B0AD-8093EC10F338}</a:tableStyleId>
-              </a:tblPr>
-              <a:tblGrid>
-                <a:gridCol w="1265555">
-                  <a:extLst>
-                    <a:ext uri="{9D8B030D-6E8A-4147-A177-3AD203B41FA5}">
-                      <a16:colId xmlns:a16="http://schemas.microsoft.com/office/drawing/2014/main" val="1069656790"/>
-                    </a:ext>
-                  </a:extLst>
-                </a:gridCol>
-              </a:tblGrid>
-              <a:tr h="146680">
-                <a:tc>
-                  <a:txBody>
-                    <a:bodyPr/>
-                    <a:lstStyle/>
-                    <a:p>
-                      <a:pPr algn="ctr"/>
-                      <a:r>
-                        <a:rPr lang="en-US" sz="1200" b="0" dirty="0">
-                          <a:latin typeface="Times" pitchFamily="2" charset="0"/>
-                        </a:rPr>
-                        <a:t>customer</a:t>
-                      </a:r>
-                    </a:p>
-                  </a:txBody>
-                  <a:tcPr anchor="ctr">
-                    <a:lnL w="9525" cap="flat" cmpd="sng" algn="ctr">
-                      <a:solidFill>
-                        <a:schemeClr val="tx1"/>
-                      </a:solidFill>
-                      <a:prstDash val="solid"/>
-                      <a:round/>
-                      <a:headEnd type="none" w="med" len="med"/>
-                      <a:tailEnd type="none" w="med" len="med"/>
-                    </a:lnL>
-                    <a:lnR w="9525" cap="flat" cmpd="sng" algn="ctr">
-                      <a:solidFill>
-                        <a:schemeClr val="tx1"/>
-                      </a:solidFill>
-                      <a:prstDash val="solid"/>
-                      <a:round/>
-                      <a:headEnd type="none" w="med" len="med"/>
-                      <a:tailEnd type="none" w="med" len="med"/>
-                    </a:lnR>
-                    <a:lnT w="9525" cap="flat" cmpd="sng" algn="ctr">
-                      <a:solidFill>
-                        <a:schemeClr val="tx1"/>
-                      </a:solidFill>
-                      <a:prstDash val="solid"/>
-                      <a:round/>
-                      <a:headEnd type="none" w="med" len="med"/>
-                      <a:tailEnd type="none" w="med" len="med"/>
-                    </a:lnT>
-                    <a:lnB w="9525" cap="flat" cmpd="sng" algn="ctr">
-                      <a:solidFill>
-                        <a:schemeClr val="tx1"/>
-                      </a:solidFill>
-                      <a:prstDash val="solid"/>
-                      <a:round/>
-                      <a:headEnd type="none" w="med" len="med"/>
-                      <a:tailEnd type="none" w="med" len="med"/>
-                    </a:lnB>
-                    <a:solidFill>
-                      <a:schemeClr val="accent5">
-                        <a:lumMod val="40000"/>
-                        <a:lumOff val="60000"/>
-                      </a:schemeClr>
-                    </a:solidFill>
-                  </a:tcPr>
-                </a:tc>
-                <a:extLst>
-                  <a:ext uri="{0D108BD9-81ED-4DB2-BD59-A6C34878D82A}">
-                    <a16:rowId xmlns:a16="http://schemas.microsoft.com/office/drawing/2014/main" val="3513791863"/>
-                  </a:ext>
-                </a:extLst>
-              </a:tr>
-              <a:tr h="888937">
-                <a:tc>
-                  <a:txBody>
-                    <a:bodyPr/>
-                    <a:lstStyle/>
-                    <a:p>
-                      <a:pPr algn="l"/>
-                      <a:r>
-                        <a:rPr lang="en-US" sz="1200" dirty="0" err="1">
-                          <a:latin typeface="Times" pitchFamily="2" charset="0"/>
-                        </a:rPr>
-                        <a:t>shipping_add</a:t>
-                      </a:r>
-                      <a:endParaRPr lang="en-US" sz="1200" dirty="0">
-                        <a:latin typeface="Times" pitchFamily="2" charset="0"/>
-                      </a:endParaRPr>
-                    </a:p>
-                    <a:p>
-                      <a:pPr algn="l"/>
-                      <a:r>
-                        <a:rPr lang="en-US" sz="1200" dirty="0">
-                          <a:latin typeface="Times" pitchFamily="2" charset="0"/>
-                        </a:rPr>
-                        <a:t>    street </a:t>
-                      </a:r>
-                    </a:p>
-                    <a:p>
-                      <a:pPr algn="l"/>
-                      <a:r>
-                        <a:rPr lang="en-US" sz="1200" dirty="0">
-                          <a:latin typeface="Times" pitchFamily="2" charset="0"/>
-                        </a:rPr>
-                        <a:t>        </a:t>
-                      </a:r>
-                      <a:r>
-                        <a:rPr lang="en-US" sz="1200" dirty="0" err="1">
-                          <a:latin typeface="Times" pitchFamily="2" charset="0"/>
-                        </a:rPr>
-                        <a:t>street_num</a:t>
-                      </a:r>
-                      <a:endParaRPr lang="en-US" sz="1200" dirty="0">
-                        <a:latin typeface="Times" pitchFamily="2" charset="0"/>
-                      </a:endParaRPr>
-                    </a:p>
-                    <a:p>
-                      <a:pPr algn="l"/>
-                      <a:r>
-                        <a:rPr lang="en-US" sz="1200" dirty="0">
-                          <a:latin typeface="Times" pitchFamily="2" charset="0"/>
-                        </a:rPr>
-                        <a:t>        </a:t>
-                      </a:r>
-                      <a:r>
-                        <a:rPr lang="en-US" sz="1200" dirty="0" err="1">
-                          <a:latin typeface="Times" pitchFamily="2" charset="0"/>
-                        </a:rPr>
-                        <a:t>street_name</a:t>
-                      </a:r>
-                      <a:endParaRPr lang="en-US" sz="1200" dirty="0">
-                        <a:latin typeface="Times" pitchFamily="2" charset="0"/>
-                      </a:endParaRPr>
-                    </a:p>
-                    <a:p>
-                      <a:pPr algn="l"/>
-                      <a:r>
-                        <a:rPr lang="en-US" sz="1200" dirty="0">
-                          <a:latin typeface="Times" pitchFamily="2" charset="0"/>
-                        </a:rPr>
-                        <a:t>        </a:t>
-                      </a:r>
-                      <a:r>
-                        <a:rPr lang="en-US" sz="1200" dirty="0" err="1">
-                          <a:latin typeface="Times" pitchFamily="2" charset="0"/>
-                        </a:rPr>
-                        <a:t>apt_num</a:t>
-                      </a:r>
-                      <a:endParaRPr lang="en-US" sz="1200" dirty="0">
-                        <a:latin typeface="Times" pitchFamily="2" charset="0"/>
-                      </a:endParaRPr>
-                    </a:p>
-                    <a:p>
-                      <a:pPr algn="l"/>
-                      <a:r>
-                        <a:rPr lang="en-US" sz="1200" dirty="0">
-                          <a:latin typeface="Times" pitchFamily="2" charset="0"/>
-                        </a:rPr>
-                        <a:t>    city</a:t>
-                      </a:r>
-                    </a:p>
-                    <a:p>
-                      <a:pPr algn="l"/>
-                      <a:r>
-                        <a:rPr lang="en-US" sz="1200" dirty="0">
-                          <a:latin typeface="Times" pitchFamily="2" charset="0"/>
-                        </a:rPr>
-                        <a:t>    province</a:t>
-                      </a:r>
-                    </a:p>
-                    <a:p>
-                      <a:pPr algn="l"/>
-                      <a:r>
-                        <a:rPr lang="en-US" sz="1200" dirty="0">
-                          <a:latin typeface="Times" pitchFamily="2" charset="0"/>
-                        </a:rPr>
-                        <a:t>    country</a:t>
-                      </a:r>
-                    </a:p>
-                    <a:p>
-                      <a:pPr algn="l"/>
-                      <a:r>
-                        <a:rPr lang="en-US" sz="1200" dirty="0">
-                          <a:latin typeface="Times" pitchFamily="2" charset="0"/>
-                        </a:rPr>
-                        <a:t>    postal code</a:t>
-                      </a:r>
-                    </a:p>
-                    <a:p>
-                      <a:pPr algn="l"/>
-                      <a:r>
-                        <a:rPr lang="en-US" sz="1200" dirty="0" err="1">
-                          <a:latin typeface="Times" pitchFamily="2" charset="0"/>
-                        </a:rPr>
-                        <a:t>billing_add</a:t>
-                      </a:r>
-                      <a:endParaRPr lang="en-US" sz="1200" dirty="0">
-                        <a:latin typeface="Times" pitchFamily="2" charset="0"/>
-                      </a:endParaRPr>
-                    </a:p>
-                    <a:p>
-                      <a:pPr algn="l"/>
-                      <a:r>
-                        <a:rPr lang="en-US" sz="1200" dirty="0">
-                          <a:latin typeface="Times" pitchFamily="2" charset="0"/>
-                        </a:rPr>
-                        <a:t>    street </a:t>
-                      </a:r>
-                    </a:p>
-                    <a:p>
-                      <a:pPr algn="l"/>
-                      <a:r>
-                        <a:rPr lang="en-US" sz="1200" dirty="0">
-                          <a:latin typeface="Times" pitchFamily="2" charset="0"/>
-                        </a:rPr>
-                        <a:t>        </a:t>
-                      </a:r>
-                      <a:r>
-                        <a:rPr lang="en-US" sz="1200" dirty="0" err="1">
-                          <a:latin typeface="Times" pitchFamily="2" charset="0"/>
-                        </a:rPr>
-                        <a:t>street_num</a:t>
-                      </a:r>
-                      <a:endParaRPr lang="en-US" sz="1200" dirty="0">
-                        <a:latin typeface="Times" pitchFamily="2" charset="0"/>
-                      </a:endParaRPr>
-                    </a:p>
-                    <a:p>
-                      <a:pPr algn="l"/>
-                      <a:r>
-                        <a:rPr lang="en-US" sz="1200" dirty="0">
-                          <a:latin typeface="Times" pitchFamily="2" charset="0"/>
-                        </a:rPr>
-                        <a:t>        </a:t>
-                      </a:r>
-                      <a:r>
-                        <a:rPr lang="en-US" sz="1200" dirty="0" err="1">
-                          <a:latin typeface="Times" pitchFamily="2" charset="0"/>
-                        </a:rPr>
-                        <a:t>street_name</a:t>
-                      </a:r>
-                      <a:endParaRPr lang="en-US" sz="1200" dirty="0">
-                        <a:latin typeface="Times" pitchFamily="2" charset="0"/>
-                      </a:endParaRPr>
-                    </a:p>
-                    <a:p>
-                      <a:pPr algn="l"/>
-                      <a:r>
-                        <a:rPr lang="en-US" sz="1200" dirty="0">
-                          <a:latin typeface="Times" pitchFamily="2" charset="0"/>
-                        </a:rPr>
-                        <a:t>        </a:t>
-                      </a:r>
-                      <a:r>
-                        <a:rPr lang="en-US" sz="1200" dirty="0" err="1">
-                          <a:latin typeface="Times" pitchFamily="2" charset="0"/>
-                        </a:rPr>
-                        <a:t>apt_num</a:t>
-                      </a:r>
-                      <a:endParaRPr lang="en-US" sz="1200" dirty="0">
-                        <a:latin typeface="Times" pitchFamily="2" charset="0"/>
-                      </a:endParaRPr>
-                    </a:p>
-                    <a:p>
-                      <a:pPr algn="l"/>
-                      <a:r>
-                        <a:rPr lang="en-US" sz="1200" dirty="0">
-                          <a:latin typeface="Times" pitchFamily="2" charset="0"/>
-                        </a:rPr>
-                        <a:t>    city</a:t>
-                      </a:r>
-                    </a:p>
-                    <a:p>
-                      <a:pPr algn="l"/>
-                      <a:r>
-                        <a:rPr lang="en-US" sz="1200" dirty="0">
-                          <a:latin typeface="Times" pitchFamily="2" charset="0"/>
-                        </a:rPr>
-                        <a:t>    province</a:t>
-                      </a:r>
-                    </a:p>
-                    <a:p>
-                      <a:pPr algn="l"/>
-                      <a:r>
-                        <a:rPr lang="en-US" sz="1200" dirty="0">
-                          <a:latin typeface="Times" pitchFamily="2" charset="0"/>
-                        </a:rPr>
-                        <a:t>    country</a:t>
-                      </a:r>
-                    </a:p>
-                    <a:p>
-                      <a:pPr algn="l"/>
-                      <a:r>
-                        <a:rPr lang="en-US" sz="1200" dirty="0">
-                          <a:latin typeface="Times" pitchFamily="2" charset="0"/>
-                        </a:rPr>
-                        <a:t>    postal code</a:t>
-                      </a:r>
-                    </a:p>
-                  </a:txBody>
-                  <a:tcPr>
-                    <a:lnL w="9525" cap="flat" cmpd="sng" algn="ctr">
-                      <a:solidFill>
-                        <a:schemeClr val="tx1"/>
-                      </a:solidFill>
-                      <a:prstDash val="solid"/>
-                      <a:round/>
-                      <a:headEnd type="none" w="med" len="med"/>
-                      <a:tailEnd type="none" w="med" len="med"/>
-                    </a:lnL>
-                    <a:lnR w="9525" cap="flat" cmpd="sng" algn="ctr">
-                      <a:solidFill>
-                        <a:schemeClr val="tx1"/>
-                      </a:solidFill>
-                      <a:prstDash val="solid"/>
-                      <a:round/>
-                      <a:headEnd type="none" w="med" len="med"/>
-                      <a:tailEnd type="none" w="med" len="med"/>
-                    </a:lnR>
-                    <a:lnT w="9525" cap="flat" cmpd="sng" algn="ctr">
-                      <a:solidFill>
-                        <a:schemeClr val="tx1"/>
-                      </a:solidFill>
-                      <a:prstDash val="solid"/>
-                      <a:round/>
-                      <a:headEnd type="none" w="med" len="med"/>
-                      <a:tailEnd type="none" w="med" len="med"/>
-                    </a:lnT>
-                    <a:lnB w="9525" cap="flat" cmpd="sng" algn="ctr">
-                      <a:solidFill>
-                        <a:schemeClr val="tx1"/>
-                      </a:solidFill>
-                      <a:prstDash val="solid"/>
-                      <a:round/>
-                      <a:headEnd type="none" w="med" len="med"/>
-                      <a:tailEnd type="none" w="med" len="med"/>
-                    </a:lnB>
-                    <a:solidFill>
-                      <a:schemeClr val="bg1">
-                        <a:alpha val="20000"/>
-                      </a:schemeClr>
-                    </a:solidFill>
-                  </a:tcPr>
-                </a:tc>
-                <a:extLst>
-                  <a:ext uri="{0D108BD9-81ED-4DB2-BD59-A6C34878D82A}">
-                    <a16:rowId xmlns:a16="http://schemas.microsoft.com/office/drawing/2014/main" val="2009406627"/>
-                  </a:ext>
-                </a:extLst>
-              </a:tr>
-            </a:tbl>
-          </a:graphicData>
-        </a:graphic>
-      </p:graphicFrame>
       <p:cxnSp>
         <p:nvCxnSpPr>
           <p:cNvPr id="158" name="Straight Connector 157">
@@ -6227,7 +5864,7 @@
         </p:nvSpPr>
         <p:spPr>
           <a:xfrm>
-            <a:off x="170020" y="1357647"/>
+            <a:off x="170045" y="2021599"/>
             <a:ext cx="1956768" cy="1014597"/>
           </a:xfrm>
           <a:prstGeom prst="diamond">
@@ -6752,24 +6389,316 @@
           </a:fontRef>
         </p:style>
       </p:cxnSp>
+      <p:graphicFrame>
+        <p:nvGraphicFramePr>
+          <p:cNvPr id="42" name="Table 41">
+            <a:extLst>
+              <a:ext uri="{FF2B5EF4-FFF2-40B4-BE49-F238E27FC236}">
+                <a16:creationId xmlns:a16="http://schemas.microsoft.com/office/drawing/2014/main" id="{6494A861-4A23-AD4B-B6EA-664A28DCD946}"/>
+              </a:ext>
+            </a:extLst>
+          </p:cNvPr>
+          <p:cNvGraphicFramePr>
+            <a:graphicFrameLocks noGrp="1"/>
+          </p:cNvGraphicFramePr>
+          <p:nvPr>
+            <p:extLst>
+              <p:ext uri="{D42A27DB-BD31-4B8C-83A1-F6EECF244321}">
+                <p14:modId xmlns:p14="http://schemas.microsoft.com/office/powerpoint/2010/main" val="791984723"/>
+              </p:ext>
+            </p:extLst>
+          </p:nvPr>
+        </p:nvGraphicFramePr>
+        <p:xfrm>
+          <a:off x="543035" y="225876"/>
+          <a:ext cx="1210788" cy="1463040"/>
+        </p:xfrm>
+        <a:graphic>
+          <a:graphicData uri="http://schemas.openxmlformats.org/drawingml/2006/table">
+            <a:tbl>
+              <a:tblPr firstRow="1" bandRow="1">
+                <a:tableStyleId>{5FD0F851-EC5A-4D38-B0AD-8093EC10F338}</a:tableStyleId>
+              </a:tblPr>
+              <a:tblGrid>
+                <a:gridCol w="1210788">
+                  <a:extLst>
+                    <a:ext uri="{9D8B030D-6E8A-4147-A177-3AD203B41FA5}">
+                      <a16:colId xmlns:a16="http://schemas.microsoft.com/office/drawing/2014/main" val="1069656790"/>
+                    </a:ext>
+                  </a:extLst>
+                </a:gridCol>
+              </a:tblGrid>
+              <a:tr h="146680">
+                <a:tc>
+                  <a:txBody>
+                    <a:bodyPr/>
+                    <a:lstStyle/>
+                    <a:p>
+                      <a:pPr algn="ctr"/>
+                      <a:r>
+                        <a:rPr lang="en-US" sz="1200" b="0" dirty="0">
+                          <a:latin typeface="Times" pitchFamily="2" charset="0"/>
+                        </a:rPr>
+                        <a:t>address</a:t>
+                      </a:r>
+                    </a:p>
+                  </a:txBody>
+                  <a:tcPr anchor="ctr">
+                    <a:lnL w="9525" cap="flat" cmpd="sng" algn="ctr">
+                      <a:solidFill>
+                        <a:schemeClr val="tx1"/>
+                      </a:solidFill>
+                      <a:prstDash val="solid"/>
+                      <a:round/>
+                      <a:headEnd type="none" w="med" len="med"/>
+                      <a:tailEnd type="none" w="med" len="med"/>
+                    </a:lnL>
+                    <a:lnR w="9525" cap="flat" cmpd="sng" algn="ctr">
+                      <a:solidFill>
+                        <a:schemeClr val="tx1"/>
+                      </a:solidFill>
+                      <a:prstDash val="solid"/>
+                      <a:round/>
+                      <a:headEnd type="none" w="med" len="med"/>
+                      <a:tailEnd type="none" w="med" len="med"/>
+                    </a:lnR>
+                    <a:lnT w="9525" cap="flat" cmpd="sng" algn="ctr">
+                      <a:solidFill>
+                        <a:schemeClr val="tx1"/>
+                      </a:solidFill>
+                      <a:prstDash val="solid"/>
+                      <a:round/>
+                      <a:headEnd type="none" w="med" len="med"/>
+                      <a:tailEnd type="none" w="med" len="med"/>
+                    </a:lnT>
+                    <a:lnB w="9525" cap="flat" cmpd="sng" algn="ctr">
+                      <a:solidFill>
+                        <a:schemeClr val="tx1"/>
+                      </a:solidFill>
+                      <a:prstDash val="solid"/>
+                      <a:round/>
+                      <a:headEnd type="none" w="med" len="med"/>
+                      <a:tailEnd type="none" w="med" len="med"/>
+                    </a:lnB>
+                    <a:solidFill>
+                      <a:schemeClr val="accent5">
+                        <a:lumMod val="40000"/>
+                        <a:lumOff val="60000"/>
+                      </a:schemeClr>
+                    </a:solidFill>
+                  </a:tcPr>
+                </a:tc>
+                <a:extLst>
+                  <a:ext uri="{0D108BD9-81ED-4DB2-BD59-A6C34878D82A}">
+                    <a16:rowId xmlns:a16="http://schemas.microsoft.com/office/drawing/2014/main" val="3513791863"/>
+                  </a:ext>
+                </a:extLst>
+              </a:tr>
+              <a:tr h="888937">
+                <a:tc>
+                  <a:txBody>
+                    <a:bodyPr/>
+                    <a:lstStyle/>
+                    <a:p>
+                      <a:pPr algn="l"/>
+                      <a:r>
+                        <a:rPr lang="en-US" sz="1200" u="none" dirty="0" err="1">
+                          <a:latin typeface="Times" pitchFamily="2" charset="0"/>
+                        </a:rPr>
+                        <a:t>street_num</a:t>
+                      </a:r>
+                      <a:endParaRPr lang="en-US" sz="1200" u="none" dirty="0">
+                        <a:latin typeface="Times" pitchFamily="2" charset="0"/>
+                      </a:endParaRPr>
+                    </a:p>
+                    <a:p>
+                      <a:pPr algn="l"/>
+                      <a:r>
+                        <a:rPr lang="en-US" sz="1200" u="none" dirty="0" err="1">
+                          <a:latin typeface="Times" pitchFamily="2" charset="0"/>
+                        </a:rPr>
+                        <a:t>street_name</a:t>
+                      </a:r>
+                      <a:endParaRPr lang="en-US" sz="1200" u="none" dirty="0">
+                        <a:latin typeface="Times" pitchFamily="2" charset="0"/>
+                      </a:endParaRPr>
+                    </a:p>
+                    <a:p>
+                      <a:pPr algn="l"/>
+                      <a:r>
+                        <a:rPr lang="en-US" sz="1200" u="none" dirty="0">
+                          <a:latin typeface="Times" pitchFamily="2" charset="0"/>
+                        </a:rPr>
+                        <a:t>apartment</a:t>
+                      </a:r>
+                    </a:p>
+                    <a:p>
+                      <a:pPr algn="l"/>
+                      <a:r>
+                        <a:rPr lang="en-US" sz="1200" u="none" dirty="0">
+                          <a:latin typeface="Times" pitchFamily="2" charset="0"/>
+                        </a:rPr>
+                        <a:t>city</a:t>
+                      </a:r>
+                    </a:p>
+                    <a:p>
+                      <a:pPr algn="l"/>
+                      <a:r>
+                        <a:rPr lang="en-US" sz="1200" u="none" dirty="0">
+                          <a:latin typeface="Times" pitchFamily="2" charset="0"/>
+                        </a:rPr>
+                        <a:t>province</a:t>
+                      </a:r>
+                    </a:p>
+                    <a:p>
+                      <a:pPr algn="l"/>
+                      <a:r>
+                        <a:rPr lang="en-US" sz="1200" u="none" dirty="0">
+                          <a:latin typeface="Times" pitchFamily="2" charset="0"/>
+                        </a:rPr>
+                        <a:t>country</a:t>
+                      </a:r>
+                    </a:p>
+                  </a:txBody>
+                  <a:tcPr>
+                    <a:lnL w="9525" cap="flat" cmpd="sng" algn="ctr">
+                      <a:solidFill>
+                        <a:schemeClr val="tx1"/>
+                      </a:solidFill>
+                      <a:prstDash val="solid"/>
+                      <a:round/>
+                      <a:headEnd type="none" w="med" len="med"/>
+                      <a:tailEnd type="none" w="med" len="med"/>
+                    </a:lnL>
+                    <a:lnR w="9525" cap="flat" cmpd="sng" algn="ctr">
+                      <a:solidFill>
+                        <a:schemeClr val="tx1"/>
+                      </a:solidFill>
+                      <a:prstDash val="solid"/>
+                      <a:round/>
+                      <a:headEnd type="none" w="med" len="med"/>
+                      <a:tailEnd type="none" w="med" len="med"/>
+                    </a:lnR>
+                    <a:lnT w="9525" cap="flat" cmpd="sng" algn="ctr">
+                      <a:solidFill>
+                        <a:schemeClr val="tx1"/>
+                      </a:solidFill>
+                      <a:prstDash val="solid"/>
+                      <a:round/>
+                      <a:headEnd type="none" w="med" len="med"/>
+                      <a:tailEnd type="none" w="med" len="med"/>
+                    </a:lnT>
+                    <a:lnB w="9525" cap="flat" cmpd="sng" algn="ctr">
+                      <a:solidFill>
+                        <a:schemeClr val="tx1"/>
+                      </a:solidFill>
+                      <a:prstDash val="solid"/>
+                      <a:round/>
+                      <a:headEnd type="none" w="med" len="med"/>
+                      <a:tailEnd type="none" w="med" len="med"/>
+                    </a:lnB>
+                    <a:solidFill>
+                      <a:schemeClr val="bg1">
+                        <a:alpha val="20000"/>
+                      </a:schemeClr>
+                    </a:solidFill>
+                  </a:tcPr>
+                </a:tc>
+                <a:extLst>
+                  <a:ext uri="{0D108BD9-81ED-4DB2-BD59-A6C34878D82A}">
+                    <a16:rowId xmlns:a16="http://schemas.microsoft.com/office/drawing/2014/main" val="2009406627"/>
+                  </a:ext>
+                </a:extLst>
+              </a:tr>
+            </a:tbl>
+          </a:graphicData>
+        </a:graphic>
+      </p:graphicFrame>
+      <p:sp>
+        <p:nvSpPr>
+          <p:cNvPr id="43" name="Diamond 42">
+            <a:extLst>
+              <a:ext uri="{FF2B5EF4-FFF2-40B4-BE49-F238E27FC236}">
+                <a16:creationId xmlns:a16="http://schemas.microsoft.com/office/drawing/2014/main" id="{77DFCA1F-B7F0-4544-A792-B64A7CC85E4F}"/>
+              </a:ext>
+            </a:extLst>
+          </p:cNvPr>
+          <p:cNvSpPr/>
+          <p:nvPr/>
+        </p:nvSpPr>
+        <p:spPr>
+          <a:xfrm>
+            <a:off x="1989520" y="556794"/>
+            <a:ext cx="2056434" cy="785258"/>
+          </a:xfrm>
+          <a:prstGeom prst="diamond">
+            <a:avLst/>
+          </a:prstGeom>
+          <a:solidFill>
+            <a:schemeClr val="accent5">
+              <a:lumMod val="40000"/>
+              <a:lumOff val="60000"/>
+            </a:schemeClr>
+          </a:solidFill>
+        </p:spPr>
+        <p:style>
+          <a:lnRef idx="2">
+            <a:schemeClr val="accent1">
+              <a:shade val="50000"/>
+            </a:schemeClr>
+          </a:lnRef>
+          <a:fillRef idx="1">
+            <a:schemeClr val="accent1"/>
+          </a:fillRef>
+          <a:effectRef idx="0">
+            <a:schemeClr val="accent1"/>
+          </a:effectRef>
+          <a:fontRef idx="minor">
+            <a:schemeClr val="lt1"/>
+          </a:fontRef>
+        </p:style>
+        <p:txBody>
+          <a:bodyPr rtlCol="0" anchor="ctr"/>
+          <a:lstStyle/>
+          <a:p>
+            <a:pPr algn="ctr"/>
+            <a:r>
+              <a:rPr lang="en-US" sz="1200" i="1" dirty="0" err="1">
+                <a:solidFill>
+                  <a:sysClr val="windowText" lastClr="000000"/>
+                </a:solidFill>
+                <a:latin typeface="Times" pitchFamily="2" charset="0"/>
+              </a:rPr>
+              <a:t>hasAdd</a:t>
+            </a:r>
+            <a:endParaRPr lang="en-US" sz="1200" i="1" dirty="0">
+              <a:solidFill>
+                <a:sysClr val="windowText" lastClr="000000"/>
+              </a:solidFill>
+              <a:latin typeface="Times" pitchFamily="2" charset="0"/>
+            </a:endParaRPr>
+          </a:p>
+        </p:txBody>
+      </p:sp>
       <p:cxnSp>
         <p:nvCxnSpPr>
-          <p:cNvPr id="119" name="Straight Connector 118">
-            <a:extLst>
-              <a:ext uri="{FF2B5EF4-FFF2-40B4-BE49-F238E27FC236}">
-                <a16:creationId xmlns:a16="http://schemas.microsoft.com/office/drawing/2014/main" id="{C0712867-B89E-4309-A190-378C61BC8D53}"/>
+          <p:cNvPr id="45" name="Straight Connector 44">
+            <a:extLst>
+              <a:ext uri="{FF2B5EF4-FFF2-40B4-BE49-F238E27FC236}">
+                <a16:creationId xmlns:a16="http://schemas.microsoft.com/office/drawing/2014/main" id="{9940ABE8-FF34-5241-8BCB-3A5E520A445B}"/>
               </a:ext>
             </a:extLst>
           </p:cNvPr>
           <p:cNvCxnSpPr>
-            <a:cxnSpLocks/>
+            <a:stCxn id="43" idx="1"/>
+            <a:endCxn id="42" idx="3"/>
           </p:cNvCxnSpPr>
           <p:nvPr/>
         </p:nvCxnSpPr>
         <p:spPr>
-          <a:xfrm>
-            <a:off x="4105161" y="1864946"/>
-            <a:ext cx="903149" cy="0"/>
+          <a:xfrm flipH="1">
+            <a:off x="1753823" y="949423"/>
+            <a:ext cx="235697" cy="7973"/>
           </a:xfrm>
           <a:prstGeom prst="line">
             <a:avLst/>
@@ -6790,198 +6719,249 @@
           </a:fontRef>
         </p:style>
       </p:cxnSp>
-      <p:grpSp>
-        <p:nvGrpSpPr>
-          <p:cNvPr id="143" name="Group 142">
-            <a:extLst>
-              <a:ext uri="{FF2B5EF4-FFF2-40B4-BE49-F238E27FC236}">
-                <a16:creationId xmlns:a16="http://schemas.microsoft.com/office/drawing/2014/main" id="{09DB95DA-CA98-45C7-99C3-79844DF31A0C}"/>
-              </a:ext>
-            </a:extLst>
-          </p:cNvPr>
-          <p:cNvGrpSpPr/>
-          <p:nvPr/>
-        </p:nvGrpSpPr>
-        <p:grpSpPr>
-          <a:xfrm>
-            <a:off x="4969183" y="1513949"/>
-            <a:ext cx="78253" cy="945892"/>
-            <a:chOff x="4969183" y="1513949"/>
-            <a:chExt cx="78253" cy="945892"/>
-          </a:xfrm>
-        </p:grpSpPr>
-        <p:grpSp>
-          <p:nvGrpSpPr>
-            <p:cNvPr id="39" name="Group 38">
-              <a:extLst>
-                <a:ext uri="{FF2B5EF4-FFF2-40B4-BE49-F238E27FC236}">
-                  <a16:creationId xmlns:a16="http://schemas.microsoft.com/office/drawing/2014/main" id="{6EDCC391-2135-A54A-9FED-25248CC7B035}"/>
-                </a:ext>
-              </a:extLst>
-            </p:cNvPr>
-            <p:cNvGrpSpPr/>
-            <p:nvPr/>
-          </p:nvGrpSpPr>
-          <p:grpSpPr>
-            <a:xfrm>
-              <a:off x="4969183" y="1513949"/>
-              <a:ext cx="78253" cy="888611"/>
-              <a:chOff x="4991321" y="1224855"/>
-              <a:chExt cx="45719" cy="852211"/>
-            </a:xfrm>
-          </p:grpSpPr>
-          <p:sp>
-            <p:nvSpPr>
-              <p:cNvPr id="40" name="Isosceles Triangle 13">
+      <p:graphicFrame>
+        <p:nvGraphicFramePr>
+          <p:cNvPr id="46" name="Table 45">
+            <a:extLst>
+              <a:ext uri="{FF2B5EF4-FFF2-40B4-BE49-F238E27FC236}">
+                <a16:creationId xmlns:a16="http://schemas.microsoft.com/office/drawing/2014/main" id="{74715D0A-9B0B-B543-AC06-E740AC1CB475}"/>
+              </a:ext>
+            </a:extLst>
+          </p:cNvPr>
+          <p:cNvGraphicFramePr>
+            <a:graphicFrameLocks noGrp="1"/>
+          </p:cNvGraphicFramePr>
+          <p:nvPr>
+            <p:extLst>
+              <p:ext uri="{D42A27DB-BD31-4B8C-83A1-F6EECF244321}">
+                <p14:modId xmlns:p14="http://schemas.microsoft.com/office/powerpoint/2010/main" val="217603634"/>
+              </p:ext>
+            </p:extLst>
+          </p:nvPr>
+        </p:nvGraphicFramePr>
+        <p:xfrm>
+          <a:off x="2412343" y="27497"/>
+          <a:ext cx="1210788" cy="457200"/>
+        </p:xfrm>
+        <a:graphic>
+          <a:graphicData uri="http://schemas.openxmlformats.org/drawingml/2006/table">
+            <a:tbl>
+              <a:tblPr firstRow="1" bandRow="1">
+                <a:tableStyleId>{5FD0F851-EC5A-4D38-B0AD-8093EC10F338}</a:tableStyleId>
+              </a:tblPr>
+              <a:tblGrid>
+                <a:gridCol w="1210788">
+                  <a:extLst>
+                    <a:ext uri="{9D8B030D-6E8A-4147-A177-3AD203B41FA5}">
+                      <a16:colId xmlns:a16="http://schemas.microsoft.com/office/drawing/2014/main" val="1069656790"/>
+                    </a:ext>
+                  </a:extLst>
+                </a:gridCol>
+              </a:tblGrid>
+              <a:tr h="315661">
+                <a:tc>
+                  <a:txBody>
+                    <a:bodyPr/>
+                    <a:lstStyle/>
+                    <a:p>
+                      <a:pPr algn="ctr"/>
+                      <a:r>
+                        <a:rPr lang="en-US" sz="1200" b="0" dirty="0" err="1">
+                          <a:latin typeface="Times" pitchFamily="2" charset="0"/>
+                        </a:rPr>
+                        <a:t>isShipping</a:t>
+                      </a:r>
+                      <a:endParaRPr lang="en-US" sz="1200" b="0" dirty="0">
+                        <a:latin typeface="Times" pitchFamily="2" charset="0"/>
+                      </a:endParaRPr>
+                    </a:p>
+                    <a:p>
+                      <a:pPr algn="ctr"/>
+                      <a:r>
+                        <a:rPr lang="en-US" sz="1200" b="0" dirty="0" err="1">
+                          <a:latin typeface="Times" pitchFamily="2" charset="0"/>
+                        </a:rPr>
+                        <a:t>isBilling</a:t>
+                      </a:r>
+                      <a:endParaRPr lang="en-US" sz="1200" b="0" dirty="0">
+                        <a:latin typeface="Times" pitchFamily="2" charset="0"/>
+                      </a:endParaRPr>
+                    </a:p>
+                  </a:txBody>
+                  <a:tcPr>
+                    <a:lnL w="9525" cap="flat" cmpd="sng" algn="ctr">
+                      <a:solidFill>
+                        <a:schemeClr val="tx1"/>
+                      </a:solidFill>
+                      <a:prstDash val="solid"/>
+                      <a:round/>
+                      <a:headEnd type="none" w="med" len="med"/>
+                      <a:tailEnd type="none" w="med" len="med"/>
+                    </a:lnL>
+                    <a:lnR w="9525" cap="flat" cmpd="sng" algn="ctr">
+                      <a:solidFill>
+                        <a:schemeClr val="tx1"/>
+                      </a:solidFill>
+                      <a:prstDash val="solid"/>
+                      <a:round/>
+                      <a:headEnd type="none" w="med" len="med"/>
+                      <a:tailEnd type="none" w="med" len="med"/>
+                    </a:lnR>
+                    <a:lnT w="9525" cap="flat" cmpd="sng" algn="ctr">
+                      <a:solidFill>
+                        <a:schemeClr val="tx1"/>
+                      </a:solidFill>
+                      <a:prstDash val="solid"/>
+                      <a:round/>
+                      <a:headEnd type="none" w="med" len="med"/>
+                      <a:tailEnd type="none" w="med" len="med"/>
+                    </a:lnT>
+                    <a:lnB w="9525" cap="flat" cmpd="sng" algn="ctr">
+                      <a:solidFill>
+                        <a:schemeClr val="tx1"/>
+                      </a:solidFill>
+                      <a:prstDash val="solid"/>
+                      <a:round/>
+                      <a:headEnd type="none" w="med" len="med"/>
+                      <a:tailEnd type="none" w="med" len="med"/>
+                    </a:lnB>
+                    <a:solidFill>
+                      <a:schemeClr val="bg1">
+                        <a:alpha val="20000"/>
+                      </a:schemeClr>
+                    </a:solidFill>
+                  </a:tcPr>
+                </a:tc>
                 <a:extLst>
-                  <a:ext uri="{FF2B5EF4-FFF2-40B4-BE49-F238E27FC236}">
-                    <a16:creationId xmlns:a16="http://schemas.microsoft.com/office/drawing/2014/main" id="{6A710441-0141-2146-9F45-32E0ADCBBBC9}"/>
+                  <a:ext uri="{0D108BD9-81ED-4DB2-BD59-A6C34878D82A}">
+                    <a16:rowId xmlns:a16="http://schemas.microsoft.com/office/drawing/2014/main" val="2009406627"/>
                   </a:ext>
                 </a:extLst>
-              </p:cNvPr>
-              <p:cNvSpPr/>
-              <p:nvPr/>
-            </p:nvSpPr>
-            <p:spPr>
-              <a:xfrm>
-                <a:off x="4991321" y="1224855"/>
-                <a:ext cx="45719" cy="81710"/>
-              </a:xfrm>
-              <a:prstGeom prst="triangle">
-                <a:avLst/>
-              </a:prstGeom>
-              <a:noFill/>
-              <a:ln>
-                <a:solidFill>
-                  <a:schemeClr val="accent1"/>
-                </a:solidFill>
-              </a:ln>
-            </p:spPr>
-            <p:style>
-              <a:lnRef idx="2">
-                <a:schemeClr val="accent1">
-                  <a:shade val="50000"/>
-                </a:schemeClr>
-              </a:lnRef>
-              <a:fillRef idx="1">
-                <a:schemeClr val="accent1"/>
-              </a:fillRef>
-              <a:effectRef idx="0">
-                <a:schemeClr val="accent1"/>
-              </a:effectRef>
-              <a:fontRef idx="minor">
-                <a:schemeClr val="lt1"/>
-              </a:fontRef>
-            </p:style>
-            <p:txBody>
-              <a:bodyPr rtlCol="0" anchor="ctr"/>
-              <a:lstStyle/>
-              <a:p>
-                <a:pPr algn="ctr"/>
-                <a:endParaRPr lang="en-CA"/>
-              </a:p>
-            </p:txBody>
-          </p:sp>
-          <p:cxnSp>
-            <p:nvCxnSpPr>
-              <p:cNvPr id="41" name="Straight Connector 40">
-                <a:extLst>
-                  <a:ext uri="{FF2B5EF4-FFF2-40B4-BE49-F238E27FC236}">
-                    <a16:creationId xmlns:a16="http://schemas.microsoft.com/office/drawing/2014/main" id="{7C911A81-9097-294D-96F8-A0EC389DDF95}"/>
-                  </a:ext>
-                </a:extLst>
-              </p:cNvPr>
-              <p:cNvCxnSpPr>
-                <a:cxnSpLocks/>
-                <a:stCxn id="40" idx="3"/>
-              </p:cNvCxnSpPr>
-              <p:nvPr/>
-            </p:nvCxnSpPr>
-            <p:spPr>
-              <a:xfrm>
-                <a:off x="5014181" y="1306565"/>
-                <a:ext cx="0" cy="770501"/>
-              </a:xfrm>
-              <a:prstGeom prst="line">
-                <a:avLst/>
-              </a:prstGeom>
-              <a:ln>
-                <a:solidFill>
-                  <a:schemeClr val="accent1"/>
-                </a:solidFill>
-              </a:ln>
-            </p:spPr>
-            <p:style>
-              <a:lnRef idx="1">
-                <a:schemeClr val="dk1"/>
-              </a:lnRef>
-              <a:fillRef idx="0">
-                <a:schemeClr val="dk1"/>
-              </a:fillRef>
-              <a:effectRef idx="0">
-                <a:schemeClr val="dk1"/>
-              </a:effectRef>
-              <a:fontRef idx="minor">
-                <a:schemeClr val="tx1"/>
-              </a:fontRef>
-            </p:style>
-          </p:cxnSp>
-        </p:grpSp>
-        <p:sp>
-          <p:nvSpPr>
-            <p:cNvPr id="142" name="Rectangle 141">
-              <a:extLst>
-                <a:ext uri="{FF2B5EF4-FFF2-40B4-BE49-F238E27FC236}">
-                  <a16:creationId xmlns:a16="http://schemas.microsoft.com/office/drawing/2014/main" id="{BF3CBEAE-32A2-44D3-B905-4B184577329E}"/>
-                </a:ext>
-              </a:extLst>
-            </p:cNvPr>
-            <p:cNvSpPr/>
-            <p:nvPr/>
-          </p:nvSpPr>
-          <p:spPr>
-            <a:xfrm>
-              <a:off x="4969892" y="1874470"/>
-              <a:ext cx="75158" cy="585371"/>
-            </a:xfrm>
-            <a:prstGeom prst="rect">
-              <a:avLst/>
-            </a:prstGeom>
-            <a:solidFill>
-              <a:schemeClr val="bg1"/>
-            </a:solidFill>
-            <a:ln>
-              <a:solidFill>
-                <a:schemeClr val="bg1"/>
-              </a:solidFill>
-            </a:ln>
-          </p:spPr>
-          <p:style>
-            <a:lnRef idx="2">
-              <a:schemeClr val="accent1">
-                <a:shade val="50000"/>
-              </a:schemeClr>
-            </a:lnRef>
-            <a:fillRef idx="1">
-              <a:schemeClr val="accent1"/>
-            </a:fillRef>
-            <a:effectRef idx="0">
-              <a:schemeClr val="accent1"/>
-            </a:effectRef>
-            <a:fontRef idx="minor">
-              <a:schemeClr val="lt1"/>
-            </a:fontRef>
-          </p:style>
-          <p:txBody>
-            <a:bodyPr rtlCol="0" anchor="ctr"/>
-            <a:lstStyle/>
-            <a:p>
-              <a:pPr algn="ctr"/>
-              <a:endParaRPr lang="en-CA"/>
-            </a:p>
-          </p:txBody>
-        </p:sp>
-      </p:grpSp>
+              </a:tr>
+            </a:tbl>
+          </a:graphicData>
+        </a:graphic>
+      </p:graphicFrame>
+      <p:cxnSp>
+        <p:nvCxnSpPr>
+          <p:cNvPr id="47" name="Straight Connector 46">
+            <a:extLst>
+              <a:ext uri="{FF2B5EF4-FFF2-40B4-BE49-F238E27FC236}">
+                <a16:creationId xmlns:a16="http://schemas.microsoft.com/office/drawing/2014/main" id="{7C6709F4-DC94-ED49-933F-AEA32DACB7AC}"/>
+              </a:ext>
+            </a:extLst>
+          </p:cNvPr>
+          <p:cNvCxnSpPr>
+            <a:cxnSpLocks/>
+            <a:stCxn id="46" idx="2"/>
+            <a:endCxn id="43" idx="0"/>
+          </p:cNvCxnSpPr>
+          <p:nvPr/>
+        </p:nvCxnSpPr>
+        <p:spPr>
+          <a:xfrm>
+            <a:off x="3017737" y="484697"/>
+            <a:ext cx="0" cy="72097"/>
+          </a:xfrm>
+          <a:prstGeom prst="line">
+            <a:avLst/>
+          </a:prstGeom>
+          <a:ln>
+            <a:prstDash val="dash"/>
+          </a:ln>
+        </p:spPr>
+        <p:style>
+          <a:lnRef idx="1">
+            <a:schemeClr val="accent1"/>
+          </a:lnRef>
+          <a:fillRef idx="0">
+            <a:schemeClr val="accent1"/>
+          </a:fillRef>
+          <a:effectRef idx="0">
+            <a:schemeClr val="accent1"/>
+          </a:effectRef>
+          <a:fontRef idx="minor">
+            <a:schemeClr val="tx1"/>
+          </a:fontRef>
+        </p:style>
+      </p:cxnSp>
+      <p:sp>
+        <p:nvSpPr>
+          <p:cNvPr id="69" name="TextBox 68">
+            <a:extLst>
+              <a:ext uri="{FF2B5EF4-FFF2-40B4-BE49-F238E27FC236}">
+                <a16:creationId xmlns:a16="http://schemas.microsoft.com/office/drawing/2014/main" id="{8E4A17B4-3079-A842-8530-F4BCF239B4E4}"/>
+              </a:ext>
+            </a:extLst>
+          </p:cNvPr>
+          <p:cNvSpPr txBox="1"/>
+          <p:nvPr/>
+        </p:nvSpPr>
+        <p:spPr>
+          <a:xfrm>
+            <a:off x="3993288" y="730821"/>
+            <a:ext cx="415498" cy="276999"/>
+          </a:xfrm>
+          <a:prstGeom prst="rect">
+            <a:avLst/>
+          </a:prstGeom>
+          <a:noFill/>
+        </p:spPr>
+        <p:txBody>
+          <a:bodyPr wrap="none" rtlCol="0">
+            <a:spAutoFit/>
+          </a:bodyPr>
+          <a:lstStyle/>
+          <a:p>
+            <a:r>
+              <a:rPr lang="en-US" sz="1200" i="1" dirty="0">
+                <a:latin typeface="Times" pitchFamily="2" charset="0"/>
+              </a:rPr>
+              <a:t>0..2</a:t>
+            </a:r>
+          </a:p>
+        </p:txBody>
+      </p:sp>
+      <p:cxnSp>
+        <p:nvCxnSpPr>
+          <p:cNvPr id="29" name="Straight Connector 28">
+            <a:extLst>
+              <a:ext uri="{FF2B5EF4-FFF2-40B4-BE49-F238E27FC236}">
+                <a16:creationId xmlns:a16="http://schemas.microsoft.com/office/drawing/2014/main" id="{69C6911F-8085-E342-B9A8-0F62FACC4EDD}"/>
+              </a:ext>
+            </a:extLst>
+          </p:cNvPr>
+          <p:cNvCxnSpPr>
+            <a:cxnSpLocks/>
+            <a:stCxn id="43" idx="3"/>
+            <a:endCxn id="4" idx="1"/>
+          </p:cNvCxnSpPr>
+          <p:nvPr/>
+        </p:nvCxnSpPr>
+        <p:spPr>
+          <a:xfrm>
+            <a:off x="4045954" y="949423"/>
+            <a:ext cx="362833" cy="1123"/>
+          </a:xfrm>
+          <a:prstGeom prst="line">
+            <a:avLst/>
+          </a:prstGeom>
+        </p:spPr>
+        <p:style>
+          <a:lnRef idx="1">
+            <a:schemeClr val="accent1"/>
+          </a:lnRef>
+          <a:fillRef idx="0">
+            <a:schemeClr val="accent1"/>
+          </a:fillRef>
+          <a:effectRef idx="0">
+            <a:schemeClr val="accent1"/>
+          </a:effectRef>
+          <a:fontRef idx="minor">
+            <a:schemeClr val="tx1"/>
+          </a:fontRef>
+        </p:style>
+      </p:cxnSp>
     </p:spTree>
     <p:extLst>
       <p:ext uri="{BB962C8B-B14F-4D97-AF65-F5344CB8AC3E}">

--- a/ER Diagram/ER Diagram - Project - COMP3005.pptx
+++ b/ER Diagram/ER Diagram - Project - COMP3005.pptx
@@ -3547,13 +3547,13 @@
           <p:nvPr>
             <p:extLst>
               <p:ext uri="{D42A27DB-BD31-4B8C-83A1-F6EECF244321}">
-                <p14:modId xmlns:p14="http://schemas.microsoft.com/office/powerpoint/2010/main" val="662887108"/>
+                <p14:modId xmlns:p14="http://schemas.microsoft.com/office/powerpoint/2010/main" val="3249792611"/>
               </p:ext>
             </p:extLst>
           </p:nvPr>
         </p:nvGraphicFramePr>
         <p:xfrm>
-          <a:off x="4408787" y="36146"/>
+          <a:off x="4390720" y="36146"/>
           <a:ext cx="1210788" cy="1828800"/>
         </p:xfrm>
         <a:graphic>
@@ -3798,10 +3798,10 @@
       </p:graphicFrame>
       <p:graphicFrame>
         <p:nvGraphicFramePr>
-          <p:cNvPr id="11" name="Table 10">
-            <a:extLst>
-              <a:ext uri="{FF2B5EF4-FFF2-40B4-BE49-F238E27FC236}">
-                <a16:creationId xmlns:a16="http://schemas.microsoft.com/office/drawing/2014/main" id="{3D4956F0-D31C-5640-B6E8-C8E687EA58DA}"/>
+          <p:cNvPr id="76" name="Table 75">
+            <a:extLst>
+              <a:ext uri="{FF2B5EF4-FFF2-40B4-BE49-F238E27FC236}">
+                <a16:creationId xmlns:a16="http://schemas.microsoft.com/office/drawing/2014/main" id="{33183596-315A-1944-9D75-A9386B62BE31}"/>
               </a:ext>
             </a:extLst>
           </p:cNvPr>
@@ -3811,13 +3811,1682 @@
           <p:nvPr>
             <p:extLst>
               <p:ext uri="{D42A27DB-BD31-4B8C-83A1-F6EECF244321}">
-                <p14:modId xmlns:p14="http://schemas.microsoft.com/office/powerpoint/2010/main" val="4156352385"/>
+                <p14:modId xmlns:p14="http://schemas.microsoft.com/office/powerpoint/2010/main" val="1298395841"/>
               </p:ext>
             </p:extLst>
           </p:nvPr>
         </p:nvGraphicFramePr>
         <p:xfrm>
-          <a:off x="7314779" y="2910868"/>
+          <a:off x="10974362" y="5239032"/>
+          <a:ext cx="1078230" cy="1463040"/>
+        </p:xfrm>
+        <a:graphic>
+          <a:graphicData uri="http://schemas.openxmlformats.org/drawingml/2006/table">
+            <a:tbl>
+              <a:tblPr firstRow="1" bandRow="1">
+                <a:tableStyleId>{5FD0F851-EC5A-4D38-B0AD-8093EC10F338}</a:tableStyleId>
+              </a:tblPr>
+              <a:tblGrid>
+                <a:gridCol w="1078230">
+                  <a:extLst>
+                    <a:ext uri="{9D8B030D-6E8A-4147-A177-3AD203B41FA5}">
+                      <a16:colId xmlns:a16="http://schemas.microsoft.com/office/drawing/2014/main" val="1069656790"/>
+                    </a:ext>
+                  </a:extLst>
+                </a:gridCol>
+              </a:tblGrid>
+              <a:tr h="0">
+                <a:tc>
+                  <a:txBody>
+                    <a:bodyPr/>
+                    <a:lstStyle/>
+                    <a:p>
+                      <a:pPr algn="ctr"/>
+                      <a:r>
+                        <a:rPr lang="en-US" sz="1200" b="0" dirty="0">
+                          <a:latin typeface="Times" pitchFamily="2" charset="0"/>
+                        </a:rPr>
+                        <a:t>order</a:t>
+                      </a:r>
+                    </a:p>
+                  </a:txBody>
+                  <a:tcPr anchor="ctr">
+                    <a:lnL w="9525" cap="flat" cmpd="sng" algn="ctr">
+                      <a:solidFill>
+                        <a:schemeClr val="tx1"/>
+                      </a:solidFill>
+                      <a:prstDash val="solid"/>
+                      <a:round/>
+                      <a:headEnd type="none" w="med" len="med"/>
+                      <a:tailEnd type="none" w="med" len="med"/>
+                    </a:lnL>
+                    <a:lnR w="9525" cap="flat" cmpd="sng" algn="ctr">
+                      <a:solidFill>
+                        <a:schemeClr val="tx1"/>
+                      </a:solidFill>
+                      <a:prstDash val="solid"/>
+                      <a:round/>
+                      <a:headEnd type="none" w="med" len="med"/>
+                      <a:tailEnd type="none" w="med" len="med"/>
+                    </a:lnR>
+                    <a:lnT w="9525" cap="flat" cmpd="sng" algn="ctr">
+                      <a:solidFill>
+                        <a:schemeClr val="tx1"/>
+                      </a:solidFill>
+                      <a:prstDash val="solid"/>
+                      <a:round/>
+                      <a:headEnd type="none" w="med" len="med"/>
+                      <a:tailEnd type="none" w="med" len="med"/>
+                    </a:lnT>
+                    <a:lnB w="9525" cap="flat" cmpd="sng" algn="ctr">
+                      <a:solidFill>
+                        <a:schemeClr val="tx1"/>
+                      </a:solidFill>
+                      <a:prstDash val="solid"/>
+                      <a:round/>
+                      <a:headEnd type="none" w="med" len="med"/>
+                      <a:tailEnd type="none" w="med" len="med"/>
+                    </a:lnB>
+                    <a:solidFill>
+                      <a:schemeClr val="accent5">
+                        <a:lumMod val="40000"/>
+                        <a:lumOff val="60000"/>
+                      </a:schemeClr>
+                    </a:solidFill>
+                  </a:tcPr>
+                </a:tc>
+                <a:extLst>
+                  <a:ext uri="{0D108BD9-81ED-4DB2-BD59-A6C34878D82A}">
+                    <a16:rowId xmlns:a16="http://schemas.microsoft.com/office/drawing/2014/main" val="3513791863"/>
+                  </a:ext>
+                </a:extLst>
+              </a:tr>
+              <a:tr h="888937">
+                <a:tc>
+                  <a:txBody>
+                    <a:bodyPr/>
+                    <a:lstStyle/>
+                    <a:p>
+                      <a:pPr algn="l"/>
+                      <a:r>
+                        <a:rPr lang="en-US" sz="1200" u="sng" dirty="0" err="1">
+                          <a:latin typeface="Times" pitchFamily="2" charset="0"/>
+                        </a:rPr>
+                        <a:t>order_num</a:t>
+                      </a:r>
+                      <a:endParaRPr lang="en-US" sz="1200" u="sng" dirty="0">
+                        <a:latin typeface="Times" pitchFamily="2" charset="0"/>
+                      </a:endParaRPr>
+                    </a:p>
+                    <a:p>
+                      <a:pPr algn="l"/>
+                      <a:r>
+                        <a:rPr lang="en-US" sz="1200" u="none" dirty="0" err="1">
+                          <a:latin typeface="Times" pitchFamily="2" charset="0"/>
+                        </a:rPr>
+                        <a:t>tracking_num</a:t>
+                      </a:r>
+                      <a:endParaRPr lang="en-US" sz="1200" u="none" dirty="0">
+                        <a:latin typeface="Times" pitchFamily="2" charset="0"/>
+                      </a:endParaRPr>
+                    </a:p>
+                    <a:p>
+                      <a:pPr algn="l"/>
+                      <a:r>
+                        <a:rPr lang="en-US" sz="1200" u="none" dirty="0" err="1">
+                          <a:latin typeface="Times" pitchFamily="2" charset="0"/>
+                        </a:rPr>
+                        <a:t>date_placed</a:t>
+                      </a:r>
+                      <a:endParaRPr lang="en-US" sz="1200" u="none" dirty="0">
+                        <a:latin typeface="Times" pitchFamily="2" charset="0"/>
+                      </a:endParaRPr>
+                    </a:p>
+                    <a:p>
+                      <a:pPr algn="l"/>
+                      <a:r>
+                        <a:rPr lang="en-US" sz="1200" u="none" dirty="0" err="1">
+                          <a:latin typeface="Times" pitchFamily="2" charset="0"/>
+                        </a:rPr>
+                        <a:t>total_price</a:t>
+                      </a:r>
+                      <a:r>
+                        <a:rPr lang="en-US" sz="1200" u="none" dirty="0">
+                          <a:latin typeface="Times" pitchFamily="2" charset="0"/>
+                        </a:rPr>
+                        <a:t>()</a:t>
+                      </a:r>
+                    </a:p>
+                    <a:p>
+                      <a:pPr algn="l"/>
+                      <a:r>
+                        <a:rPr lang="en-US" sz="1200" u="none" dirty="0" err="1">
+                          <a:latin typeface="Times" pitchFamily="2" charset="0"/>
+                        </a:rPr>
+                        <a:t>shipping_add</a:t>
+                      </a:r>
+                      <a:endParaRPr lang="en-US" sz="1200" u="none" dirty="0">
+                        <a:latin typeface="Times" pitchFamily="2" charset="0"/>
+                      </a:endParaRPr>
+                    </a:p>
+                    <a:p>
+                      <a:pPr algn="l"/>
+                      <a:r>
+                        <a:rPr lang="en-US" sz="1200" u="none" dirty="0" err="1">
+                          <a:latin typeface="Times" pitchFamily="2" charset="0"/>
+                        </a:rPr>
+                        <a:t>billing_add</a:t>
+                      </a:r>
+                      <a:endParaRPr lang="en-US" sz="1200" u="none" dirty="0">
+                        <a:latin typeface="Times" pitchFamily="2" charset="0"/>
+                      </a:endParaRPr>
+                    </a:p>
+                  </a:txBody>
+                  <a:tcPr>
+                    <a:lnL w="9525" cap="flat" cmpd="sng" algn="ctr">
+                      <a:solidFill>
+                        <a:schemeClr val="tx1"/>
+                      </a:solidFill>
+                      <a:prstDash val="solid"/>
+                      <a:round/>
+                      <a:headEnd type="none" w="med" len="med"/>
+                      <a:tailEnd type="none" w="med" len="med"/>
+                    </a:lnL>
+                    <a:lnR w="9525" cap="flat" cmpd="sng" algn="ctr">
+                      <a:solidFill>
+                        <a:schemeClr val="tx1"/>
+                      </a:solidFill>
+                      <a:prstDash val="solid"/>
+                      <a:round/>
+                      <a:headEnd type="none" w="med" len="med"/>
+                      <a:tailEnd type="none" w="med" len="med"/>
+                    </a:lnR>
+                    <a:lnT w="9525" cap="flat" cmpd="sng" algn="ctr">
+                      <a:solidFill>
+                        <a:schemeClr val="tx1"/>
+                      </a:solidFill>
+                      <a:prstDash val="solid"/>
+                      <a:round/>
+                      <a:headEnd type="none" w="med" len="med"/>
+                      <a:tailEnd type="none" w="med" len="med"/>
+                    </a:lnT>
+                    <a:lnB w="9525" cap="flat" cmpd="sng" algn="ctr">
+                      <a:solidFill>
+                        <a:schemeClr val="tx1"/>
+                      </a:solidFill>
+                      <a:prstDash val="solid"/>
+                      <a:round/>
+                      <a:headEnd type="none" w="med" len="med"/>
+                      <a:tailEnd type="none" w="med" len="med"/>
+                    </a:lnB>
+                    <a:solidFill>
+                      <a:schemeClr val="bg1">
+                        <a:alpha val="20000"/>
+                      </a:schemeClr>
+                    </a:solidFill>
+                  </a:tcPr>
+                </a:tc>
+                <a:extLst>
+                  <a:ext uri="{0D108BD9-81ED-4DB2-BD59-A6C34878D82A}">
+                    <a16:rowId xmlns:a16="http://schemas.microsoft.com/office/drawing/2014/main" val="2009406627"/>
+                  </a:ext>
+                </a:extLst>
+              </a:tr>
+            </a:tbl>
+          </a:graphicData>
+        </a:graphic>
+      </p:graphicFrame>
+      <p:graphicFrame>
+        <p:nvGraphicFramePr>
+          <p:cNvPr id="13" name="Table 12">
+            <a:extLst>
+              <a:ext uri="{FF2B5EF4-FFF2-40B4-BE49-F238E27FC236}">
+                <a16:creationId xmlns:a16="http://schemas.microsoft.com/office/drawing/2014/main" id="{B17BB100-94EA-4A4D-B9DF-843DD3ABDCEC}"/>
+              </a:ext>
+            </a:extLst>
+          </p:cNvPr>
+          <p:cNvGraphicFramePr>
+            <a:graphicFrameLocks noGrp="1"/>
+          </p:cNvGraphicFramePr>
+          <p:nvPr>
+            <p:extLst>
+              <p:ext uri="{D42A27DB-BD31-4B8C-83A1-F6EECF244321}">
+                <p14:modId xmlns:p14="http://schemas.microsoft.com/office/powerpoint/2010/main" val="1937181067"/>
+              </p:ext>
+            </p:extLst>
+          </p:nvPr>
+        </p:nvGraphicFramePr>
+        <p:xfrm>
+          <a:off x="8625975" y="3962556"/>
+          <a:ext cx="1078230" cy="586570"/>
+        </p:xfrm>
+        <a:graphic>
+          <a:graphicData uri="http://schemas.openxmlformats.org/drawingml/2006/table">
+            <a:tbl>
+              <a:tblPr firstRow="1" bandRow="1">
+                <a:tableStyleId>{5FD0F851-EC5A-4D38-B0AD-8093EC10F338}</a:tableStyleId>
+              </a:tblPr>
+              <a:tblGrid>
+                <a:gridCol w="1078230">
+                  <a:extLst>
+                    <a:ext uri="{9D8B030D-6E8A-4147-A177-3AD203B41FA5}">
+                      <a16:colId xmlns:a16="http://schemas.microsoft.com/office/drawing/2014/main" val="1069656790"/>
+                    </a:ext>
+                  </a:extLst>
+                </a:gridCol>
+              </a:tblGrid>
+              <a:tr h="244584">
+                <a:tc>
+                  <a:txBody>
+                    <a:bodyPr/>
+                    <a:lstStyle/>
+                    <a:p>
+                      <a:pPr algn="ctr"/>
+                      <a:r>
+                        <a:rPr lang="en-US" sz="1200" b="0" dirty="0">
+                          <a:latin typeface="Times" pitchFamily="2" charset="0"/>
+                        </a:rPr>
+                        <a:t>basket</a:t>
+                      </a:r>
+                    </a:p>
+                  </a:txBody>
+                  <a:tcPr anchor="ctr">
+                    <a:lnL w="9525" cap="flat" cmpd="sng" algn="ctr">
+                      <a:solidFill>
+                        <a:schemeClr val="tx1"/>
+                      </a:solidFill>
+                      <a:prstDash val="solid"/>
+                      <a:round/>
+                      <a:headEnd type="none" w="med" len="med"/>
+                      <a:tailEnd type="none" w="med" len="med"/>
+                    </a:lnL>
+                    <a:lnR w="9525" cap="flat" cmpd="sng" algn="ctr">
+                      <a:solidFill>
+                        <a:schemeClr val="tx1"/>
+                      </a:solidFill>
+                      <a:prstDash val="solid"/>
+                      <a:round/>
+                      <a:headEnd type="none" w="med" len="med"/>
+                      <a:tailEnd type="none" w="med" len="med"/>
+                    </a:lnR>
+                    <a:lnT w="9525" cap="flat" cmpd="sng" algn="ctr">
+                      <a:solidFill>
+                        <a:schemeClr val="tx1"/>
+                      </a:solidFill>
+                      <a:prstDash val="solid"/>
+                      <a:round/>
+                      <a:headEnd type="none" w="med" len="med"/>
+                      <a:tailEnd type="none" w="med" len="med"/>
+                    </a:lnT>
+                    <a:lnB w="9525" cap="flat" cmpd="sng" algn="ctr">
+                      <a:solidFill>
+                        <a:schemeClr val="tx1"/>
+                      </a:solidFill>
+                      <a:prstDash val="solid"/>
+                      <a:round/>
+                      <a:headEnd type="none" w="med" len="med"/>
+                      <a:tailEnd type="none" w="med" len="med"/>
+                    </a:lnB>
+                    <a:solidFill>
+                      <a:schemeClr val="accent5">
+                        <a:lumMod val="40000"/>
+                        <a:lumOff val="60000"/>
+                      </a:schemeClr>
+                    </a:solidFill>
+                  </a:tcPr>
+                </a:tc>
+                <a:extLst>
+                  <a:ext uri="{0D108BD9-81ED-4DB2-BD59-A6C34878D82A}">
+                    <a16:rowId xmlns:a16="http://schemas.microsoft.com/office/drawing/2014/main" val="3513791863"/>
+                  </a:ext>
+                </a:extLst>
+              </a:tr>
+              <a:tr h="312250">
+                <a:tc>
+                  <a:txBody>
+                    <a:bodyPr/>
+                    <a:lstStyle/>
+                    <a:p>
+                      <a:pPr algn="l"/>
+                      <a:r>
+                        <a:rPr lang="en-US" sz="1200" u="sng" dirty="0" err="1">
+                          <a:latin typeface="Times" pitchFamily="2" charset="0"/>
+                        </a:rPr>
+                        <a:t>basket_id</a:t>
+                      </a:r>
+                      <a:endParaRPr lang="en-US" sz="1200" u="none" dirty="0">
+                        <a:latin typeface="Times" pitchFamily="2" charset="0"/>
+                      </a:endParaRPr>
+                    </a:p>
+                  </a:txBody>
+                  <a:tcPr>
+                    <a:lnL w="9525" cap="flat" cmpd="sng" algn="ctr">
+                      <a:solidFill>
+                        <a:schemeClr val="tx1"/>
+                      </a:solidFill>
+                      <a:prstDash val="solid"/>
+                      <a:round/>
+                      <a:headEnd type="none" w="med" len="med"/>
+                      <a:tailEnd type="none" w="med" len="med"/>
+                    </a:lnL>
+                    <a:lnR w="9525" cap="flat" cmpd="sng" algn="ctr">
+                      <a:solidFill>
+                        <a:schemeClr val="tx1"/>
+                      </a:solidFill>
+                      <a:prstDash val="solid"/>
+                      <a:round/>
+                      <a:headEnd type="none" w="med" len="med"/>
+                      <a:tailEnd type="none" w="med" len="med"/>
+                    </a:lnR>
+                    <a:lnT w="9525" cap="flat" cmpd="sng" algn="ctr">
+                      <a:solidFill>
+                        <a:schemeClr val="tx1"/>
+                      </a:solidFill>
+                      <a:prstDash val="solid"/>
+                      <a:round/>
+                      <a:headEnd type="none" w="med" len="med"/>
+                      <a:tailEnd type="none" w="med" len="med"/>
+                    </a:lnT>
+                    <a:lnB w="9525" cap="flat" cmpd="sng" algn="ctr">
+                      <a:solidFill>
+                        <a:schemeClr val="tx1"/>
+                      </a:solidFill>
+                      <a:prstDash val="solid"/>
+                      <a:round/>
+                      <a:headEnd type="none" w="med" len="med"/>
+                      <a:tailEnd type="none" w="med" len="med"/>
+                    </a:lnB>
+                    <a:solidFill>
+                      <a:schemeClr val="bg1">
+                        <a:alpha val="20000"/>
+                      </a:schemeClr>
+                    </a:solidFill>
+                  </a:tcPr>
+                </a:tc>
+                <a:extLst>
+                  <a:ext uri="{0D108BD9-81ED-4DB2-BD59-A6C34878D82A}">
+                    <a16:rowId xmlns:a16="http://schemas.microsoft.com/office/drawing/2014/main" val="2009406627"/>
+                  </a:ext>
+                </a:extLst>
+              </a:tr>
+            </a:tbl>
+          </a:graphicData>
+        </a:graphic>
+      </p:graphicFrame>
+      <p:cxnSp>
+        <p:nvCxnSpPr>
+          <p:cNvPr id="74" name="Straight Connector 73">
+            <a:extLst>
+              <a:ext uri="{FF2B5EF4-FFF2-40B4-BE49-F238E27FC236}">
+                <a16:creationId xmlns:a16="http://schemas.microsoft.com/office/drawing/2014/main" id="{199A7694-09AF-C148-B3DC-347DDD72ACD6}"/>
+              </a:ext>
+            </a:extLst>
+          </p:cNvPr>
+          <p:cNvCxnSpPr>
+            <a:cxnSpLocks/>
+            <a:stCxn id="13" idx="1"/>
+            <a:endCxn id="108" idx="3"/>
+          </p:cNvCxnSpPr>
+          <p:nvPr/>
+        </p:nvCxnSpPr>
+        <p:spPr>
+          <a:xfrm flipH="1">
+            <a:off x="7917149" y="4255841"/>
+            <a:ext cx="708826" cy="0"/>
+          </a:xfrm>
+          <a:prstGeom prst="line">
+            <a:avLst/>
+          </a:prstGeom>
+        </p:spPr>
+        <p:style>
+          <a:lnRef idx="1">
+            <a:schemeClr val="accent1"/>
+          </a:lnRef>
+          <a:fillRef idx="0">
+            <a:schemeClr val="accent1"/>
+          </a:fillRef>
+          <a:effectRef idx="0">
+            <a:schemeClr val="accent1"/>
+          </a:effectRef>
+          <a:fontRef idx="minor">
+            <a:schemeClr val="tx1"/>
+          </a:fontRef>
+        </p:style>
+      </p:cxnSp>
+      <p:cxnSp>
+        <p:nvCxnSpPr>
+          <p:cNvPr id="85" name="Straight Connector 84">
+            <a:extLst>
+              <a:ext uri="{FF2B5EF4-FFF2-40B4-BE49-F238E27FC236}">
+                <a16:creationId xmlns:a16="http://schemas.microsoft.com/office/drawing/2014/main" id="{A2AAEF91-A41F-0742-8F6F-E74ABBC436D9}"/>
+              </a:ext>
+            </a:extLst>
+          </p:cNvPr>
+          <p:cNvCxnSpPr>
+            <a:cxnSpLocks/>
+            <a:stCxn id="78" idx="1"/>
+            <a:endCxn id="4" idx="2"/>
+          </p:cNvCxnSpPr>
+          <p:nvPr/>
+        </p:nvCxnSpPr>
+        <p:spPr>
+          <a:xfrm rot="10800000">
+            <a:off x="4996114" y="1864946"/>
+            <a:ext cx="3190592" cy="1087592"/>
+          </a:xfrm>
+          <a:prstGeom prst="bentConnector2">
+            <a:avLst/>
+          </a:prstGeom>
+          <a:ln>
+            <a:headEnd type="none"/>
+            <a:tailEnd type="triangle"/>
+          </a:ln>
+        </p:spPr>
+        <p:style>
+          <a:lnRef idx="1">
+            <a:schemeClr val="accent1"/>
+          </a:lnRef>
+          <a:fillRef idx="0">
+            <a:schemeClr val="accent1"/>
+          </a:fillRef>
+          <a:effectRef idx="0">
+            <a:schemeClr val="accent1"/>
+          </a:effectRef>
+          <a:fontRef idx="minor">
+            <a:schemeClr val="tx1"/>
+          </a:fontRef>
+        </p:style>
+      </p:cxnSp>
+      <p:cxnSp>
+        <p:nvCxnSpPr>
+          <p:cNvPr id="88" name="Straight Connector 87">
+            <a:extLst>
+              <a:ext uri="{FF2B5EF4-FFF2-40B4-BE49-F238E27FC236}">
+                <a16:creationId xmlns:a16="http://schemas.microsoft.com/office/drawing/2014/main" id="{7C54BA29-6DAD-E54F-A697-60C400AFD9D7}"/>
+              </a:ext>
+            </a:extLst>
+          </p:cNvPr>
+          <p:cNvCxnSpPr>
+            <a:cxnSpLocks/>
+            <a:stCxn id="78" idx="2"/>
+            <a:endCxn id="13" idx="0"/>
+          </p:cNvCxnSpPr>
+          <p:nvPr/>
+        </p:nvCxnSpPr>
+        <p:spPr>
+          <a:xfrm>
+            <a:off x="9165090" y="3459836"/>
+            <a:ext cx="0" cy="502720"/>
+          </a:xfrm>
+          <a:prstGeom prst="line">
+            <a:avLst/>
+          </a:prstGeom>
+          <a:ln>
+            <a:headEnd type="none"/>
+            <a:tailEnd type="none"/>
+          </a:ln>
+        </p:spPr>
+        <p:style>
+          <a:lnRef idx="1">
+            <a:schemeClr val="accent1"/>
+          </a:lnRef>
+          <a:fillRef idx="0">
+            <a:schemeClr val="accent1"/>
+          </a:fillRef>
+          <a:effectRef idx="0">
+            <a:schemeClr val="accent1"/>
+          </a:effectRef>
+          <a:fontRef idx="minor">
+            <a:schemeClr val="tx1"/>
+          </a:fontRef>
+        </p:style>
+      </p:cxnSp>
+      <p:cxnSp>
+        <p:nvCxnSpPr>
+          <p:cNvPr id="113" name="Straight Connector 112">
+            <a:extLst>
+              <a:ext uri="{FF2B5EF4-FFF2-40B4-BE49-F238E27FC236}">
+                <a16:creationId xmlns:a16="http://schemas.microsoft.com/office/drawing/2014/main" id="{86674C74-450E-9E4C-AC34-F2CBA8E561A6}"/>
+              </a:ext>
+            </a:extLst>
+          </p:cNvPr>
+          <p:cNvCxnSpPr>
+            <a:cxnSpLocks/>
+            <a:stCxn id="100" idx="0"/>
+            <a:endCxn id="13" idx="2"/>
+          </p:cNvCxnSpPr>
+          <p:nvPr/>
+        </p:nvCxnSpPr>
+        <p:spPr>
+          <a:xfrm flipV="1">
+            <a:off x="9165090" y="4549126"/>
+            <a:ext cx="0" cy="917393"/>
+          </a:xfrm>
+          <a:prstGeom prst="line">
+            <a:avLst/>
+          </a:prstGeom>
+        </p:spPr>
+        <p:style>
+          <a:lnRef idx="1">
+            <a:schemeClr val="accent1"/>
+          </a:lnRef>
+          <a:fillRef idx="0">
+            <a:schemeClr val="accent1"/>
+          </a:fillRef>
+          <a:effectRef idx="0">
+            <a:schemeClr val="accent1"/>
+          </a:effectRef>
+          <a:fontRef idx="minor">
+            <a:schemeClr val="tx1"/>
+          </a:fontRef>
+        </p:style>
+      </p:cxnSp>
+      <p:cxnSp>
+        <p:nvCxnSpPr>
+          <p:cNvPr id="116" name="Straight Connector 115">
+            <a:extLst>
+              <a:ext uri="{FF2B5EF4-FFF2-40B4-BE49-F238E27FC236}">
+                <a16:creationId xmlns:a16="http://schemas.microsoft.com/office/drawing/2014/main" id="{EE11C82C-B032-0346-A3DD-95236DA2ECD1}"/>
+              </a:ext>
+            </a:extLst>
+          </p:cNvPr>
+          <p:cNvCxnSpPr>
+            <a:cxnSpLocks/>
+            <a:stCxn id="100" idx="3"/>
+            <a:endCxn id="76" idx="1"/>
+          </p:cNvCxnSpPr>
+          <p:nvPr/>
+        </p:nvCxnSpPr>
+        <p:spPr>
+          <a:xfrm flipV="1">
+            <a:off x="10143474" y="5970552"/>
+            <a:ext cx="830888" cy="3266"/>
+          </a:xfrm>
+          <a:prstGeom prst="line">
+            <a:avLst/>
+          </a:prstGeom>
+          <a:ln>
+            <a:headEnd type="none"/>
+            <a:tailEnd type="triangle"/>
+          </a:ln>
+        </p:spPr>
+        <p:style>
+          <a:lnRef idx="1">
+            <a:schemeClr val="accent1"/>
+          </a:lnRef>
+          <a:fillRef idx="0">
+            <a:schemeClr val="accent1"/>
+          </a:fillRef>
+          <a:effectRef idx="0">
+            <a:schemeClr val="accent1"/>
+          </a:effectRef>
+          <a:fontRef idx="minor">
+            <a:schemeClr val="tx1"/>
+          </a:fontRef>
+        </p:style>
+      </p:cxnSp>
+      <p:graphicFrame>
+        <p:nvGraphicFramePr>
+          <p:cNvPr id="129" name="Table 128">
+            <a:extLst>
+              <a:ext uri="{FF2B5EF4-FFF2-40B4-BE49-F238E27FC236}">
+                <a16:creationId xmlns:a16="http://schemas.microsoft.com/office/drawing/2014/main" id="{B390E181-B6B5-794A-9C6C-DA783BF873FC}"/>
+              </a:ext>
+            </a:extLst>
+          </p:cNvPr>
+          <p:cNvGraphicFramePr>
+            <a:graphicFrameLocks noGrp="1"/>
+          </p:cNvGraphicFramePr>
+          <p:nvPr>
+            <p:extLst>
+              <p:ext uri="{D42A27DB-BD31-4B8C-83A1-F6EECF244321}">
+                <p14:modId xmlns:p14="http://schemas.microsoft.com/office/powerpoint/2010/main" val="713185181"/>
+              </p:ext>
+            </p:extLst>
+          </p:nvPr>
+        </p:nvGraphicFramePr>
+        <p:xfrm>
+          <a:off x="7248500" y="592034"/>
+          <a:ext cx="1210788" cy="554574"/>
+        </p:xfrm>
+        <a:graphic>
+          <a:graphicData uri="http://schemas.openxmlformats.org/drawingml/2006/table">
+            <a:tbl>
+              <a:tblPr firstRow="1" bandRow="1">
+                <a:tableStyleId>{5FD0F851-EC5A-4D38-B0AD-8093EC10F338}</a:tableStyleId>
+              </a:tblPr>
+              <a:tblGrid>
+                <a:gridCol w="1210788">
+                  <a:extLst>
+                    <a:ext uri="{9D8B030D-6E8A-4147-A177-3AD203B41FA5}">
+                      <a16:colId xmlns:a16="http://schemas.microsoft.com/office/drawing/2014/main" val="1069656790"/>
+                    </a:ext>
+                  </a:extLst>
+                </a:gridCol>
+              </a:tblGrid>
+              <a:tr h="238351">
+                <a:tc>
+                  <a:txBody>
+                    <a:bodyPr/>
+                    <a:lstStyle/>
+                    <a:p>
+                      <a:pPr algn="ctr"/>
+                      <a:r>
+                        <a:rPr lang="en-US" sz="1200" b="0" dirty="0">
+                          <a:latin typeface="Times" pitchFamily="2" charset="0"/>
+                        </a:rPr>
+                        <a:t>librarian</a:t>
+                      </a:r>
+                    </a:p>
+                  </a:txBody>
+                  <a:tcPr anchor="ctr">
+                    <a:lnL w="9525" cap="flat" cmpd="sng" algn="ctr">
+                      <a:solidFill>
+                        <a:schemeClr val="tx1"/>
+                      </a:solidFill>
+                      <a:prstDash val="solid"/>
+                      <a:round/>
+                      <a:headEnd type="none" w="med" len="med"/>
+                      <a:tailEnd type="none" w="med" len="med"/>
+                    </a:lnL>
+                    <a:lnR w="9525" cap="flat" cmpd="sng" algn="ctr">
+                      <a:solidFill>
+                        <a:schemeClr val="tx1"/>
+                      </a:solidFill>
+                      <a:prstDash val="solid"/>
+                      <a:round/>
+                      <a:headEnd type="none" w="med" len="med"/>
+                      <a:tailEnd type="none" w="med" len="med"/>
+                    </a:lnR>
+                    <a:lnT w="9525" cap="flat" cmpd="sng" algn="ctr">
+                      <a:solidFill>
+                        <a:schemeClr val="tx1"/>
+                      </a:solidFill>
+                      <a:prstDash val="solid"/>
+                      <a:round/>
+                      <a:headEnd type="none" w="med" len="med"/>
+                      <a:tailEnd type="none" w="med" len="med"/>
+                    </a:lnT>
+                    <a:lnB w="9525" cap="flat" cmpd="sng" algn="ctr">
+                      <a:solidFill>
+                        <a:schemeClr val="tx1"/>
+                      </a:solidFill>
+                      <a:prstDash val="solid"/>
+                      <a:round/>
+                      <a:headEnd type="none" w="med" len="med"/>
+                      <a:tailEnd type="none" w="med" len="med"/>
+                    </a:lnB>
+                    <a:solidFill>
+                      <a:schemeClr val="accent5">
+                        <a:lumMod val="40000"/>
+                        <a:lumOff val="60000"/>
+                      </a:schemeClr>
+                    </a:solidFill>
+                  </a:tcPr>
+                </a:tc>
+                <a:extLst>
+                  <a:ext uri="{0D108BD9-81ED-4DB2-BD59-A6C34878D82A}">
+                    <a16:rowId xmlns:a16="http://schemas.microsoft.com/office/drawing/2014/main" val="3513791863"/>
+                  </a:ext>
+                </a:extLst>
+              </a:tr>
+              <a:tr h="280254">
+                <a:tc>
+                  <a:txBody>
+                    <a:bodyPr/>
+                    <a:lstStyle/>
+                    <a:p>
+                      <a:pPr algn="l"/>
+                      <a:r>
+                        <a:rPr lang="en-US" sz="1200" dirty="0">
+                          <a:latin typeface="Times" pitchFamily="2" charset="0"/>
+                        </a:rPr>
+                        <a:t>salary</a:t>
+                      </a:r>
+                    </a:p>
+                  </a:txBody>
+                  <a:tcPr>
+                    <a:lnL w="9525" cap="flat" cmpd="sng" algn="ctr">
+                      <a:solidFill>
+                        <a:schemeClr val="tx1"/>
+                      </a:solidFill>
+                      <a:prstDash val="solid"/>
+                      <a:round/>
+                      <a:headEnd type="none" w="med" len="med"/>
+                      <a:tailEnd type="none" w="med" len="med"/>
+                    </a:lnL>
+                    <a:lnR w="9525" cap="flat" cmpd="sng" algn="ctr">
+                      <a:solidFill>
+                        <a:schemeClr val="tx1"/>
+                      </a:solidFill>
+                      <a:prstDash val="solid"/>
+                      <a:round/>
+                      <a:headEnd type="none" w="med" len="med"/>
+                      <a:tailEnd type="none" w="med" len="med"/>
+                    </a:lnR>
+                    <a:lnT w="9525" cap="flat" cmpd="sng" algn="ctr">
+                      <a:solidFill>
+                        <a:schemeClr val="tx1"/>
+                      </a:solidFill>
+                      <a:prstDash val="solid"/>
+                      <a:round/>
+                      <a:headEnd type="none" w="med" len="med"/>
+                      <a:tailEnd type="none" w="med" len="med"/>
+                    </a:lnT>
+                    <a:lnB w="9525" cap="flat" cmpd="sng" algn="ctr">
+                      <a:solidFill>
+                        <a:schemeClr val="tx1"/>
+                      </a:solidFill>
+                      <a:prstDash val="solid"/>
+                      <a:round/>
+                      <a:headEnd type="none" w="med" len="med"/>
+                      <a:tailEnd type="none" w="med" len="med"/>
+                    </a:lnB>
+                    <a:solidFill>
+                      <a:schemeClr val="bg1">
+                        <a:alpha val="20000"/>
+                      </a:schemeClr>
+                    </a:solidFill>
+                  </a:tcPr>
+                </a:tc>
+                <a:extLst>
+                  <a:ext uri="{0D108BD9-81ED-4DB2-BD59-A6C34878D82A}">
+                    <a16:rowId xmlns:a16="http://schemas.microsoft.com/office/drawing/2014/main" val="2009406627"/>
+                  </a:ext>
+                </a:extLst>
+              </a:tr>
+            </a:tbl>
+          </a:graphicData>
+        </a:graphic>
+      </p:graphicFrame>
+      <p:sp>
+        <p:nvSpPr>
+          <p:cNvPr id="78" name="Diamond 77">
+            <a:extLst>
+              <a:ext uri="{FF2B5EF4-FFF2-40B4-BE49-F238E27FC236}">
+                <a16:creationId xmlns:a16="http://schemas.microsoft.com/office/drawing/2014/main" id="{FBF2437C-3794-4EDB-A0C3-7FAA19A8EF24}"/>
+              </a:ext>
+            </a:extLst>
+          </p:cNvPr>
+          <p:cNvSpPr/>
+          <p:nvPr/>
+        </p:nvSpPr>
+        <p:spPr>
+          <a:xfrm>
+            <a:off x="8186706" y="2445239"/>
+            <a:ext cx="1956768" cy="1014597"/>
+          </a:xfrm>
+          <a:prstGeom prst="diamond">
+            <a:avLst/>
+          </a:prstGeom>
+          <a:solidFill>
+            <a:schemeClr val="accent5">
+              <a:lumMod val="40000"/>
+              <a:lumOff val="60000"/>
+            </a:schemeClr>
+          </a:solidFill>
+        </p:spPr>
+        <p:style>
+          <a:lnRef idx="2">
+            <a:schemeClr val="accent1">
+              <a:shade val="50000"/>
+            </a:schemeClr>
+          </a:lnRef>
+          <a:fillRef idx="1">
+            <a:schemeClr val="accent1"/>
+          </a:fillRef>
+          <a:effectRef idx="0">
+            <a:schemeClr val="accent1"/>
+          </a:effectRef>
+          <a:fontRef idx="minor">
+            <a:schemeClr val="lt1"/>
+          </a:fontRef>
+        </p:style>
+        <p:txBody>
+          <a:bodyPr rtlCol="0" anchor="ctr"/>
+          <a:lstStyle/>
+          <a:p>
+            <a:pPr algn="ctr"/>
+            <a:r>
+              <a:rPr lang="en-US" sz="1100" i="1" dirty="0" err="1">
+                <a:solidFill>
+                  <a:sysClr val="windowText" lastClr="000000"/>
+                </a:solidFill>
+                <a:latin typeface="Times" pitchFamily="2" charset="0"/>
+              </a:rPr>
+              <a:t>bask_manage</a:t>
+            </a:r>
+            <a:endParaRPr lang="en-US" sz="1100" i="1" dirty="0">
+              <a:solidFill>
+                <a:sysClr val="windowText" lastClr="000000"/>
+              </a:solidFill>
+              <a:latin typeface="Times" pitchFamily="2" charset="0"/>
+            </a:endParaRPr>
+          </a:p>
+        </p:txBody>
+      </p:sp>
+      <p:sp>
+        <p:nvSpPr>
+          <p:cNvPr id="100" name="Diamond 99">
+            <a:extLst>
+              <a:ext uri="{FF2B5EF4-FFF2-40B4-BE49-F238E27FC236}">
+                <a16:creationId xmlns:a16="http://schemas.microsoft.com/office/drawing/2014/main" id="{A19433CF-0BF2-4A7E-B185-99A81A735812}"/>
+              </a:ext>
+            </a:extLst>
+          </p:cNvPr>
+          <p:cNvSpPr/>
+          <p:nvPr/>
+        </p:nvSpPr>
+        <p:spPr>
+          <a:xfrm>
+            <a:off x="8186706" y="5466519"/>
+            <a:ext cx="1956768" cy="1014597"/>
+          </a:xfrm>
+          <a:prstGeom prst="diamond">
+            <a:avLst/>
+          </a:prstGeom>
+          <a:solidFill>
+            <a:schemeClr val="accent5">
+              <a:lumMod val="40000"/>
+              <a:lumOff val="60000"/>
+            </a:schemeClr>
+          </a:solidFill>
+        </p:spPr>
+        <p:style>
+          <a:lnRef idx="2">
+            <a:schemeClr val="accent1">
+              <a:shade val="50000"/>
+            </a:schemeClr>
+          </a:lnRef>
+          <a:fillRef idx="1">
+            <a:schemeClr val="accent1"/>
+          </a:fillRef>
+          <a:effectRef idx="0">
+            <a:schemeClr val="accent1"/>
+          </a:effectRef>
+          <a:fontRef idx="minor">
+            <a:schemeClr val="lt1"/>
+          </a:fontRef>
+        </p:style>
+        <p:txBody>
+          <a:bodyPr rtlCol="0" anchor="ctr"/>
+          <a:lstStyle/>
+          <a:p>
+            <a:pPr algn="ctr"/>
+            <a:r>
+              <a:rPr lang="en-US" sz="1100" i="1" dirty="0">
+                <a:solidFill>
+                  <a:sysClr val="windowText" lastClr="000000"/>
+                </a:solidFill>
+                <a:latin typeface="Times" pitchFamily="2" charset="0"/>
+              </a:rPr>
+              <a:t>checkout</a:t>
+            </a:r>
+          </a:p>
+        </p:txBody>
+      </p:sp>
+      <p:grpSp>
+        <p:nvGrpSpPr>
+          <p:cNvPr id="104" name="Group 103">
+            <a:extLst>
+              <a:ext uri="{FF2B5EF4-FFF2-40B4-BE49-F238E27FC236}">
+                <a16:creationId xmlns:a16="http://schemas.microsoft.com/office/drawing/2014/main" id="{A692A6FD-34E4-4E67-99F6-C875B5FAD33A}"/>
+              </a:ext>
+            </a:extLst>
+          </p:cNvPr>
+          <p:cNvGrpSpPr/>
+          <p:nvPr/>
+        </p:nvGrpSpPr>
+        <p:grpSpPr>
+          <a:xfrm rot="16200000">
+            <a:off x="6039400" y="427990"/>
+            <a:ext cx="78253" cy="888611"/>
+            <a:chOff x="4991321" y="1224855"/>
+            <a:chExt cx="45719" cy="852211"/>
+          </a:xfrm>
+        </p:grpSpPr>
+        <p:sp>
+          <p:nvSpPr>
+            <p:cNvPr id="105" name="Isosceles Triangle 13">
+              <a:extLst>
+                <a:ext uri="{FF2B5EF4-FFF2-40B4-BE49-F238E27FC236}">
+                  <a16:creationId xmlns:a16="http://schemas.microsoft.com/office/drawing/2014/main" id="{31D160B4-3212-4E2B-B91C-93408B008621}"/>
+                </a:ext>
+              </a:extLst>
+            </p:cNvPr>
+            <p:cNvSpPr/>
+            <p:nvPr/>
+          </p:nvSpPr>
+          <p:spPr>
+            <a:xfrm>
+              <a:off x="4991321" y="1224855"/>
+              <a:ext cx="45719" cy="81710"/>
+            </a:xfrm>
+            <a:prstGeom prst="triangle">
+              <a:avLst/>
+            </a:prstGeom>
+            <a:noFill/>
+            <a:ln>
+              <a:solidFill>
+                <a:schemeClr val="accent1"/>
+              </a:solidFill>
+            </a:ln>
+          </p:spPr>
+          <p:style>
+            <a:lnRef idx="2">
+              <a:schemeClr val="accent1">
+                <a:shade val="50000"/>
+              </a:schemeClr>
+            </a:lnRef>
+            <a:fillRef idx="1">
+              <a:schemeClr val="accent1"/>
+            </a:fillRef>
+            <a:effectRef idx="0">
+              <a:schemeClr val="accent1"/>
+            </a:effectRef>
+            <a:fontRef idx="minor">
+              <a:schemeClr val="lt1"/>
+            </a:fontRef>
+          </p:style>
+          <p:txBody>
+            <a:bodyPr rtlCol="0" anchor="ctr"/>
+            <a:lstStyle/>
+            <a:p>
+              <a:pPr algn="ctr"/>
+              <a:endParaRPr lang="en-CA"/>
+            </a:p>
+          </p:txBody>
+        </p:sp>
+        <p:cxnSp>
+          <p:nvCxnSpPr>
+            <p:cNvPr id="106" name="Straight Connector 105">
+              <a:extLst>
+                <a:ext uri="{FF2B5EF4-FFF2-40B4-BE49-F238E27FC236}">
+                  <a16:creationId xmlns:a16="http://schemas.microsoft.com/office/drawing/2014/main" id="{49D4E70C-34AB-4DA2-B1A1-1CE639417140}"/>
+                </a:ext>
+              </a:extLst>
+            </p:cNvPr>
+            <p:cNvCxnSpPr>
+              <a:cxnSpLocks/>
+              <a:stCxn id="105" idx="3"/>
+            </p:cNvCxnSpPr>
+            <p:nvPr/>
+          </p:nvCxnSpPr>
+          <p:spPr>
+            <a:xfrm>
+              <a:off x="5014181" y="1306565"/>
+              <a:ext cx="0" cy="770501"/>
+            </a:xfrm>
+            <a:prstGeom prst="line">
+              <a:avLst/>
+            </a:prstGeom>
+            <a:ln>
+              <a:solidFill>
+                <a:schemeClr val="accent1"/>
+              </a:solidFill>
+            </a:ln>
+          </p:spPr>
+          <p:style>
+            <a:lnRef idx="1">
+              <a:schemeClr val="dk1"/>
+            </a:lnRef>
+            <a:fillRef idx="0">
+              <a:schemeClr val="dk1"/>
+            </a:fillRef>
+            <a:effectRef idx="0">
+              <a:schemeClr val="dk1"/>
+            </a:effectRef>
+            <a:fontRef idx="minor">
+              <a:schemeClr val="tx1"/>
+            </a:fontRef>
+          </p:style>
+        </p:cxnSp>
+      </p:grpSp>
+      <p:cxnSp>
+        <p:nvCxnSpPr>
+          <p:cNvPr id="93" name="Straight Connector 92">
+            <a:extLst>
+              <a:ext uri="{FF2B5EF4-FFF2-40B4-BE49-F238E27FC236}">
+                <a16:creationId xmlns:a16="http://schemas.microsoft.com/office/drawing/2014/main" id="{69369067-AE5E-4ED0-8801-942DC7A0173F}"/>
+              </a:ext>
+            </a:extLst>
+          </p:cNvPr>
+          <p:cNvCxnSpPr>
+            <a:cxnSpLocks/>
+          </p:cNvCxnSpPr>
+          <p:nvPr/>
+        </p:nvCxnSpPr>
+        <p:spPr>
+          <a:xfrm>
+            <a:off x="6522833" y="872052"/>
+            <a:ext cx="725667" cy="1"/>
+          </a:xfrm>
+          <a:prstGeom prst="line">
+            <a:avLst/>
+          </a:prstGeom>
+        </p:spPr>
+        <p:style>
+          <a:lnRef idx="1">
+            <a:schemeClr val="accent1"/>
+          </a:lnRef>
+          <a:fillRef idx="0">
+            <a:schemeClr val="accent1"/>
+          </a:fillRef>
+          <a:effectRef idx="0">
+            <a:schemeClr val="accent1"/>
+          </a:effectRef>
+          <a:fontRef idx="minor">
+            <a:schemeClr val="tx1"/>
+          </a:fontRef>
+        </p:style>
+      </p:cxnSp>
+      <p:graphicFrame>
+        <p:nvGraphicFramePr>
+          <p:cNvPr id="42" name="Table 41">
+            <a:extLst>
+              <a:ext uri="{FF2B5EF4-FFF2-40B4-BE49-F238E27FC236}">
+                <a16:creationId xmlns:a16="http://schemas.microsoft.com/office/drawing/2014/main" id="{6494A861-4A23-AD4B-B6EA-664A28DCD946}"/>
+              </a:ext>
+            </a:extLst>
+          </p:cNvPr>
+          <p:cNvGraphicFramePr>
+            <a:graphicFrameLocks noGrp="1"/>
+          </p:cNvGraphicFramePr>
+          <p:nvPr>
+            <p:extLst>
+              <p:ext uri="{D42A27DB-BD31-4B8C-83A1-F6EECF244321}">
+                <p14:modId xmlns:p14="http://schemas.microsoft.com/office/powerpoint/2010/main" val="4041563742"/>
+              </p:ext>
+            </p:extLst>
+          </p:nvPr>
+        </p:nvGraphicFramePr>
+        <p:xfrm>
+          <a:off x="543035" y="122030"/>
+          <a:ext cx="1210788" cy="1645920"/>
+        </p:xfrm>
+        <a:graphic>
+          <a:graphicData uri="http://schemas.openxmlformats.org/drawingml/2006/table">
+            <a:tbl>
+              <a:tblPr firstRow="1" bandRow="1">
+                <a:tableStyleId>{5FD0F851-EC5A-4D38-B0AD-8093EC10F338}</a:tableStyleId>
+              </a:tblPr>
+              <a:tblGrid>
+                <a:gridCol w="1210788">
+                  <a:extLst>
+                    <a:ext uri="{9D8B030D-6E8A-4147-A177-3AD203B41FA5}">
+                      <a16:colId xmlns:a16="http://schemas.microsoft.com/office/drawing/2014/main" val="1069656790"/>
+                    </a:ext>
+                  </a:extLst>
+                </a:gridCol>
+              </a:tblGrid>
+              <a:tr h="146680">
+                <a:tc>
+                  <a:txBody>
+                    <a:bodyPr/>
+                    <a:lstStyle/>
+                    <a:p>
+                      <a:pPr algn="ctr"/>
+                      <a:r>
+                        <a:rPr lang="en-US" sz="1200" b="0" dirty="0">
+                          <a:latin typeface="Times" pitchFamily="2" charset="0"/>
+                        </a:rPr>
+                        <a:t>address</a:t>
+                      </a:r>
+                    </a:p>
+                  </a:txBody>
+                  <a:tcPr anchor="ctr">
+                    <a:lnL w="9525" cap="flat" cmpd="sng" algn="ctr">
+                      <a:solidFill>
+                        <a:schemeClr val="tx1"/>
+                      </a:solidFill>
+                      <a:prstDash val="solid"/>
+                      <a:round/>
+                      <a:headEnd type="none" w="med" len="med"/>
+                      <a:tailEnd type="none" w="med" len="med"/>
+                    </a:lnL>
+                    <a:lnR w="9525" cap="flat" cmpd="sng" algn="ctr">
+                      <a:solidFill>
+                        <a:schemeClr val="tx1"/>
+                      </a:solidFill>
+                      <a:prstDash val="solid"/>
+                      <a:round/>
+                      <a:headEnd type="none" w="med" len="med"/>
+                      <a:tailEnd type="none" w="med" len="med"/>
+                    </a:lnR>
+                    <a:lnT w="9525" cap="flat" cmpd="sng" algn="ctr">
+                      <a:solidFill>
+                        <a:schemeClr val="tx1"/>
+                      </a:solidFill>
+                      <a:prstDash val="solid"/>
+                      <a:round/>
+                      <a:headEnd type="none" w="med" len="med"/>
+                      <a:tailEnd type="none" w="med" len="med"/>
+                    </a:lnT>
+                    <a:lnB w="9525" cap="flat" cmpd="sng" algn="ctr">
+                      <a:solidFill>
+                        <a:schemeClr val="tx1"/>
+                      </a:solidFill>
+                      <a:prstDash val="solid"/>
+                      <a:round/>
+                      <a:headEnd type="none" w="med" len="med"/>
+                      <a:tailEnd type="none" w="med" len="med"/>
+                    </a:lnB>
+                    <a:solidFill>
+                      <a:schemeClr val="accent5">
+                        <a:lumMod val="40000"/>
+                        <a:lumOff val="60000"/>
+                      </a:schemeClr>
+                    </a:solidFill>
+                  </a:tcPr>
+                </a:tc>
+                <a:extLst>
+                  <a:ext uri="{0D108BD9-81ED-4DB2-BD59-A6C34878D82A}">
+                    <a16:rowId xmlns:a16="http://schemas.microsoft.com/office/drawing/2014/main" val="3513791863"/>
+                  </a:ext>
+                </a:extLst>
+              </a:tr>
+              <a:tr h="888937">
+                <a:tc>
+                  <a:txBody>
+                    <a:bodyPr/>
+                    <a:lstStyle/>
+                    <a:p>
+                      <a:pPr algn="l"/>
+                      <a:r>
+                        <a:rPr lang="en-US" sz="1200" u="sng" dirty="0" err="1">
+                          <a:latin typeface="Times" pitchFamily="2" charset="0"/>
+                        </a:rPr>
+                        <a:t>add_id</a:t>
+                      </a:r>
+                      <a:endParaRPr lang="en-US" sz="1200" u="sng" dirty="0">
+                        <a:latin typeface="Times" pitchFamily="2" charset="0"/>
+                      </a:endParaRPr>
+                    </a:p>
+                    <a:p>
+                      <a:pPr algn="l"/>
+                      <a:r>
+                        <a:rPr lang="en-US" sz="1200" u="none" dirty="0" err="1">
+                          <a:latin typeface="Times" pitchFamily="2" charset="0"/>
+                        </a:rPr>
+                        <a:t>street_num</a:t>
+                      </a:r>
+                      <a:endParaRPr lang="en-US" sz="1200" u="none" dirty="0">
+                        <a:latin typeface="Times" pitchFamily="2" charset="0"/>
+                      </a:endParaRPr>
+                    </a:p>
+                    <a:p>
+                      <a:pPr algn="l"/>
+                      <a:r>
+                        <a:rPr lang="en-US" sz="1200" u="none" dirty="0" err="1">
+                          <a:latin typeface="Times" pitchFamily="2" charset="0"/>
+                        </a:rPr>
+                        <a:t>street_name</a:t>
+                      </a:r>
+                      <a:endParaRPr lang="en-US" sz="1200" u="none" dirty="0">
+                        <a:latin typeface="Times" pitchFamily="2" charset="0"/>
+                      </a:endParaRPr>
+                    </a:p>
+                    <a:p>
+                      <a:pPr algn="l"/>
+                      <a:r>
+                        <a:rPr lang="en-US" sz="1200" u="none" dirty="0">
+                          <a:latin typeface="Times" pitchFamily="2" charset="0"/>
+                        </a:rPr>
+                        <a:t>apartment</a:t>
+                      </a:r>
+                    </a:p>
+                    <a:p>
+                      <a:pPr algn="l"/>
+                      <a:r>
+                        <a:rPr lang="en-US" sz="1200" u="none" dirty="0">
+                          <a:latin typeface="Times" pitchFamily="2" charset="0"/>
+                        </a:rPr>
+                        <a:t>city</a:t>
+                      </a:r>
+                    </a:p>
+                    <a:p>
+                      <a:pPr algn="l"/>
+                      <a:r>
+                        <a:rPr lang="en-US" sz="1200" u="none" dirty="0">
+                          <a:latin typeface="Times" pitchFamily="2" charset="0"/>
+                        </a:rPr>
+                        <a:t>province</a:t>
+                      </a:r>
+                    </a:p>
+                    <a:p>
+                      <a:pPr algn="l"/>
+                      <a:r>
+                        <a:rPr lang="en-US" sz="1200" u="none" dirty="0">
+                          <a:latin typeface="Times" pitchFamily="2" charset="0"/>
+                        </a:rPr>
+                        <a:t>country</a:t>
+                      </a:r>
+                    </a:p>
+                  </a:txBody>
+                  <a:tcPr>
+                    <a:lnL w="9525" cap="flat" cmpd="sng" algn="ctr">
+                      <a:solidFill>
+                        <a:schemeClr val="tx1"/>
+                      </a:solidFill>
+                      <a:prstDash val="solid"/>
+                      <a:round/>
+                      <a:headEnd type="none" w="med" len="med"/>
+                      <a:tailEnd type="none" w="med" len="med"/>
+                    </a:lnL>
+                    <a:lnR w="9525" cap="flat" cmpd="sng" algn="ctr">
+                      <a:solidFill>
+                        <a:schemeClr val="tx1"/>
+                      </a:solidFill>
+                      <a:prstDash val="solid"/>
+                      <a:round/>
+                      <a:headEnd type="none" w="med" len="med"/>
+                      <a:tailEnd type="none" w="med" len="med"/>
+                    </a:lnR>
+                    <a:lnT w="9525" cap="flat" cmpd="sng" algn="ctr">
+                      <a:solidFill>
+                        <a:schemeClr val="tx1"/>
+                      </a:solidFill>
+                      <a:prstDash val="solid"/>
+                      <a:round/>
+                      <a:headEnd type="none" w="med" len="med"/>
+                      <a:tailEnd type="none" w="med" len="med"/>
+                    </a:lnT>
+                    <a:lnB w="9525" cap="flat" cmpd="sng" algn="ctr">
+                      <a:solidFill>
+                        <a:schemeClr val="tx1"/>
+                      </a:solidFill>
+                      <a:prstDash val="solid"/>
+                      <a:round/>
+                      <a:headEnd type="none" w="med" len="med"/>
+                      <a:tailEnd type="none" w="med" len="med"/>
+                    </a:lnB>
+                    <a:solidFill>
+                      <a:schemeClr val="bg1">
+                        <a:alpha val="20000"/>
+                      </a:schemeClr>
+                    </a:solidFill>
+                  </a:tcPr>
+                </a:tc>
+                <a:extLst>
+                  <a:ext uri="{0D108BD9-81ED-4DB2-BD59-A6C34878D82A}">
+                    <a16:rowId xmlns:a16="http://schemas.microsoft.com/office/drawing/2014/main" val="2009406627"/>
+                  </a:ext>
+                </a:extLst>
+              </a:tr>
+            </a:tbl>
+          </a:graphicData>
+        </a:graphic>
+      </p:graphicFrame>
+      <p:sp>
+        <p:nvSpPr>
+          <p:cNvPr id="43" name="Diamond 42">
+            <a:extLst>
+              <a:ext uri="{FF2B5EF4-FFF2-40B4-BE49-F238E27FC236}">
+                <a16:creationId xmlns:a16="http://schemas.microsoft.com/office/drawing/2014/main" id="{77DFCA1F-B7F0-4544-A792-B64A7CC85E4F}"/>
+              </a:ext>
+            </a:extLst>
+          </p:cNvPr>
+          <p:cNvSpPr/>
+          <p:nvPr/>
+        </p:nvSpPr>
+        <p:spPr>
+          <a:xfrm>
+            <a:off x="1989520" y="556794"/>
+            <a:ext cx="2056434" cy="785258"/>
+          </a:xfrm>
+          <a:prstGeom prst="diamond">
+            <a:avLst/>
+          </a:prstGeom>
+          <a:solidFill>
+            <a:schemeClr val="accent5">
+              <a:lumMod val="40000"/>
+              <a:lumOff val="60000"/>
+            </a:schemeClr>
+          </a:solidFill>
+        </p:spPr>
+        <p:style>
+          <a:lnRef idx="2">
+            <a:schemeClr val="accent1">
+              <a:shade val="50000"/>
+            </a:schemeClr>
+          </a:lnRef>
+          <a:fillRef idx="1">
+            <a:schemeClr val="accent1"/>
+          </a:fillRef>
+          <a:effectRef idx="0">
+            <a:schemeClr val="accent1"/>
+          </a:effectRef>
+          <a:fontRef idx="minor">
+            <a:schemeClr val="lt1"/>
+          </a:fontRef>
+        </p:style>
+        <p:txBody>
+          <a:bodyPr rtlCol="0" anchor="ctr"/>
+          <a:lstStyle/>
+          <a:p>
+            <a:pPr algn="ctr"/>
+            <a:r>
+              <a:rPr lang="en-US" sz="1200" i="1" dirty="0" err="1">
+                <a:solidFill>
+                  <a:sysClr val="windowText" lastClr="000000"/>
+                </a:solidFill>
+                <a:latin typeface="Times" pitchFamily="2" charset="0"/>
+              </a:rPr>
+              <a:t>hasAdd</a:t>
+            </a:r>
+            <a:endParaRPr lang="en-US" sz="1200" i="1" dirty="0">
+              <a:solidFill>
+                <a:sysClr val="windowText" lastClr="000000"/>
+              </a:solidFill>
+              <a:latin typeface="Times" pitchFamily="2" charset="0"/>
+            </a:endParaRPr>
+          </a:p>
+        </p:txBody>
+      </p:sp>
+      <p:cxnSp>
+        <p:nvCxnSpPr>
+          <p:cNvPr id="45" name="Straight Connector 44">
+            <a:extLst>
+              <a:ext uri="{FF2B5EF4-FFF2-40B4-BE49-F238E27FC236}">
+                <a16:creationId xmlns:a16="http://schemas.microsoft.com/office/drawing/2014/main" id="{9940ABE8-FF34-5241-8BCB-3A5E520A445B}"/>
+              </a:ext>
+            </a:extLst>
+          </p:cNvPr>
+          <p:cNvCxnSpPr>
+            <a:stCxn id="43" idx="1"/>
+            <a:endCxn id="42" idx="3"/>
+          </p:cNvCxnSpPr>
+          <p:nvPr/>
+        </p:nvCxnSpPr>
+        <p:spPr>
+          <a:xfrm flipH="1" flipV="1">
+            <a:off x="1753823" y="944990"/>
+            <a:ext cx="235697" cy="4433"/>
+          </a:xfrm>
+          <a:prstGeom prst="line">
+            <a:avLst/>
+          </a:prstGeom>
+        </p:spPr>
+        <p:style>
+          <a:lnRef idx="1">
+            <a:schemeClr val="accent1"/>
+          </a:lnRef>
+          <a:fillRef idx="0">
+            <a:schemeClr val="accent1"/>
+          </a:fillRef>
+          <a:effectRef idx="0">
+            <a:schemeClr val="accent1"/>
+          </a:effectRef>
+          <a:fontRef idx="minor">
+            <a:schemeClr val="tx1"/>
+          </a:fontRef>
+        </p:style>
+      </p:cxnSp>
+      <p:graphicFrame>
+        <p:nvGraphicFramePr>
+          <p:cNvPr id="46" name="Table 45">
+            <a:extLst>
+              <a:ext uri="{FF2B5EF4-FFF2-40B4-BE49-F238E27FC236}">
+                <a16:creationId xmlns:a16="http://schemas.microsoft.com/office/drawing/2014/main" id="{74715D0A-9B0B-B543-AC06-E740AC1CB475}"/>
+              </a:ext>
+            </a:extLst>
+          </p:cNvPr>
+          <p:cNvGraphicFramePr>
+            <a:graphicFrameLocks noGrp="1"/>
+          </p:cNvGraphicFramePr>
+          <p:nvPr>
+            <p:extLst>
+              <p:ext uri="{D42A27DB-BD31-4B8C-83A1-F6EECF244321}">
+                <p14:modId xmlns:p14="http://schemas.microsoft.com/office/powerpoint/2010/main" val="217603634"/>
+              </p:ext>
+            </p:extLst>
+          </p:nvPr>
+        </p:nvGraphicFramePr>
+        <p:xfrm>
+          <a:off x="2412343" y="27497"/>
+          <a:ext cx="1210788" cy="457200"/>
+        </p:xfrm>
+        <a:graphic>
+          <a:graphicData uri="http://schemas.openxmlformats.org/drawingml/2006/table">
+            <a:tbl>
+              <a:tblPr firstRow="1" bandRow="1">
+                <a:tableStyleId>{5FD0F851-EC5A-4D38-B0AD-8093EC10F338}</a:tableStyleId>
+              </a:tblPr>
+              <a:tblGrid>
+                <a:gridCol w="1210788">
+                  <a:extLst>
+                    <a:ext uri="{9D8B030D-6E8A-4147-A177-3AD203B41FA5}">
+                      <a16:colId xmlns:a16="http://schemas.microsoft.com/office/drawing/2014/main" val="1069656790"/>
+                    </a:ext>
+                  </a:extLst>
+                </a:gridCol>
+              </a:tblGrid>
+              <a:tr h="315661">
+                <a:tc>
+                  <a:txBody>
+                    <a:bodyPr/>
+                    <a:lstStyle/>
+                    <a:p>
+                      <a:pPr algn="ctr"/>
+                      <a:r>
+                        <a:rPr lang="en-US" sz="1200" b="0" dirty="0" err="1">
+                          <a:latin typeface="Times" pitchFamily="2" charset="0"/>
+                        </a:rPr>
+                        <a:t>isShipping</a:t>
+                      </a:r>
+                      <a:endParaRPr lang="en-US" sz="1200" b="0" dirty="0">
+                        <a:latin typeface="Times" pitchFamily="2" charset="0"/>
+                      </a:endParaRPr>
+                    </a:p>
+                    <a:p>
+                      <a:pPr algn="ctr"/>
+                      <a:r>
+                        <a:rPr lang="en-US" sz="1200" b="0" dirty="0" err="1">
+                          <a:latin typeface="Times" pitchFamily="2" charset="0"/>
+                        </a:rPr>
+                        <a:t>isBilling</a:t>
+                      </a:r>
+                      <a:endParaRPr lang="en-US" sz="1200" b="0" dirty="0">
+                        <a:latin typeface="Times" pitchFamily="2" charset="0"/>
+                      </a:endParaRPr>
+                    </a:p>
+                  </a:txBody>
+                  <a:tcPr>
+                    <a:lnL w="9525" cap="flat" cmpd="sng" algn="ctr">
+                      <a:solidFill>
+                        <a:schemeClr val="tx1"/>
+                      </a:solidFill>
+                      <a:prstDash val="solid"/>
+                      <a:round/>
+                      <a:headEnd type="none" w="med" len="med"/>
+                      <a:tailEnd type="none" w="med" len="med"/>
+                    </a:lnL>
+                    <a:lnR w="9525" cap="flat" cmpd="sng" algn="ctr">
+                      <a:solidFill>
+                        <a:schemeClr val="tx1"/>
+                      </a:solidFill>
+                      <a:prstDash val="solid"/>
+                      <a:round/>
+                      <a:headEnd type="none" w="med" len="med"/>
+                      <a:tailEnd type="none" w="med" len="med"/>
+                    </a:lnR>
+                    <a:lnT w="9525" cap="flat" cmpd="sng" algn="ctr">
+                      <a:solidFill>
+                        <a:schemeClr val="tx1"/>
+                      </a:solidFill>
+                      <a:prstDash val="solid"/>
+                      <a:round/>
+                      <a:headEnd type="none" w="med" len="med"/>
+                      <a:tailEnd type="none" w="med" len="med"/>
+                    </a:lnT>
+                    <a:lnB w="9525" cap="flat" cmpd="sng" algn="ctr">
+                      <a:solidFill>
+                        <a:schemeClr val="tx1"/>
+                      </a:solidFill>
+                      <a:prstDash val="solid"/>
+                      <a:round/>
+                      <a:headEnd type="none" w="med" len="med"/>
+                      <a:tailEnd type="none" w="med" len="med"/>
+                    </a:lnB>
+                    <a:solidFill>
+                      <a:schemeClr val="bg1">
+                        <a:alpha val="20000"/>
+                      </a:schemeClr>
+                    </a:solidFill>
+                  </a:tcPr>
+                </a:tc>
+                <a:extLst>
+                  <a:ext uri="{0D108BD9-81ED-4DB2-BD59-A6C34878D82A}">
+                    <a16:rowId xmlns:a16="http://schemas.microsoft.com/office/drawing/2014/main" val="2009406627"/>
+                  </a:ext>
+                </a:extLst>
+              </a:tr>
+            </a:tbl>
+          </a:graphicData>
+        </a:graphic>
+      </p:graphicFrame>
+      <p:cxnSp>
+        <p:nvCxnSpPr>
+          <p:cNvPr id="47" name="Straight Connector 46">
+            <a:extLst>
+              <a:ext uri="{FF2B5EF4-FFF2-40B4-BE49-F238E27FC236}">
+                <a16:creationId xmlns:a16="http://schemas.microsoft.com/office/drawing/2014/main" id="{7C6709F4-DC94-ED49-933F-AEA32DACB7AC}"/>
+              </a:ext>
+            </a:extLst>
+          </p:cNvPr>
+          <p:cNvCxnSpPr>
+            <a:cxnSpLocks/>
+            <a:stCxn id="46" idx="2"/>
+            <a:endCxn id="43" idx="0"/>
+          </p:cNvCxnSpPr>
+          <p:nvPr/>
+        </p:nvCxnSpPr>
+        <p:spPr>
+          <a:xfrm>
+            <a:off x="3017737" y="484697"/>
+            <a:ext cx="0" cy="72097"/>
+          </a:xfrm>
+          <a:prstGeom prst="line">
+            <a:avLst/>
+          </a:prstGeom>
+          <a:ln>
+            <a:prstDash val="dash"/>
+          </a:ln>
+        </p:spPr>
+        <p:style>
+          <a:lnRef idx="1">
+            <a:schemeClr val="accent1"/>
+          </a:lnRef>
+          <a:fillRef idx="0">
+            <a:schemeClr val="accent1"/>
+          </a:fillRef>
+          <a:effectRef idx="0">
+            <a:schemeClr val="accent1"/>
+          </a:effectRef>
+          <a:fontRef idx="minor">
+            <a:schemeClr val="tx1"/>
+          </a:fontRef>
+        </p:style>
+      </p:cxnSp>
+      <p:sp>
+        <p:nvSpPr>
+          <p:cNvPr id="69" name="TextBox 68">
+            <a:extLst>
+              <a:ext uri="{FF2B5EF4-FFF2-40B4-BE49-F238E27FC236}">
+                <a16:creationId xmlns:a16="http://schemas.microsoft.com/office/drawing/2014/main" id="{8E4A17B4-3079-A842-8530-F4BCF239B4E4}"/>
+              </a:ext>
+            </a:extLst>
+          </p:cNvPr>
+          <p:cNvSpPr txBox="1"/>
+          <p:nvPr/>
+        </p:nvSpPr>
+        <p:spPr>
+          <a:xfrm>
+            <a:off x="3993288" y="730821"/>
+            <a:ext cx="415498" cy="276999"/>
+          </a:xfrm>
+          <a:prstGeom prst="rect">
+            <a:avLst/>
+          </a:prstGeom>
+          <a:noFill/>
+        </p:spPr>
+        <p:txBody>
+          <a:bodyPr wrap="none" rtlCol="0">
+            <a:spAutoFit/>
+          </a:bodyPr>
+          <a:lstStyle/>
+          <a:p>
+            <a:r>
+              <a:rPr lang="en-US" sz="1200" i="1" dirty="0">
+                <a:latin typeface="Times" pitchFamily="2" charset="0"/>
+              </a:rPr>
+              <a:t>0..2</a:t>
+            </a:r>
+          </a:p>
+        </p:txBody>
+      </p:sp>
+      <p:cxnSp>
+        <p:nvCxnSpPr>
+          <p:cNvPr id="29" name="Straight Connector 28">
+            <a:extLst>
+              <a:ext uri="{FF2B5EF4-FFF2-40B4-BE49-F238E27FC236}">
+                <a16:creationId xmlns:a16="http://schemas.microsoft.com/office/drawing/2014/main" id="{69C6911F-8085-E342-B9A8-0F62FACC4EDD}"/>
+              </a:ext>
+            </a:extLst>
+          </p:cNvPr>
+          <p:cNvCxnSpPr>
+            <a:cxnSpLocks/>
+            <a:stCxn id="43" idx="3"/>
+            <a:endCxn id="4" idx="1"/>
+          </p:cNvCxnSpPr>
+          <p:nvPr/>
+        </p:nvCxnSpPr>
+        <p:spPr>
+          <a:xfrm>
+            <a:off x="4045954" y="949423"/>
+            <a:ext cx="344766" cy="1123"/>
+          </a:xfrm>
+          <a:prstGeom prst="line">
+            <a:avLst/>
+          </a:prstGeom>
+        </p:spPr>
+        <p:style>
+          <a:lnRef idx="1">
+            <a:schemeClr val="accent1"/>
+          </a:lnRef>
+          <a:fillRef idx="0">
+            <a:schemeClr val="accent1"/>
+          </a:fillRef>
+          <a:effectRef idx="0">
+            <a:schemeClr val="accent1"/>
+          </a:effectRef>
+          <a:fontRef idx="minor">
+            <a:schemeClr val="tx1"/>
+          </a:fontRef>
+        </p:style>
+      </p:cxnSp>
+      <p:graphicFrame>
+        <p:nvGraphicFramePr>
+          <p:cNvPr id="86" name="Table 85">
+            <a:extLst>
+              <a:ext uri="{FF2B5EF4-FFF2-40B4-BE49-F238E27FC236}">
+                <a16:creationId xmlns:a16="http://schemas.microsoft.com/office/drawing/2014/main" id="{2E9145D9-D55B-7C43-9029-BE4028A70416}"/>
+              </a:ext>
+            </a:extLst>
+          </p:cNvPr>
+          <p:cNvGraphicFramePr>
+            <a:graphicFrameLocks noGrp="1"/>
+          </p:cNvGraphicFramePr>
+          <p:nvPr>
+            <p:extLst>
+              <p:ext uri="{D42A27DB-BD31-4B8C-83A1-F6EECF244321}">
+                <p14:modId xmlns:p14="http://schemas.microsoft.com/office/powerpoint/2010/main" val="1698360583"/>
+              </p:ext>
+            </p:extLst>
+          </p:nvPr>
+        </p:nvGraphicFramePr>
+        <p:xfrm>
+          <a:off x="4456999" y="3341441"/>
           <a:ext cx="1078230" cy="1828800"/>
         </p:xfrm>
         <a:graphic>
@@ -4041,10 +5710,10 @@
       </p:graphicFrame>
       <p:graphicFrame>
         <p:nvGraphicFramePr>
-          <p:cNvPr id="12" name="Table 11">
-            <a:extLst>
-              <a:ext uri="{FF2B5EF4-FFF2-40B4-BE49-F238E27FC236}">
-                <a16:creationId xmlns:a16="http://schemas.microsoft.com/office/drawing/2014/main" id="{5675BB59-F795-F547-AD88-62EB280BB0E1}"/>
+          <p:cNvPr id="89" name="Table 88">
+            <a:extLst>
+              <a:ext uri="{FF2B5EF4-FFF2-40B4-BE49-F238E27FC236}">
+                <a16:creationId xmlns:a16="http://schemas.microsoft.com/office/drawing/2014/main" id="{CADAF9CC-86DA-024D-8375-ABCF70BFF59E}"/>
               </a:ext>
             </a:extLst>
           </p:cNvPr>
@@ -4054,13 +5723,13 @@
           <p:nvPr>
             <p:extLst>
               <p:ext uri="{D42A27DB-BD31-4B8C-83A1-F6EECF244321}">
-                <p14:modId xmlns:p14="http://schemas.microsoft.com/office/powerpoint/2010/main" val="3041116403"/>
+                <p14:modId xmlns:p14="http://schemas.microsoft.com/office/powerpoint/2010/main" val="1595248973"/>
               </p:ext>
             </p:extLst>
           </p:nvPr>
         </p:nvGraphicFramePr>
         <p:xfrm>
-          <a:off x="10867260" y="4815005"/>
+          <a:off x="609314" y="3524320"/>
           <a:ext cx="1078230" cy="1463040"/>
         </p:xfrm>
         <a:graphic>
@@ -4272,10 +5941,10 @@
       </p:graphicFrame>
       <p:graphicFrame>
         <p:nvGraphicFramePr>
-          <p:cNvPr id="76" name="Table 75">
-            <a:extLst>
-              <a:ext uri="{FF2B5EF4-FFF2-40B4-BE49-F238E27FC236}">
-                <a16:creationId xmlns:a16="http://schemas.microsoft.com/office/drawing/2014/main" id="{33183596-315A-1944-9D75-A9386B62BE31}"/>
+          <p:cNvPr id="90" name="Table 89">
+            <a:extLst>
+              <a:ext uri="{FF2B5EF4-FFF2-40B4-BE49-F238E27FC236}">
+                <a16:creationId xmlns:a16="http://schemas.microsoft.com/office/drawing/2014/main" id="{B2570BDB-CC0A-2243-AB03-BAB7F6CFB068}"/>
               </a:ext>
             </a:extLst>
           </p:cNvPr>
@@ -4285,254 +5954,14 @@
           <p:nvPr>
             <p:extLst>
               <p:ext uri="{D42A27DB-BD31-4B8C-83A1-F6EECF244321}">
-                <p14:modId xmlns:p14="http://schemas.microsoft.com/office/powerpoint/2010/main" val="1684427112"/>
+                <p14:modId xmlns:p14="http://schemas.microsoft.com/office/powerpoint/2010/main" val="1391328338"/>
               </p:ext>
             </p:extLst>
           </p:nvPr>
         </p:nvGraphicFramePr>
         <p:xfrm>
-          <a:off x="2957701" y="4815392"/>
-          <a:ext cx="1078230" cy="1463040"/>
-        </p:xfrm>
-        <a:graphic>
-          <a:graphicData uri="http://schemas.openxmlformats.org/drawingml/2006/table">
-            <a:tbl>
-              <a:tblPr firstRow="1" bandRow="1">
-                <a:tableStyleId>{5FD0F851-EC5A-4D38-B0AD-8093EC10F338}</a:tableStyleId>
-              </a:tblPr>
-              <a:tblGrid>
-                <a:gridCol w="1078230">
-                  <a:extLst>
-                    <a:ext uri="{9D8B030D-6E8A-4147-A177-3AD203B41FA5}">
-                      <a16:colId xmlns:a16="http://schemas.microsoft.com/office/drawing/2014/main" val="1069656790"/>
-                    </a:ext>
-                  </a:extLst>
-                </a:gridCol>
-              </a:tblGrid>
-              <a:tr h="0">
-                <a:tc>
-                  <a:txBody>
-                    <a:bodyPr/>
-                    <a:lstStyle/>
-                    <a:p>
-                      <a:pPr algn="ctr"/>
-                      <a:r>
-                        <a:rPr lang="en-US" sz="1200" b="0" dirty="0">
-                          <a:latin typeface="Times" pitchFamily="2" charset="0"/>
-                        </a:rPr>
-                        <a:t>order</a:t>
-                      </a:r>
-                    </a:p>
-                  </a:txBody>
-                  <a:tcPr anchor="ctr">
-                    <a:lnL w="9525" cap="flat" cmpd="sng" algn="ctr">
-                      <a:solidFill>
-                        <a:schemeClr val="tx1"/>
-                      </a:solidFill>
-                      <a:prstDash val="solid"/>
-                      <a:round/>
-                      <a:headEnd type="none" w="med" len="med"/>
-                      <a:tailEnd type="none" w="med" len="med"/>
-                    </a:lnL>
-                    <a:lnR w="9525" cap="flat" cmpd="sng" algn="ctr">
-                      <a:solidFill>
-                        <a:schemeClr val="tx1"/>
-                      </a:solidFill>
-                      <a:prstDash val="solid"/>
-                      <a:round/>
-                      <a:headEnd type="none" w="med" len="med"/>
-                      <a:tailEnd type="none" w="med" len="med"/>
-                    </a:lnR>
-                    <a:lnT w="9525" cap="flat" cmpd="sng" algn="ctr">
-                      <a:solidFill>
-                        <a:schemeClr val="tx1"/>
-                      </a:solidFill>
-                      <a:prstDash val="solid"/>
-                      <a:round/>
-                      <a:headEnd type="none" w="med" len="med"/>
-                      <a:tailEnd type="none" w="med" len="med"/>
-                    </a:lnT>
-                    <a:lnB w="9525" cap="flat" cmpd="sng" algn="ctr">
-                      <a:solidFill>
-                        <a:schemeClr val="tx1"/>
-                      </a:solidFill>
-                      <a:prstDash val="solid"/>
-                      <a:round/>
-                      <a:headEnd type="none" w="med" len="med"/>
-                      <a:tailEnd type="none" w="med" len="med"/>
-                    </a:lnB>
-                    <a:solidFill>
-                      <a:schemeClr val="accent5">
-                        <a:lumMod val="40000"/>
-                        <a:lumOff val="60000"/>
-                      </a:schemeClr>
-                    </a:solidFill>
-                  </a:tcPr>
-                </a:tc>
-                <a:extLst>
-                  <a:ext uri="{0D108BD9-81ED-4DB2-BD59-A6C34878D82A}">
-                    <a16:rowId xmlns:a16="http://schemas.microsoft.com/office/drawing/2014/main" val="3513791863"/>
-                  </a:ext>
-                </a:extLst>
-              </a:tr>
-              <a:tr h="888937">
-                <a:tc>
-                  <a:txBody>
-                    <a:bodyPr/>
-                    <a:lstStyle/>
-                    <a:p>
-                      <a:pPr algn="l"/>
-                      <a:r>
-                        <a:rPr lang="en-US" sz="1200" u="sng" dirty="0" err="1">
-                          <a:latin typeface="Times" pitchFamily="2" charset="0"/>
-                        </a:rPr>
-                        <a:t>order_num</a:t>
-                      </a:r>
-                      <a:endParaRPr lang="en-US" sz="1200" u="sng" dirty="0">
-                        <a:latin typeface="Times" pitchFamily="2" charset="0"/>
-                      </a:endParaRPr>
-                    </a:p>
-                    <a:p>
-                      <a:pPr algn="l"/>
-                      <a:r>
-                        <a:rPr lang="en-US" sz="1200" u="none" dirty="0" err="1">
-                          <a:latin typeface="Times" pitchFamily="2" charset="0"/>
-                        </a:rPr>
-                        <a:t>tracking_num</a:t>
-                      </a:r>
-                      <a:endParaRPr lang="en-US" sz="1200" u="none" dirty="0">
-                        <a:latin typeface="Times" pitchFamily="2" charset="0"/>
-                      </a:endParaRPr>
-                    </a:p>
-                    <a:p>
-                      <a:pPr algn="l"/>
-                      <a:r>
-                        <a:rPr lang="en-US" sz="1200" u="none" dirty="0" err="1">
-                          <a:latin typeface="Times" pitchFamily="2" charset="0"/>
-                        </a:rPr>
-                        <a:t>date_placed</a:t>
-                      </a:r>
-                      <a:endParaRPr lang="en-US" sz="1200" u="none" dirty="0">
-                        <a:latin typeface="Times" pitchFamily="2" charset="0"/>
-                      </a:endParaRPr>
-                    </a:p>
-                    <a:p>
-                      <a:pPr algn="l"/>
-                      <a:r>
-                        <a:rPr lang="en-US" sz="1200" u="none" dirty="0" err="1">
-                          <a:latin typeface="Times" pitchFamily="2" charset="0"/>
-                        </a:rPr>
-                        <a:t>total_price</a:t>
-                      </a:r>
-                      <a:r>
-                        <a:rPr lang="en-US" sz="1200" u="none" dirty="0">
-                          <a:latin typeface="Times" pitchFamily="2" charset="0"/>
-                        </a:rPr>
-                        <a:t>()</a:t>
-                      </a:r>
-                    </a:p>
-                    <a:p>
-                      <a:pPr algn="l"/>
-                      <a:r>
-                        <a:rPr lang="en-US" sz="1200" u="none" dirty="0" err="1">
-                          <a:latin typeface="Times" pitchFamily="2" charset="0"/>
-                        </a:rPr>
-                        <a:t>shipping_add</a:t>
-                      </a:r>
-                      <a:endParaRPr lang="en-US" sz="1200" u="none" dirty="0">
-                        <a:latin typeface="Times" pitchFamily="2" charset="0"/>
-                      </a:endParaRPr>
-                    </a:p>
-                    <a:p>
-                      <a:pPr algn="l"/>
-                      <a:r>
-                        <a:rPr lang="en-US" sz="1200" u="none" dirty="0" err="1">
-                          <a:latin typeface="Times" pitchFamily="2" charset="0"/>
-                        </a:rPr>
-                        <a:t>billing_add</a:t>
-                      </a:r>
-                      <a:endParaRPr lang="en-US" sz="1200" u="none" dirty="0">
-                        <a:latin typeface="Times" pitchFamily="2" charset="0"/>
-                      </a:endParaRPr>
-                    </a:p>
-                  </a:txBody>
-                  <a:tcPr>
-                    <a:lnL w="9525" cap="flat" cmpd="sng" algn="ctr">
-                      <a:solidFill>
-                        <a:schemeClr val="tx1"/>
-                      </a:solidFill>
-                      <a:prstDash val="solid"/>
-                      <a:round/>
-                      <a:headEnd type="none" w="med" len="med"/>
-                      <a:tailEnd type="none" w="med" len="med"/>
-                    </a:lnL>
-                    <a:lnR w="9525" cap="flat" cmpd="sng" algn="ctr">
-                      <a:solidFill>
-                        <a:schemeClr val="tx1"/>
-                      </a:solidFill>
-                      <a:prstDash val="solid"/>
-                      <a:round/>
-                      <a:headEnd type="none" w="med" len="med"/>
-                      <a:tailEnd type="none" w="med" len="med"/>
-                    </a:lnR>
-                    <a:lnT w="9525" cap="flat" cmpd="sng" algn="ctr">
-                      <a:solidFill>
-                        <a:schemeClr val="tx1"/>
-                      </a:solidFill>
-                      <a:prstDash val="solid"/>
-                      <a:round/>
-                      <a:headEnd type="none" w="med" len="med"/>
-                      <a:tailEnd type="none" w="med" len="med"/>
-                    </a:lnT>
-                    <a:lnB w="9525" cap="flat" cmpd="sng" algn="ctr">
-                      <a:solidFill>
-                        <a:schemeClr val="tx1"/>
-                      </a:solidFill>
-                      <a:prstDash val="solid"/>
-                      <a:round/>
-                      <a:headEnd type="none" w="med" len="med"/>
-                      <a:tailEnd type="none" w="med" len="med"/>
-                    </a:lnB>
-                    <a:solidFill>
-                      <a:schemeClr val="bg1">
-                        <a:alpha val="20000"/>
-                      </a:schemeClr>
-                    </a:solidFill>
-                  </a:tcPr>
-                </a:tc>
-                <a:extLst>
-                  <a:ext uri="{0D108BD9-81ED-4DB2-BD59-A6C34878D82A}">
-                    <a16:rowId xmlns:a16="http://schemas.microsoft.com/office/drawing/2014/main" val="2009406627"/>
-                  </a:ext>
-                </a:extLst>
-              </a:tr>
-            </a:tbl>
-          </a:graphicData>
-        </a:graphic>
-      </p:graphicFrame>
-      <p:graphicFrame>
-        <p:nvGraphicFramePr>
-          <p:cNvPr id="77" name="Table 76">
-            <a:extLst>
-              <a:ext uri="{FF2B5EF4-FFF2-40B4-BE49-F238E27FC236}">
-                <a16:creationId xmlns:a16="http://schemas.microsoft.com/office/drawing/2014/main" id="{72DC38A8-313F-5E49-9645-0F43C821CA6C}"/>
-              </a:ext>
-            </a:extLst>
-          </p:cNvPr>
-          <p:cNvGraphicFramePr>
-            <a:graphicFrameLocks noGrp="1"/>
-          </p:cNvGraphicFramePr>
-          <p:nvPr>
-            <p:extLst>
-              <p:ext uri="{D42A27DB-BD31-4B8C-83A1-F6EECF244321}">
-                <p14:modId xmlns:p14="http://schemas.microsoft.com/office/powerpoint/2010/main" val="2523792373"/>
-              </p:ext>
-            </p:extLst>
-          </p:nvPr>
-        </p:nvGraphicFramePr>
-        <p:xfrm>
-          <a:off x="10867260" y="3441762"/>
-          <a:ext cx="1078230" cy="758797"/>
+          <a:off x="2478622" y="5492000"/>
+          <a:ext cx="1078230" cy="1097280"/>
         </p:xfrm>
         <a:graphic>
           <a:graphicData uri="http://schemas.openxmlformats.org/drawingml/2006/table">
@@ -4641,180 +6070,39 @@
                         <a:t>name</a:t>
                       </a:r>
                     </a:p>
-                  </a:txBody>
-                  <a:tcPr>
-                    <a:lnL w="9525" cap="flat" cmpd="sng" algn="ctr">
-                      <a:solidFill>
-                        <a:schemeClr val="tx1"/>
-                      </a:solidFill>
-                      <a:prstDash val="solid"/>
-                      <a:round/>
-                      <a:headEnd type="none" w="med" len="med"/>
-                      <a:tailEnd type="none" w="med" len="med"/>
-                    </a:lnL>
-                    <a:lnR w="9525" cap="flat" cmpd="sng" algn="ctr">
-                      <a:solidFill>
-                        <a:schemeClr val="tx1"/>
-                      </a:solidFill>
-                      <a:prstDash val="solid"/>
-                      <a:round/>
-                      <a:headEnd type="none" w="med" len="med"/>
-                      <a:tailEnd type="none" w="med" len="med"/>
-                    </a:lnR>
-                    <a:lnT w="9525" cap="flat" cmpd="sng" algn="ctr">
-                      <a:solidFill>
-                        <a:schemeClr val="tx1"/>
-                      </a:solidFill>
-                      <a:prstDash val="solid"/>
-                      <a:round/>
-                      <a:headEnd type="none" w="med" len="med"/>
-                      <a:tailEnd type="none" w="med" len="med"/>
-                    </a:lnT>
-                    <a:lnB w="9525" cap="flat" cmpd="sng" algn="ctr">
-                      <a:solidFill>
-                        <a:schemeClr val="tx1"/>
-                      </a:solidFill>
-                      <a:prstDash val="solid"/>
-                      <a:round/>
-                      <a:headEnd type="none" w="med" len="med"/>
-                      <a:tailEnd type="none" w="med" len="med"/>
-                    </a:lnB>
-                    <a:solidFill>
-                      <a:schemeClr val="bg1">
-                        <a:alpha val="20000"/>
-                      </a:schemeClr>
-                    </a:solidFill>
-                  </a:tcPr>
-                </a:tc>
-                <a:extLst>
-                  <a:ext uri="{0D108BD9-81ED-4DB2-BD59-A6C34878D82A}">
-                    <a16:rowId xmlns:a16="http://schemas.microsoft.com/office/drawing/2014/main" val="2009406627"/>
-                  </a:ext>
-                </a:extLst>
-              </a:tr>
-            </a:tbl>
-          </a:graphicData>
-        </a:graphic>
-      </p:graphicFrame>
-      <p:graphicFrame>
-        <p:nvGraphicFramePr>
-          <p:cNvPr id="13" name="Table 12">
-            <a:extLst>
-              <a:ext uri="{FF2B5EF4-FFF2-40B4-BE49-F238E27FC236}">
-                <a16:creationId xmlns:a16="http://schemas.microsoft.com/office/drawing/2014/main" id="{B17BB100-94EA-4A4D-B9DF-843DD3ABDCEC}"/>
-              </a:ext>
-            </a:extLst>
-          </p:cNvPr>
-          <p:cNvGraphicFramePr>
-            <a:graphicFrameLocks noGrp="1"/>
-          </p:cNvGraphicFramePr>
-          <p:nvPr>
-            <p:extLst>
-              <p:ext uri="{D42A27DB-BD31-4B8C-83A1-F6EECF244321}">
-                <p14:modId xmlns:p14="http://schemas.microsoft.com/office/powerpoint/2010/main" val="3981258183"/>
-              </p:ext>
-            </p:extLst>
-          </p:nvPr>
-        </p:nvGraphicFramePr>
-        <p:xfrm>
-          <a:off x="609314" y="3538916"/>
-          <a:ext cx="1078230" cy="586570"/>
-        </p:xfrm>
-        <a:graphic>
-          <a:graphicData uri="http://schemas.openxmlformats.org/drawingml/2006/table">
-            <a:tbl>
-              <a:tblPr firstRow="1" bandRow="1">
-                <a:tableStyleId>{5FD0F851-EC5A-4D38-B0AD-8093EC10F338}</a:tableStyleId>
-              </a:tblPr>
-              <a:tblGrid>
-                <a:gridCol w="1078230">
-                  <a:extLst>
-                    <a:ext uri="{9D8B030D-6E8A-4147-A177-3AD203B41FA5}">
-                      <a16:colId xmlns:a16="http://schemas.microsoft.com/office/drawing/2014/main" val="1069656790"/>
-                    </a:ext>
-                  </a:extLst>
-                </a:gridCol>
-              </a:tblGrid>
-              <a:tr h="244584">
-                <a:tc>
-                  <a:txBody>
-                    <a:bodyPr/>
-                    <a:lstStyle/>
-                    <a:p>
-                      <a:pPr algn="ctr"/>
-                      <a:r>
-                        <a:rPr lang="en-US" sz="1200" b="0" dirty="0">
-                          <a:latin typeface="Times" pitchFamily="2" charset="0"/>
-                        </a:rPr>
-                        <a:t>basket</a:t>
-                      </a:r>
-                    </a:p>
-                  </a:txBody>
-                  <a:tcPr anchor="ctr">
-                    <a:lnL w="9525" cap="flat" cmpd="sng" algn="ctr">
-                      <a:solidFill>
-                        <a:schemeClr val="tx1"/>
-                      </a:solidFill>
-                      <a:prstDash val="solid"/>
-                      <a:round/>
-                      <a:headEnd type="none" w="med" len="med"/>
-                      <a:tailEnd type="none" w="med" len="med"/>
-                    </a:lnL>
-                    <a:lnR w="9525" cap="flat" cmpd="sng" algn="ctr">
-                      <a:solidFill>
-                        <a:schemeClr val="tx1"/>
-                      </a:solidFill>
-                      <a:prstDash val="solid"/>
-                      <a:round/>
-                      <a:headEnd type="none" w="med" len="med"/>
-                      <a:tailEnd type="none" w="med" len="med"/>
-                    </a:lnR>
-                    <a:lnT w="9525" cap="flat" cmpd="sng" algn="ctr">
-                      <a:solidFill>
-                        <a:schemeClr val="tx1"/>
-                      </a:solidFill>
-                      <a:prstDash val="solid"/>
-                      <a:round/>
-                      <a:headEnd type="none" w="med" len="med"/>
-                      <a:tailEnd type="none" w="med" len="med"/>
-                    </a:lnT>
-                    <a:lnB w="9525" cap="flat" cmpd="sng" algn="ctr">
-                      <a:solidFill>
-                        <a:schemeClr val="tx1"/>
-                      </a:solidFill>
-                      <a:prstDash val="solid"/>
-                      <a:round/>
-                      <a:headEnd type="none" w="med" len="med"/>
-                      <a:tailEnd type="none" w="med" len="med"/>
-                    </a:lnB>
-                    <a:solidFill>
-                      <a:schemeClr val="accent5">
-                        <a:lumMod val="40000"/>
-                        <a:lumOff val="60000"/>
-                      </a:schemeClr>
-                    </a:solidFill>
-                  </a:tcPr>
-                </a:tc>
-                <a:extLst>
-                  <a:ext uri="{0D108BD9-81ED-4DB2-BD59-A6C34878D82A}">
-                    <a16:rowId xmlns:a16="http://schemas.microsoft.com/office/drawing/2014/main" val="3513791863"/>
-                  </a:ext>
-                </a:extLst>
-              </a:tr>
-              <a:tr h="312250">
-                <a:tc>
-                  <a:txBody>
-                    <a:bodyPr/>
-                    <a:lstStyle/>
                     <a:p>
                       <a:pPr algn="l"/>
                       <a:r>
-                        <a:rPr lang="en-US" sz="1200" u="sng" dirty="0" err="1">
+                        <a:rPr lang="en-US" sz="1200" dirty="0">
                           <a:latin typeface="Times" pitchFamily="2" charset="0"/>
                         </a:rPr>
-                        <a:t>basket_id</a:t>
+                        <a:t>    </a:t>
                       </a:r>
-                      <a:endParaRPr lang="en-US" sz="1200" u="none" dirty="0">
+                      <a:r>
+                        <a:rPr lang="en-US" sz="1200" dirty="0" err="1">
+                          <a:latin typeface="Times" pitchFamily="2" charset="0"/>
+                        </a:rPr>
+                        <a:t>first_name</a:t>
+                      </a:r>
+                      <a:endParaRPr lang="en-US" sz="1200" dirty="0">
+                        <a:latin typeface="Times" pitchFamily="2" charset="0"/>
+                      </a:endParaRPr>
+                    </a:p>
+                    <a:p>
+                      <a:pPr algn="l"/>
+                      <a:r>
+                        <a:rPr lang="en-US" sz="1200" dirty="0">
+                          <a:latin typeface="Times" pitchFamily="2" charset="0"/>
+                        </a:rPr>
+                        <a:t>    </a:t>
+                      </a:r>
+                      <a:r>
+                        <a:rPr lang="en-US" sz="1200" dirty="0" err="1">
+                          <a:latin typeface="Times" pitchFamily="2" charset="0"/>
+                        </a:rPr>
+                        <a:t>last_name</a:t>
+                      </a:r>
+                      <a:endParaRPr lang="en-US" sz="1200" dirty="0">
                         <a:latin typeface="Times" pitchFamily="2" charset="0"/>
                       </a:endParaRPr>
                     </a:p>
@@ -4875,26 +6163,26 @@
       </p:graphicFrame>
       <p:cxnSp>
         <p:nvCxnSpPr>
-          <p:cNvPr id="10" name="Straight Connector 9">
-            <a:extLst>
-              <a:ext uri="{FF2B5EF4-FFF2-40B4-BE49-F238E27FC236}">
-                <a16:creationId xmlns:a16="http://schemas.microsoft.com/office/drawing/2014/main" id="{E753ABF6-3692-BB40-8C5F-E290E777EA2A}"/>
+          <p:cNvPr id="92" name="Straight Connector 9">
+            <a:extLst>
+              <a:ext uri="{FF2B5EF4-FFF2-40B4-BE49-F238E27FC236}">
+                <a16:creationId xmlns:a16="http://schemas.microsoft.com/office/drawing/2014/main" id="{CD6A28C9-A85E-474F-B2B7-973E8F9DB314}"/>
               </a:ext>
             </a:extLst>
           </p:cNvPr>
           <p:cNvCxnSpPr>
             <a:cxnSpLocks/>
-            <a:stCxn id="11" idx="2"/>
-            <a:endCxn id="87" idx="1"/>
+            <a:stCxn id="86" idx="2"/>
+            <a:endCxn id="103" idx="0"/>
           </p:cNvCxnSpPr>
           <p:nvPr/>
         </p:nvCxnSpPr>
         <p:spPr>
-          <a:xfrm rot="16200000" flipH="1">
-            <a:off x="7820985" y="4772577"/>
-            <a:ext cx="810510" cy="744692"/>
+          <a:xfrm>
+            <a:off x="4996114" y="5170241"/>
+            <a:ext cx="0" cy="363101"/>
           </a:xfrm>
-          <a:prstGeom prst="bentConnector2">
+          <a:prstGeom prst="straightConnector1">
             <a:avLst/>
           </a:prstGeom>
         </p:spPr>
@@ -4915,24 +6203,24 @@
       </p:cxnSp>
       <p:cxnSp>
         <p:nvCxnSpPr>
-          <p:cNvPr id="48" name="Straight Connector 47">
-            <a:extLst>
-              <a:ext uri="{FF2B5EF4-FFF2-40B4-BE49-F238E27FC236}">
-                <a16:creationId xmlns:a16="http://schemas.microsoft.com/office/drawing/2014/main" id="{FB98979D-5FF2-8744-98BE-80693A4C1A5F}"/>
+          <p:cNvPr id="94" name="Straight Connector 93">
+            <a:extLst>
+              <a:ext uri="{FF2B5EF4-FFF2-40B4-BE49-F238E27FC236}">
+                <a16:creationId xmlns:a16="http://schemas.microsoft.com/office/drawing/2014/main" id="{6C73F23B-9F8F-E14D-A6BF-4ACDDBEBA227}"/>
               </a:ext>
             </a:extLst>
           </p:cNvPr>
           <p:cNvCxnSpPr>
             <a:cxnSpLocks/>
-            <a:stCxn id="84" idx="3"/>
-            <a:endCxn id="77" idx="1"/>
+            <a:stCxn id="90" idx="3"/>
+            <a:endCxn id="103" idx="1"/>
           </p:cNvCxnSpPr>
           <p:nvPr/>
         </p:nvCxnSpPr>
         <p:spPr>
-          <a:xfrm flipV="1">
-            <a:off x="10559408" y="3821160"/>
-            <a:ext cx="307852" cy="7349"/>
+          <a:xfrm>
+            <a:off x="3556852" y="6040640"/>
+            <a:ext cx="460878" cy="1"/>
           </a:xfrm>
           <a:prstGeom prst="line">
             <a:avLst/>
@@ -4955,24 +6243,24 @@
       </p:cxnSp>
       <p:cxnSp>
         <p:nvCxnSpPr>
-          <p:cNvPr id="50" name="Straight Connector 49">
-            <a:extLst>
-              <a:ext uri="{FF2B5EF4-FFF2-40B4-BE49-F238E27FC236}">
-                <a16:creationId xmlns:a16="http://schemas.microsoft.com/office/drawing/2014/main" id="{662DD66D-0660-3541-9010-AB776D77C458}"/>
+          <p:cNvPr id="95" name="Straight Connector 94">
+            <a:extLst>
+              <a:ext uri="{FF2B5EF4-FFF2-40B4-BE49-F238E27FC236}">
+                <a16:creationId xmlns:a16="http://schemas.microsoft.com/office/drawing/2014/main" id="{F0DB8CDF-5A6A-A844-B421-5B798582C8EE}"/>
               </a:ext>
             </a:extLst>
           </p:cNvPr>
           <p:cNvCxnSpPr>
             <a:cxnSpLocks/>
-            <a:stCxn id="84" idx="1"/>
-            <a:endCxn id="11" idx="3"/>
+            <a:stCxn id="108" idx="1"/>
+            <a:endCxn id="86" idx="3"/>
           </p:cNvCxnSpPr>
           <p:nvPr/>
         </p:nvCxnSpPr>
         <p:spPr>
-          <a:xfrm flipH="1" flipV="1">
-            <a:off x="8393009" y="3825268"/>
-            <a:ext cx="209631" cy="3241"/>
+          <a:xfrm flipH="1">
+            <a:off x="5535229" y="4255841"/>
+            <a:ext cx="425152" cy="0"/>
           </a:xfrm>
           <a:prstGeom prst="line">
             <a:avLst/>
@@ -4995,24 +6283,24 @@
       </p:cxnSp>
       <p:cxnSp>
         <p:nvCxnSpPr>
-          <p:cNvPr id="59" name="Straight Connector 58">
-            <a:extLst>
-              <a:ext uri="{FF2B5EF4-FFF2-40B4-BE49-F238E27FC236}">
-                <a16:creationId xmlns:a16="http://schemas.microsoft.com/office/drawing/2014/main" id="{A4126541-3F95-9F48-AE8A-5BC5D82C1F05}"/>
+          <p:cNvPr id="96" name="Straight Connector 95">
+            <a:extLst>
+              <a:ext uri="{FF2B5EF4-FFF2-40B4-BE49-F238E27FC236}">
+                <a16:creationId xmlns:a16="http://schemas.microsoft.com/office/drawing/2014/main" id="{87528BDC-3A62-1943-820F-10186EB06BFA}"/>
               </a:ext>
             </a:extLst>
           </p:cNvPr>
           <p:cNvCxnSpPr>
             <a:cxnSpLocks/>
-            <a:stCxn id="87" idx="3"/>
-            <a:endCxn id="12" idx="1"/>
+            <a:stCxn id="107" idx="1"/>
+            <a:endCxn id="89" idx="3"/>
           </p:cNvCxnSpPr>
           <p:nvPr/>
         </p:nvCxnSpPr>
         <p:spPr>
-          <a:xfrm flipV="1">
-            <a:off x="10555354" y="5546525"/>
-            <a:ext cx="311906" cy="3653"/>
+          <a:xfrm flipH="1" flipV="1">
+            <a:off x="1687544" y="4255840"/>
+            <a:ext cx="351809" cy="1"/>
           </a:xfrm>
           <a:prstGeom prst="line">
             <a:avLst/>
@@ -5039,24 +6327,24 @@
       </p:cxnSp>
       <p:cxnSp>
         <p:nvCxnSpPr>
-          <p:cNvPr id="68" name="Straight Connector 67">
-            <a:extLst>
-              <a:ext uri="{FF2B5EF4-FFF2-40B4-BE49-F238E27FC236}">
-                <a16:creationId xmlns:a16="http://schemas.microsoft.com/office/drawing/2014/main" id="{9A0DA71C-B603-4A48-8483-1C88AADEE6D0}"/>
+          <p:cNvPr id="97" name="Straight Connector 96">
+            <a:extLst>
+              <a:ext uri="{FF2B5EF4-FFF2-40B4-BE49-F238E27FC236}">
+                <a16:creationId xmlns:a16="http://schemas.microsoft.com/office/drawing/2014/main" id="{61AE4B6A-9CA6-924C-9BDC-4251B74B0813}"/>
               </a:ext>
             </a:extLst>
           </p:cNvPr>
           <p:cNvCxnSpPr>
             <a:cxnSpLocks/>
-            <a:stCxn id="91" idx="3"/>
-            <a:endCxn id="11" idx="1"/>
+            <a:stCxn id="107" idx="3"/>
+            <a:endCxn id="86" idx="1"/>
           </p:cNvCxnSpPr>
           <p:nvPr/>
         </p:nvCxnSpPr>
         <p:spPr>
-          <a:xfrm flipV="1">
-            <a:off x="6929041" y="3825268"/>
-            <a:ext cx="385738" cy="2355"/>
+          <a:xfrm>
+            <a:off x="3996121" y="4255841"/>
+            <a:ext cx="460878" cy="0"/>
           </a:xfrm>
           <a:prstGeom prst="line">
             <a:avLst/>
@@ -5077,224 +6365,12 @@
           </a:fontRef>
         </p:style>
       </p:cxnSp>
-      <p:cxnSp>
-        <p:nvCxnSpPr>
-          <p:cNvPr id="74" name="Straight Connector 73">
-            <a:extLst>
-              <a:ext uri="{FF2B5EF4-FFF2-40B4-BE49-F238E27FC236}">
-                <a16:creationId xmlns:a16="http://schemas.microsoft.com/office/drawing/2014/main" id="{199A7694-09AF-C148-B3DC-347DDD72ACD6}"/>
-              </a:ext>
-            </a:extLst>
-          </p:cNvPr>
-          <p:cNvCxnSpPr>
-            <a:cxnSpLocks/>
-            <a:stCxn id="91" idx="1"/>
-            <a:endCxn id="13" idx="3"/>
-          </p:cNvCxnSpPr>
-          <p:nvPr/>
-        </p:nvCxnSpPr>
-        <p:spPr>
-          <a:xfrm flipH="1">
-            <a:off x="1687544" y="3827623"/>
-            <a:ext cx="3284729" cy="4578"/>
-          </a:xfrm>
-          <a:prstGeom prst="line">
-            <a:avLst/>
-          </a:prstGeom>
-        </p:spPr>
-        <p:style>
-          <a:lnRef idx="1">
-            <a:schemeClr val="accent1"/>
-          </a:lnRef>
-          <a:fillRef idx="0">
-            <a:schemeClr val="accent1"/>
-          </a:fillRef>
-          <a:effectRef idx="0">
-            <a:schemeClr val="accent1"/>
-          </a:effectRef>
-          <a:fontRef idx="minor">
-            <a:schemeClr val="tx1"/>
-          </a:fontRef>
-        </p:style>
-      </p:cxnSp>
-      <p:cxnSp>
-        <p:nvCxnSpPr>
-          <p:cNvPr id="85" name="Straight Connector 84">
-            <a:extLst>
-              <a:ext uri="{FF2B5EF4-FFF2-40B4-BE49-F238E27FC236}">
-                <a16:creationId xmlns:a16="http://schemas.microsoft.com/office/drawing/2014/main" id="{A2AAEF91-A41F-0742-8F6F-E74ABBC436D9}"/>
-              </a:ext>
-            </a:extLst>
-          </p:cNvPr>
-          <p:cNvCxnSpPr>
-            <a:cxnSpLocks/>
-            <a:stCxn id="78" idx="3"/>
-            <a:endCxn id="4" idx="2"/>
-          </p:cNvCxnSpPr>
-          <p:nvPr/>
-        </p:nvCxnSpPr>
-        <p:spPr>
-          <a:xfrm flipV="1">
-            <a:off x="2126813" y="1864946"/>
-            <a:ext cx="2887368" cy="663952"/>
-          </a:xfrm>
-          <a:prstGeom prst="bentConnector2">
-            <a:avLst/>
-          </a:prstGeom>
-          <a:ln>
-            <a:headEnd type="none"/>
-            <a:tailEnd type="triangle"/>
-          </a:ln>
-        </p:spPr>
-        <p:style>
-          <a:lnRef idx="1">
-            <a:schemeClr val="accent1"/>
-          </a:lnRef>
-          <a:fillRef idx="0">
-            <a:schemeClr val="accent1"/>
-          </a:fillRef>
-          <a:effectRef idx="0">
-            <a:schemeClr val="accent1"/>
-          </a:effectRef>
-          <a:fontRef idx="minor">
-            <a:schemeClr val="tx1"/>
-          </a:fontRef>
-        </p:style>
-      </p:cxnSp>
-      <p:cxnSp>
-        <p:nvCxnSpPr>
-          <p:cNvPr id="88" name="Straight Connector 87">
-            <a:extLst>
-              <a:ext uri="{FF2B5EF4-FFF2-40B4-BE49-F238E27FC236}">
-                <a16:creationId xmlns:a16="http://schemas.microsoft.com/office/drawing/2014/main" id="{7C54BA29-6DAD-E54F-A697-60C400AFD9D7}"/>
-              </a:ext>
-            </a:extLst>
-          </p:cNvPr>
-          <p:cNvCxnSpPr>
-            <a:cxnSpLocks/>
-            <a:stCxn id="78" idx="2"/>
-            <a:endCxn id="13" idx="0"/>
-          </p:cNvCxnSpPr>
-          <p:nvPr/>
-        </p:nvCxnSpPr>
-        <p:spPr>
-          <a:xfrm>
-            <a:off x="1148429" y="3036196"/>
-            <a:ext cx="0" cy="502720"/>
-          </a:xfrm>
-          <a:prstGeom prst="line">
-            <a:avLst/>
-          </a:prstGeom>
-          <a:ln>
-            <a:headEnd type="none"/>
-            <a:tailEnd type="none"/>
-          </a:ln>
-        </p:spPr>
-        <p:style>
-          <a:lnRef idx="1">
-            <a:schemeClr val="accent1"/>
-          </a:lnRef>
-          <a:fillRef idx="0">
-            <a:schemeClr val="accent1"/>
-          </a:fillRef>
-          <a:effectRef idx="0">
-            <a:schemeClr val="accent1"/>
-          </a:effectRef>
-          <a:fontRef idx="minor">
-            <a:schemeClr val="tx1"/>
-          </a:fontRef>
-        </p:style>
-      </p:cxnSp>
-      <p:cxnSp>
-        <p:nvCxnSpPr>
-          <p:cNvPr id="113" name="Straight Connector 112">
-            <a:extLst>
-              <a:ext uri="{FF2B5EF4-FFF2-40B4-BE49-F238E27FC236}">
-                <a16:creationId xmlns:a16="http://schemas.microsoft.com/office/drawing/2014/main" id="{86674C74-450E-9E4C-AC34-F2CBA8E561A6}"/>
-              </a:ext>
-            </a:extLst>
-          </p:cNvPr>
-          <p:cNvCxnSpPr>
-            <a:cxnSpLocks/>
-            <a:stCxn id="100" idx="0"/>
-            <a:endCxn id="13" idx="2"/>
-          </p:cNvCxnSpPr>
-          <p:nvPr/>
-        </p:nvCxnSpPr>
-        <p:spPr>
-          <a:xfrm flipV="1">
-            <a:off x="1148429" y="4125486"/>
-            <a:ext cx="0" cy="917393"/>
-          </a:xfrm>
-          <a:prstGeom prst="line">
-            <a:avLst/>
-          </a:prstGeom>
-        </p:spPr>
-        <p:style>
-          <a:lnRef idx="1">
-            <a:schemeClr val="accent1"/>
-          </a:lnRef>
-          <a:fillRef idx="0">
-            <a:schemeClr val="accent1"/>
-          </a:fillRef>
-          <a:effectRef idx="0">
-            <a:schemeClr val="accent1"/>
-          </a:effectRef>
-          <a:fontRef idx="minor">
-            <a:schemeClr val="tx1"/>
-          </a:fontRef>
-        </p:style>
-      </p:cxnSp>
-      <p:cxnSp>
-        <p:nvCxnSpPr>
-          <p:cNvPr id="116" name="Straight Connector 115">
-            <a:extLst>
-              <a:ext uri="{FF2B5EF4-FFF2-40B4-BE49-F238E27FC236}">
-                <a16:creationId xmlns:a16="http://schemas.microsoft.com/office/drawing/2014/main" id="{EE11C82C-B032-0346-A3DD-95236DA2ECD1}"/>
-              </a:ext>
-            </a:extLst>
-          </p:cNvPr>
-          <p:cNvCxnSpPr>
-            <a:cxnSpLocks/>
-            <a:stCxn id="100" idx="3"/>
-            <a:endCxn id="76" idx="1"/>
-          </p:cNvCxnSpPr>
-          <p:nvPr/>
-        </p:nvCxnSpPr>
-        <p:spPr>
-          <a:xfrm flipV="1">
-            <a:off x="2126813" y="5546912"/>
-            <a:ext cx="830888" cy="3266"/>
-          </a:xfrm>
-          <a:prstGeom prst="line">
-            <a:avLst/>
-          </a:prstGeom>
-          <a:ln>
-            <a:headEnd type="none"/>
-            <a:tailEnd type="triangle"/>
-          </a:ln>
-        </p:spPr>
-        <p:style>
-          <a:lnRef idx="1">
-            <a:schemeClr val="accent1"/>
-          </a:lnRef>
-          <a:fillRef idx="0">
-            <a:schemeClr val="accent1"/>
-          </a:fillRef>
-          <a:effectRef idx="0">
-            <a:schemeClr val="accent1"/>
-          </a:effectRef>
-          <a:fontRef idx="minor">
-            <a:schemeClr val="tx1"/>
-          </a:fontRef>
-        </p:style>
-      </p:cxnSp>
       <p:graphicFrame>
         <p:nvGraphicFramePr>
-          <p:cNvPr id="118" name="Table 117">
-            <a:extLst>
-              <a:ext uri="{FF2B5EF4-FFF2-40B4-BE49-F238E27FC236}">
-                <a16:creationId xmlns:a16="http://schemas.microsoft.com/office/drawing/2014/main" id="{A8A83D2A-B447-704A-BBC7-2498C7D43D3E}"/>
+          <p:cNvPr id="98" name="Table 97">
+            <a:extLst>
+              <a:ext uri="{FF2B5EF4-FFF2-40B4-BE49-F238E27FC236}">
+                <a16:creationId xmlns:a16="http://schemas.microsoft.com/office/drawing/2014/main" id="{824BE95B-21AE-484B-A54E-B4447AD0CE61}"/>
               </a:ext>
             </a:extLst>
           </p:cNvPr>
@@ -5304,13 +6380,13 @@
           <p:nvPr>
             <p:extLst>
               <p:ext uri="{D42A27DB-BD31-4B8C-83A1-F6EECF244321}">
-                <p14:modId xmlns:p14="http://schemas.microsoft.com/office/powerpoint/2010/main" val="2760145186"/>
+                <p14:modId xmlns:p14="http://schemas.microsoft.com/office/powerpoint/2010/main" val="607080131"/>
               </p:ext>
             </p:extLst>
           </p:nvPr>
         </p:nvGraphicFramePr>
         <p:xfrm>
-          <a:off x="5612315" y="4702089"/>
+          <a:off x="6600423" y="5130307"/>
           <a:ext cx="684670" cy="315661"/>
         </p:xfrm>
         <a:graphic>
@@ -5399,23 +6475,23 @@
       </p:graphicFrame>
       <p:cxnSp>
         <p:nvCxnSpPr>
-          <p:cNvPr id="120" name="Straight Connector 119">
-            <a:extLst>
-              <a:ext uri="{FF2B5EF4-FFF2-40B4-BE49-F238E27FC236}">
-                <a16:creationId xmlns:a16="http://schemas.microsoft.com/office/drawing/2014/main" id="{CAC4BBD2-21F5-8C48-B5DB-7E1A13B5A950}"/>
+          <p:cNvPr id="99" name="Straight Connector 98">
+            <a:extLst>
+              <a:ext uri="{FF2B5EF4-FFF2-40B4-BE49-F238E27FC236}">
+                <a16:creationId xmlns:a16="http://schemas.microsoft.com/office/drawing/2014/main" id="{805B784B-2370-664F-967D-7442F467D3EF}"/>
               </a:ext>
             </a:extLst>
           </p:cNvPr>
           <p:cNvCxnSpPr>
             <a:cxnSpLocks/>
-            <a:stCxn id="91" idx="2"/>
-            <a:endCxn id="118" idx="0"/>
+            <a:stCxn id="108" idx="2"/>
+            <a:endCxn id="98" idx="0"/>
           </p:cNvCxnSpPr>
           <p:nvPr/>
         </p:nvCxnSpPr>
         <p:spPr>
           <a:xfrm>
-            <a:off x="5950657" y="4334921"/>
+            <a:off x="6938765" y="4763139"/>
             <a:ext cx="3993" cy="367168"/>
           </a:xfrm>
           <a:prstGeom prst="line">
@@ -5442,10 +6518,10 @@
       </p:cxnSp>
       <p:graphicFrame>
         <p:nvGraphicFramePr>
-          <p:cNvPr id="124" name="Table 123">
-            <a:extLst>
-              <a:ext uri="{FF2B5EF4-FFF2-40B4-BE49-F238E27FC236}">
-                <a16:creationId xmlns:a16="http://schemas.microsoft.com/office/drawing/2014/main" id="{4D1F40F1-EF09-8F4D-9E47-960595E01741}"/>
+          <p:cNvPr id="101" name="Table 100">
+            <a:extLst>
+              <a:ext uri="{FF2B5EF4-FFF2-40B4-BE49-F238E27FC236}">
+                <a16:creationId xmlns:a16="http://schemas.microsoft.com/office/drawing/2014/main" id="{0150E402-04EA-0641-AC2E-0F101B69F2B8}"/>
               </a:ext>
             </a:extLst>
           </p:cNvPr>
@@ -5455,13 +6531,13 @@
           <p:nvPr>
             <p:extLst>
               <p:ext uri="{D42A27DB-BD31-4B8C-83A1-F6EECF244321}">
-                <p14:modId xmlns:p14="http://schemas.microsoft.com/office/powerpoint/2010/main" val="3840709053"/>
+                <p14:modId xmlns:p14="http://schemas.microsoft.com/office/powerpoint/2010/main" val="3054723283"/>
               </p:ext>
             </p:extLst>
           </p:nvPr>
         </p:nvGraphicFramePr>
         <p:xfrm>
-          <a:off x="9238109" y="6425015"/>
+          <a:off x="2675402" y="3261791"/>
           <a:ext cx="684670" cy="315661"/>
         </p:xfrm>
         <a:graphic>
@@ -5550,24 +6626,24 @@
       </p:graphicFrame>
       <p:cxnSp>
         <p:nvCxnSpPr>
-          <p:cNvPr id="125" name="Straight Connector 124">
-            <a:extLst>
-              <a:ext uri="{FF2B5EF4-FFF2-40B4-BE49-F238E27FC236}">
-                <a16:creationId xmlns:a16="http://schemas.microsoft.com/office/drawing/2014/main" id="{285E3736-FB3C-144C-B83E-13FC9BBFD9CD}"/>
+          <p:cNvPr id="102" name="Straight Connector 101">
+            <a:extLst>
+              <a:ext uri="{FF2B5EF4-FFF2-40B4-BE49-F238E27FC236}">
+                <a16:creationId xmlns:a16="http://schemas.microsoft.com/office/drawing/2014/main" id="{8681231C-2D3C-FC4D-95D8-29BF6C27EB36}"/>
               </a:ext>
             </a:extLst>
           </p:cNvPr>
           <p:cNvCxnSpPr>
             <a:cxnSpLocks/>
-            <a:stCxn id="87" idx="2"/>
-            <a:endCxn id="124" idx="0"/>
+            <a:stCxn id="107" idx="0"/>
+            <a:endCxn id="101" idx="2"/>
           </p:cNvCxnSpPr>
           <p:nvPr/>
         </p:nvCxnSpPr>
         <p:spPr>
-          <a:xfrm>
-            <a:off x="9576970" y="6057476"/>
-            <a:ext cx="3474" cy="367539"/>
+          <a:xfrm flipV="1">
+            <a:off x="3017737" y="3577452"/>
+            <a:ext cx="0" cy="171090"/>
           </a:xfrm>
           <a:prstGeom prst="line">
             <a:avLst/>
@@ -5591,271 +6667,12 @@
           </a:fontRef>
         </p:style>
       </p:cxnSp>
-      <p:graphicFrame>
-        <p:nvGraphicFramePr>
-          <p:cNvPr id="129" name="Table 128">
-            <a:extLst>
-              <a:ext uri="{FF2B5EF4-FFF2-40B4-BE49-F238E27FC236}">
-                <a16:creationId xmlns:a16="http://schemas.microsoft.com/office/drawing/2014/main" id="{B390E181-B6B5-794A-9C6C-DA783BF873FC}"/>
-              </a:ext>
-            </a:extLst>
-          </p:cNvPr>
-          <p:cNvGraphicFramePr>
-            <a:graphicFrameLocks noGrp="1"/>
-          </p:cNvGraphicFramePr>
-          <p:nvPr>
-            <p:extLst>
-              <p:ext uri="{D42A27DB-BD31-4B8C-83A1-F6EECF244321}">
-                <p14:modId xmlns:p14="http://schemas.microsoft.com/office/powerpoint/2010/main" val="806600739"/>
-              </p:ext>
-            </p:extLst>
-          </p:nvPr>
-        </p:nvGraphicFramePr>
-        <p:xfrm>
-          <a:off x="7248500" y="592034"/>
-          <a:ext cx="1210788" cy="554574"/>
-        </p:xfrm>
-        <a:graphic>
-          <a:graphicData uri="http://schemas.openxmlformats.org/drawingml/2006/table">
-            <a:tbl>
-              <a:tblPr firstRow="1" bandRow="1">
-                <a:tableStyleId>{5FD0F851-EC5A-4D38-B0AD-8093EC10F338}</a:tableStyleId>
-              </a:tblPr>
-              <a:tblGrid>
-                <a:gridCol w="1210788">
-                  <a:extLst>
-                    <a:ext uri="{9D8B030D-6E8A-4147-A177-3AD203B41FA5}">
-                      <a16:colId xmlns:a16="http://schemas.microsoft.com/office/drawing/2014/main" val="1069656790"/>
-                    </a:ext>
-                  </a:extLst>
-                </a:gridCol>
-              </a:tblGrid>
-              <a:tr h="238351">
-                <a:tc>
-                  <a:txBody>
-                    <a:bodyPr/>
-                    <a:lstStyle/>
-                    <a:p>
-                      <a:pPr algn="ctr"/>
-                      <a:r>
-                        <a:rPr lang="en-US" sz="1200" b="0" dirty="0">
-                          <a:latin typeface="Times" pitchFamily="2" charset="0"/>
-                        </a:rPr>
-                        <a:t>librarian</a:t>
-                      </a:r>
-                    </a:p>
-                  </a:txBody>
-                  <a:tcPr anchor="ctr">
-                    <a:lnL w="9525" cap="flat" cmpd="sng" algn="ctr">
-                      <a:solidFill>
-                        <a:schemeClr val="tx1"/>
-                      </a:solidFill>
-                      <a:prstDash val="solid"/>
-                      <a:round/>
-                      <a:headEnd type="none" w="med" len="med"/>
-                      <a:tailEnd type="none" w="med" len="med"/>
-                    </a:lnL>
-                    <a:lnR w="9525" cap="flat" cmpd="sng" algn="ctr">
-                      <a:solidFill>
-                        <a:schemeClr val="tx1"/>
-                      </a:solidFill>
-                      <a:prstDash val="solid"/>
-                      <a:round/>
-                      <a:headEnd type="none" w="med" len="med"/>
-                      <a:tailEnd type="none" w="med" len="med"/>
-                    </a:lnR>
-                    <a:lnT w="9525" cap="flat" cmpd="sng" algn="ctr">
-                      <a:solidFill>
-                        <a:schemeClr val="tx1"/>
-                      </a:solidFill>
-                      <a:prstDash val="solid"/>
-                      <a:round/>
-                      <a:headEnd type="none" w="med" len="med"/>
-                      <a:tailEnd type="none" w="med" len="med"/>
-                    </a:lnT>
-                    <a:lnB w="9525" cap="flat" cmpd="sng" algn="ctr">
-                      <a:solidFill>
-                        <a:schemeClr val="tx1"/>
-                      </a:solidFill>
-                      <a:prstDash val="solid"/>
-                      <a:round/>
-                      <a:headEnd type="none" w="med" len="med"/>
-                      <a:tailEnd type="none" w="med" len="med"/>
-                    </a:lnB>
-                    <a:solidFill>
-                      <a:schemeClr val="accent5">
-                        <a:lumMod val="40000"/>
-                        <a:lumOff val="60000"/>
-                      </a:schemeClr>
-                    </a:solidFill>
-                  </a:tcPr>
-                </a:tc>
-                <a:extLst>
-                  <a:ext uri="{0D108BD9-81ED-4DB2-BD59-A6C34878D82A}">
-                    <a16:rowId xmlns:a16="http://schemas.microsoft.com/office/drawing/2014/main" val="3513791863"/>
-                  </a:ext>
-                </a:extLst>
-              </a:tr>
-              <a:tr h="280254">
-                <a:tc>
-                  <a:txBody>
-                    <a:bodyPr/>
-                    <a:lstStyle/>
-                    <a:p>
-                      <a:pPr algn="l"/>
-                      <a:r>
-                        <a:rPr lang="en-US" sz="1200" dirty="0">
-                          <a:latin typeface="Times" pitchFamily="2" charset="0"/>
-                        </a:rPr>
-                        <a:t>salary</a:t>
-                      </a:r>
-                    </a:p>
-                  </a:txBody>
-                  <a:tcPr>
-                    <a:lnL w="9525" cap="flat" cmpd="sng" algn="ctr">
-                      <a:solidFill>
-                        <a:schemeClr val="tx1"/>
-                      </a:solidFill>
-                      <a:prstDash val="solid"/>
-                      <a:round/>
-                      <a:headEnd type="none" w="med" len="med"/>
-                      <a:tailEnd type="none" w="med" len="med"/>
-                    </a:lnL>
-                    <a:lnR w="9525" cap="flat" cmpd="sng" algn="ctr">
-                      <a:solidFill>
-                        <a:schemeClr val="tx1"/>
-                      </a:solidFill>
-                      <a:prstDash val="solid"/>
-                      <a:round/>
-                      <a:headEnd type="none" w="med" len="med"/>
-                      <a:tailEnd type="none" w="med" len="med"/>
-                    </a:lnR>
-                    <a:lnT w="9525" cap="flat" cmpd="sng" algn="ctr">
-                      <a:solidFill>
-                        <a:schemeClr val="tx1"/>
-                      </a:solidFill>
-                      <a:prstDash val="solid"/>
-                      <a:round/>
-                      <a:headEnd type="none" w="med" len="med"/>
-                      <a:tailEnd type="none" w="med" len="med"/>
-                    </a:lnT>
-                    <a:lnB w="9525" cap="flat" cmpd="sng" algn="ctr">
-                      <a:solidFill>
-                        <a:schemeClr val="tx1"/>
-                      </a:solidFill>
-                      <a:prstDash val="solid"/>
-                      <a:round/>
-                      <a:headEnd type="none" w="med" len="med"/>
-                      <a:tailEnd type="none" w="med" len="med"/>
-                    </a:lnB>
-                    <a:solidFill>
-                      <a:schemeClr val="bg1">
-                        <a:alpha val="20000"/>
-                      </a:schemeClr>
-                    </a:solidFill>
-                  </a:tcPr>
-                </a:tc>
-                <a:extLst>
-                  <a:ext uri="{0D108BD9-81ED-4DB2-BD59-A6C34878D82A}">
-                    <a16:rowId xmlns:a16="http://schemas.microsoft.com/office/drawing/2014/main" val="2009406627"/>
-                  </a:ext>
-                </a:extLst>
-              </a:tr>
-            </a:tbl>
-          </a:graphicData>
-        </a:graphic>
-      </p:graphicFrame>
-      <p:cxnSp>
-        <p:nvCxnSpPr>
-          <p:cNvPr id="158" name="Straight Connector 157">
-            <a:extLst>
-              <a:ext uri="{FF2B5EF4-FFF2-40B4-BE49-F238E27FC236}">
-                <a16:creationId xmlns:a16="http://schemas.microsoft.com/office/drawing/2014/main" id="{297C8A96-174D-8747-8E55-D89E3B22E355}"/>
-              </a:ext>
-            </a:extLst>
-          </p:cNvPr>
-          <p:cNvCxnSpPr>
-            <a:cxnSpLocks/>
-            <a:stCxn id="81" idx="0"/>
-            <a:endCxn id="129" idx="2"/>
-          </p:cNvCxnSpPr>
-          <p:nvPr/>
-        </p:nvCxnSpPr>
-        <p:spPr>
-          <a:xfrm flipV="1">
-            <a:off x="7853894" y="1146608"/>
-            <a:ext cx="0" cy="207951"/>
-          </a:xfrm>
-          <a:prstGeom prst="line">
-            <a:avLst/>
-          </a:prstGeom>
-          <a:ln>
-            <a:solidFill>
-              <a:schemeClr val="accent1"/>
-            </a:solidFill>
-          </a:ln>
-        </p:spPr>
-        <p:style>
-          <a:lnRef idx="1">
-            <a:schemeClr val="accent1"/>
-          </a:lnRef>
-          <a:fillRef idx="0">
-            <a:schemeClr val="accent1"/>
-          </a:fillRef>
-          <a:effectRef idx="0">
-            <a:schemeClr val="accent1"/>
-          </a:effectRef>
-          <a:fontRef idx="minor">
-            <a:schemeClr val="tx1"/>
-          </a:fontRef>
-        </p:style>
-      </p:cxnSp>
-      <p:cxnSp>
-        <p:nvCxnSpPr>
-          <p:cNvPr id="160" name="Straight Connector 159">
-            <a:extLst>
-              <a:ext uri="{FF2B5EF4-FFF2-40B4-BE49-F238E27FC236}">
-                <a16:creationId xmlns:a16="http://schemas.microsoft.com/office/drawing/2014/main" id="{D71F6583-AE7C-BF48-8F76-42E9DA81F2B9}"/>
-              </a:ext>
-            </a:extLst>
-          </p:cNvPr>
-          <p:cNvCxnSpPr>
-            <a:cxnSpLocks/>
-            <a:stCxn id="81" idx="2"/>
-            <a:endCxn id="11" idx="0"/>
-          </p:cNvCxnSpPr>
-          <p:nvPr/>
-        </p:nvCxnSpPr>
-        <p:spPr>
-          <a:xfrm>
-            <a:off x="7853894" y="2369156"/>
-            <a:ext cx="0" cy="541712"/>
-          </a:xfrm>
-          <a:prstGeom prst="line">
-            <a:avLst/>
-          </a:prstGeom>
-        </p:spPr>
-        <p:style>
-          <a:lnRef idx="1">
-            <a:schemeClr val="accent1"/>
-          </a:lnRef>
-          <a:fillRef idx="0">
-            <a:schemeClr val="accent1"/>
-          </a:fillRef>
-          <a:effectRef idx="0">
-            <a:schemeClr val="accent1"/>
-          </a:effectRef>
-          <a:fontRef idx="minor">
-            <a:schemeClr val="tx1"/>
-          </a:fontRef>
-        </p:style>
-      </p:cxnSp>
       <p:sp>
         <p:nvSpPr>
-          <p:cNvPr id="78" name="Diamond 77">
-            <a:extLst>
-              <a:ext uri="{FF2B5EF4-FFF2-40B4-BE49-F238E27FC236}">
-                <a16:creationId xmlns:a16="http://schemas.microsoft.com/office/drawing/2014/main" id="{FBF2437C-3794-4EDB-A0C3-7FAA19A8EF24}"/>
+          <p:cNvPr id="103" name="Diamond 102">
+            <a:extLst>
+              <a:ext uri="{FF2B5EF4-FFF2-40B4-BE49-F238E27FC236}">
+                <a16:creationId xmlns:a16="http://schemas.microsoft.com/office/drawing/2014/main" id="{D24F55F8-CF50-E842-8B3D-33F69FD652ED}"/>
               </a:ext>
             </a:extLst>
           </p:cNvPr>
@@ -5864,7 +6681,7 @@
         </p:nvSpPr>
         <p:spPr>
           <a:xfrm>
-            <a:off x="170045" y="2021599"/>
+            <a:off x="4017730" y="5533342"/>
             <a:ext cx="1956768" cy="1014597"/>
           </a:xfrm>
           <a:prstGeom prst="diamond">
@@ -5899,29 +6716,23 @@
           <a:p>
             <a:pPr algn="ctr"/>
             <a:r>
-              <a:rPr lang="en-US" sz="1100" i="1" dirty="0" err="1">
+              <a:rPr lang="en-US" sz="1100" i="1" dirty="0">
                 <a:solidFill>
                   <a:sysClr val="windowText" lastClr="000000"/>
                 </a:solidFill>
                 <a:latin typeface="Times" pitchFamily="2" charset="0"/>
               </a:rPr>
-              <a:t>bask_manage</a:t>
+              <a:t>writes</a:t>
             </a:r>
-            <a:endParaRPr lang="en-US" sz="1100" i="1" dirty="0">
-              <a:solidFill>
-                <a:sysClr val="windowText" lastClr="000000"/>
-              </a:solidFill>
-              <a:latin typeface="Times" pitchFamily="2" charset="0"/>
-            </a:endParaRPr>
           </a:p>
         </p:txBody>
       </p:sp>
       <p:sp>
         <p:nvSpPr>
-          <p:cNvPr id="81" name="Diamond 80">
-            <a:extLst>
-              <a:ext uri="{FF2B5EF4-FFF2-40B4-BE49-F238E27FC236}">
-                <a16:creationId xmlns:a16="http://schemas.microsoft.com/office/drawing/2014/main" id="{9834081C-709A-48D8-94AD-706BAE92DE8D}"/>
+          <p:cNvPr id="107" name="Diamond 106">
+            <a:extLst>
+              <a:ext uri="{FF2B5EF4-FFF2-40B4-BE49-F238E27FC236}">
+                <a16:creationId xmlns:a16="http://schemas.microsoft.com/office/drawing/2014/main" id="{792EE583-83DE-9B46-838C-9F7E925466C3}"/>
               </a:ext>
             </a:extLst>
           </p:cNvPr>
@@ -5930,7 +6741,7 @@
         </p:nvSpPr>
         <p:spPr>
           <a:xfrm>
-            <a:off x="6875510" y="1354559"/>
+            <a:off x="2039353" y="3748542"/>
             <a:ext cx="1956768" cy="1014597"/>
           </a:xfrm>
           <a:prstGeom prst="diamond">
@@ -5965,29 +6776,23 @@
           <a:p>
             <a:pPr algn="ctr"/>
             <a:r>
-              <a:rPr lang="en-US" sz="1100" i="1" dirty="0" err="1">
+              <a:rPr lang="en-US" sz="1100" i="1" dirty="0">
                 <a:solidFill>
                   <a:sysClr val="windowText" lastClr="000000"/>
                 </a:solidFill>
                 <a:latin typeface="Times" pitchFamily="2" charset="0"/>
               </a:rPr>
-              <a:t>lib_manage</a:t>
+              <a:t>publishes</a:t>
             </a:r>
-            <a:endParaRPr lang="en-US" sz="1100" i="1" dirty="0">
-              <a:solidFill>
-                <a:sysClr val="windowText" lastClr="000000"/>
-              </a:solidFill>
-              <a:latin typeface="Times" pitchFamily="2" charset="0"/>
-            </a:endParaRPr>
           </a:p>
         </p:txBody>
       </p:sp>
       <p:sp>
         <p:nvSpPr>
-          <p:cNvPr id="84" name="Diamond 83">
-            <a:extLst>
-              <a:ext uri="{FF2B5EF4-FFF2-40B4-BE49-F238E27FC236}">
-                <a16:creationId xmlns:a16="http://schemas.microsoft.com/office/drawing/2014/main" id="{D53F329F-BBC6-4E52-8154-4B6CBA03E62F}"/>
+          <p:cNvPr id="108" name="Diamond 107">
+            <a:extLst>
+              <a:ext uri="{FF2B5EF4-FFF2-40B4-BE49-F238E27FC236}">
+                <a16:creationId xmlns:a16="http://schemas.microsoft.com/office/drawing/2014/main" id="{7D385409-8208-EF42-B0D9-C3A1D574C9F2}"/>
               </a:ext>
             </a:extLst>
           </p:cNvPr>
@@ -5996,7 +6801,7 @@
         </p:nvSpPr>
         <p:spPr>
           <a:xfrm>
-            <a:off x="8602640" y="3321210"/>
+            <a:off x="5960381" y="3748542"/>
             <a:ext cx="1956768" cy="1014597"/>
           </a:xfrm>
           <a:prstGeom prst="diamond">
@@ -6037,132 +6842,6 @@
                 </a:solidFill>
                 <a:latin typeface="Times" pitchFamily="2" charset="0"/>
               </a:rPr>
-              <a:t>lib_manage</a:t>
-            </a:r>
-            <a:endParaRPr lang="en-US" sz="1100" i="1" dirty="0">
-              <a:solidFill>
-                <a:sysClr val="windowText" lastClr="000000"/>
-              </a:solidFill>
-              <a:latin typeface="Times" pitchFamily="2" charset="0"/>
-            </a:endParaRPr>
-          </a:p>
-        </p:txBody>
-      </p:sp>
-      <p:sp>
-        <p:nvSpPr>
-          <p:cNvPr id="87" name="Diamond 86">
-            <a:extLst>
-              <a:ext uri="{FF2B5EF4-FFF2-40B4-BE49-F238E27FC236}">
-                <a16:creationId xmlns:a16="http://schemas.microsoft.com/office/drawing/2014/main" id="{7612DC8A-FD5B-4554-98A7-2DCC05483D73}"/>
-              </a:ext>
-            </a:extLst>
-          </p:cNvPr>
-          <p:cNvSpPr/>
-          <p:nvPr/>
-        </p:nvSpPr>
-        <p:spPr>
-          <a:xfrm>
-            <a:off x="8598586" y="5042879"/>
-            <a:ext cx="1956768" cy="1014597"/>
-          </a:xfrm>
-          <a:prstGeom prst="diamond">
-            <a:avLst/>
-          </a:prstGeom>
-          <a:solidFill>
-            <a:schemeClr val="accent5">
-              <a:lumMod val="40000"/>
-              <a:lumOff val="60000"/>
-            </a:schemeClr>
-          </a:solidFill>
-        </p:spPr>
-        <p:style>
-          <a:lnRef idx="2">
-            <a:schemeClr val="accent1">
-              <a:shade val="50000"/>
-            </a:schemeClr>
-          </a:lnRef>
-          <a:fillRef idx="1">
-            <a:schemeClr val="accent1"/>
-          </a:fillRef>
-          <a:effectRef idx="0">
-            <a:schemeClr val="accent1"/>
-          </a:effectRef>
-          <a:fontRef idx="minor">
-            <a:schemeClr val="lt1"/>
-          </a:fontRef>
-        </p:style>
-        <p:txBody>
-          <a:bodyPr rtlCol="0" anchor="ctr"/>
-          <a:lstStyle/>
-          <a:p>
-            <a:pPr algn="ctr"/>
-            <a:r>
-              <a:rPr lang="en-US" sz="1100" i="1" dirty="0">
-                <a:solidFill>
-                  <a:sysClr val="windowText" lastClr="000000"/>
-                </a:solidFill>
-                <a:latin typeface="Times" pitchFamily="2" charset="0"/>
-              </a:rPr>
-              <a:t>publishes</a:t>
-            </a:r>
-          </a:p>
-        </p:txBody>
-      </p:sp>
-      <p:sp>
-        <p:nvSpPr>
-          <p:cNvPr id="91" name="Diamond 90">
-            <a:extLst>
-              <a:ext uri="{FF2B5EF4-FFF2-40B4-BE49-F238E27FC236}">
-                <a16:creationId xmlns:a16="http://schemas.microsoft.com/office/drawing/2014/main" id="{ADF0CF5F-F63D-45FE-9BB6-19133B5CD499}"/>
-              </a:ext>
-            </a:extLst>
-          </p:cNvPr>
-          <p:cNvSpPr/>
-          <p:nvPr/>
-        </p:nvSpPr>
-        <p:spPr>
-          <a:xfrm>
-            <a:off x="4972273" y="3320324"/>
-            <a:ext cx="1956768" cy="1014597"/>
-          </a:xfrm>
-          <a:prstGeom prst="diamond">
-            <a:avLst/>
-          </a:prstGeom>
-          <a:solidFill>
-            <a:schemeClr val="accent5">
-              <a:lumMod val="40000"/>
-              <a:lumOff val="60000"/>
-            </a:schemeClr>
-          </a:solidFill>
-        </p:spPr>
-        <p:style>
-          <a:lnRef idx="2">
-            <a:schemeClr val="accent1">
-              <a:shade val="50000"/>
-            </a:schemeClr>
-          </a:lnRef>
-          <a:fillRef idx="1">
-            <a:schemeClr val="accent1"/>
-          </a:fillRef>
-          <a:effectRef idx="0">
-            <a:schemeClr val="accent1"/>
-          </a:effectRef>
-          <a:fontRef idx="minor">
-            <a:schemeClr val="lt1"/>
-          </a:fontRef>
-        </p:style>
-        <p:txBody>
-          <a:bodyPr rtlCol="0" anchor="ctr"/>
-          <a:lstStyle/>
-          <a:p>
-            <a:pPr algn="ctr"/>
-            <a:r>
-              <a:rPr lang="en-US" sz="1100" i="1" dirty="0" err="1">
-                <a:solidFill>
-                  <a:sysClr val="windowText" lastClr="000000"/>
-                </a:solidFill>
-                <a:latin typeface="Times" pitchFamily="2" charset="0"/>
-              </a:rPr>
               <a:t>bask_item</a:t>
             </a:r>
             <a:endParaRPr lang="en-US" sz="1100" i="1" dirty="0">
@@ -6176,10 +6855,10 @@
       </p:sp>
       <p:sp>
         <p:nvSpPr>
-          <p:cNvPr id="100" name="Diamond 99">
-            <a:extLst>
-              <a:ext uri="{FF2B5EF4-FFF2-40B4-BE49-F238E27FC236}">
-                <a16:creationId xmlns:a16="http://schemas.microsoft.com/office/drawing/2014/main" id="{A19433CF-0BF2-4A7E-B185-99A81A735812}"/>
+          <p:cNvPr id="162" name="Diamond 161">
+            <a:extLst>
+              <a:ext uri="{FF2B5EF4-FFF2-40B4-BE49-F238E27FC236}">
+                <a16:creationId xmlns:a16="http://schemas.microsoft.com/office/drawing/2014/main" id="{FDED92B5-5299-804B-9519-C9B89EDB876A}"/>
               </a:ext>
             </a:extLst>
           </p:cNvPr>
@@ -6188,447 +6867,7 @@
         </p:nvSpPr>
         <p:spPr>
           <a:xfrm>
-            <a:off x="170045" y="5042879"/>
-            <a:ext cx="1956768" cy="1014597"/>
-          </a:xfrm>
-          <a:prstGeom prst="diamond">
-            <a:avLst/>
-          </a:prstGeom>
-          <a:solidFill>
-            <a:schemeClr val="accent5">
-              <a:lumMod val="40000"/>
-              <a:lumOff val="60000"/>
-            </a:schemeClr>
-          </a:solidFill>
-        </p:spPr>
-        <p:style>
-          <a:lnRef idx="2">
-            <a:schemeClr val="accent1">
-              <a:shade val="50000"/>
-            </a:schemeClr>
-          </a:lnRef>
-          <a:fillRef idx="1">
-            <a:schemeClr val="accent1"/>
-          </a:fillRef>
-          <a:effectRef idx="0">
-            <a:schemeClr val="accent1"/>
-          </a:effectRef>
-          <a:fontRef idx="minor">
-            <a:schemeClr val="lt1"/>
-          </a:fontRef>
-        </p:style>
-        <p:txBody>
-          <a:bodyPr rtlCol="0" anchor="ctr"/>
-          <a:lstStyle/>
-          <a:p>
-            <a:pPr algn="ctr"/>
-            <a:r>
-              <a:rPr lang="en-US" sz="1100" i="1" dirty="0">
-                <a:solidFill>
-                  <a:sysClr val="windowText" lastClr="000000"/>
-                </a:solidFill>
-                <a:latin typeface="Times" pitchFamily="2" charset="0"/>
-              </a:rPr>
-              <a:t>checkout</a:t>
-            </a:r>
-          </a:p>
-        </p:txBody>
-      </p:sp>
-      <p:grpSp>
-        <p:nvGrpSpPr>
-          <p:cNvPr id="104" name="Group 103">
-            <a:extLst>
-              <a:ext uri="{FF2B5EF4-FFF2-40B4-BE49-F238E27FC236}">
-                <a16:creationId xmlns:a16="http://schemas.microsoft.com/office/drawing/2014/main" id="{A692A6FD-34E4-4E67-99F6-C875B5FAD33A}"/>
-              </a:ext>
-            </a:extLst>
-          </p:cNvPr>
-          <p:cNvGrpSpPr/>
-          <p:nvPr/>
-        </p:nvGrpSpPr>
-        <p:grpSpPr>
-          <a:xfrm rot="16200000">
-            <a:off x="6039400" y="427990"/>
-            <a:ext cx="78253" cy="888611"/>
-            <a:chOff x="4991321" y="1224855"/>
-            <a:chExt cx="45719" cy="852211"/>
-          </a:xfrm>
-        </p:grpSpPr>
-        <p:sp>
-          <p:nvSpPr>
-            <p:cNvPr id="105" name="Isosceles Triangle 13">
-              <a:extLst>
-                <a:ext uri="{FF2B5EF4-FFF2-40B4-BE49-F238E27FC236}">
-                  <a16:creationId xmlns:a16="http://schemas.microsoft.com/office/drawing/2014/main" id="{31D160B4-3212-4E2B-B91C-93408B008621}"/>
-                </a:ext>
-              </a:extLst>
-            </p:cNvPr>
-            <p:cNvSpPr/>
-            <p:nvPr/>
-          </p:nvSpPr>
-          <p:spPr>
-            <a:xfrm>
-              <a:off x="4991321" y="1224855"/>
-              <a:ext cx="45719" cy="81710"/>
-            </a:xfrm>
-            <a:prstGeom prst="triangle">
-              <a:avLst/>
-            </a:prstGeom>
-            <a:noFill/>
-            <a:ln>
-              <a:solidFill>
-                <a:schemeClr val="accent1"/>
-              </a:solidFill>
-            </a:ln>
-          </p:spPr>
-          <p:style>
-            <a:lnRef idx="2">
-              <a:schemeClr val="accent1">
-                <a:shade val="50000"/>
-              </a:schemeClr>
-            </a:lnRef>
-            <a:fillRef idx="1">
-              <a:schemeClr val="accent1"/>
-            </a:fillRef>
-            <a:effectRef idx="0">
-              <a:schemeClr val="accent1"/>
-            </a:effectRef>
-            <a:fontRef idx="minor">
-              <a:schemeClr val="lt1"/>
-            </a:fontRef>
-          </p:style>
-          <p:txBody>
-            <a:bodyPr rtlCol="0" anchor="ctr"/>
-            <a:lstStyle/>
-            <a:p>
-              <a:pPr algn="ctr"/>
-              <a:endParaRPr lang="en-CA"/>
-            </a:p>
-          </p:txBody>
-        </p:sp>
-        <p:cxnSp>
-          <p:nvCxnSpPr>
-            <p:cNvPr id="106" name="Straight Connector 105">
-              <a:extLst>
-                <a:ext uri="{FF2B5EF4-FFF2-40B4-BE49-F238E27FC236}">
-                  <a16:creationId xmlns:a16="http://schemas.microsoft.com/office/drawing/2014/main" id="{49D4E70C-34AB-4DA2-B1A1-1CE639417140}"/>
-                </a:ext>
-              </a:extLst>
-            </p:cNvPr>
-            <p:cNvCxnSpPr>
-              <a:cxnSpLocks/>
-              <a:stCxn id="105" idx="3"/>
-            </p:cNvCxnSpPr>
-            <p:nvPr/>
-          </p:nvCxnSpPr>
-          <p:spPr>
-            <a:xfrm>
-              <a:off x="5014181" y="1306565"/>
-              <a:ext cx="0" cy="770501"/>
-            </a:xfrm>
-            <a:prstGeom prst="line">
-              <a:avLst/>
-            </a:prstGeom>
-            <a:ln>
-              <a:solidFill>
-                <a:schemeClr val="accent1"/>
-              </a:solidFill>
-            </a:ln>
-          </p:spPr>
-          <p:style>
-            <a:lnRef idx="1">
-              <a:schemeClr val="dk1"/>
-            </a:lnRef>
-            <a:fillRef idx="0">
-              <a:schemeClr val="dk1"/>
-            </a:fillRef>
-            <a:effectRef idx="0">
-              <a:schemeClr val="dk1"/>
-            </a:effectRef>
-            <a:fontRef idx="minor">
-              <a:schemeClr val="tx1"/>
-            </a:fontRef>
-          </p:style>
-        </p:cxnSp>
-      </p:grpSp>
-      <p:cxnSp>
-        <p:nvCxnSpPr>
-          <p:cNvPr id="93" name="Straight Connector 92">
-            <a:extLst>
-              <a:ext uri="{FF2B5EF4-FFF2-40B4-BE49-F238E27FC236}">
-                <a16:creationId xmlns:a16="http://schemas.microsoft.com/office/drawing/2014/main" id="{69369067-AE5E-4ED0-8801-942DC7A0173F}"/>
-              </a:ext>
-            </a:extLst>
-          </p:cNvPr>
-          <p:cNvCxnSpPr>
-            <a:cxnSpLocks/>
-          </p:cNvCxnSpPr>
-          <p:nvPr/>
-        </p:nvCxnSpPr>
-        <p:spPr>
-          <a:xfrm>
-            <a:off x="6522833" y="872052"/>
-            <a:ext cx="725667" cy="1"/>
-          </a:xfrm>
-          <a:prstGeom prst="line">
-            <a:avLst/>
-          </a:prstGeom>
-        </p:spPr>
-        <p:style>
-          <a:lnRef idx="1">
-            <a:schemeClr val="accent1"/>
-          </a:lnRef>
-          <a:fillRef idx="0">
-            <a:schemeClr val="accent1"/>
-          </a:fillRef>
-          <a:effectRef idx="0">
-            <a:schemeClr val="accent1"/>
-          </a:effectRef>
-          <a:fontRef idx="minor">
-            <a:schemeClr val="tx1"/>
-          </a:fontRef>
-        </p:style>
-      </p:cxnSp>
-      <p:graphicFrame>
-        <p:nvGraphicFramePr>
-          <p:cNvPr id="42" name="Table 41">
-            <a:extLst>
-              <a:ext uri="{FF2B5EF4-FFF2-40B4-BE49-F238E27FC236}">
-                <a16:creationId xmlns:a16="http://schemas.microsoft.com/office/drawing/2014/main" id="{6494A861-4A23-AD4B-B6EA-664A28DCD946}"/>
-              </a:ext>
-            </a:extLst>
-          </p:cNvPr>
-          <p:cNvGraphicFramePr>
-            <a:graphicFrameLocks noGrp="1"/>
-          </p:cNvGraphicFramePr>
-          <p:nvPr>
-            <p:extLst>
-              <p:ext uri="{D42A27DB-BD31-4B8C-83A1-F6EECF244321}">
-                <p14:modId xmlns:p14="http://schemas.microsoft.com/office/powerpoint/2010/main" val="791984723"/>
-              </p:ext>
-            </p:extLst>
-          </p:nvPr>
-        </p:nvGraphicFramePr>
-        <p:xfrm>
-          <a:off x="543035" y="225876"/>
-          <a:ext cx="1210788" cy="1463040"/>
-        </p:xfrm>
-        <a:graphic>
-          <a:graphicData uri="http://schemas.openxmlformats.org/drawingml/2006/table">
-            <a:tbl>
-              <a:tblPr firstRow="1" bandRow="1">
-                <a:tableStyleId>{5FD0F851-EC5A-4D38-B0AD-8093EC10F338}</a:tableStyleId>
-              </a:tblPr>
-              <a:tblGrid>
-                <a:gridCol w="1210788">
-                  <a:extLst>
-                    <a:ext uri="{9D8B030D-6E8A-4147-A177-3AD203B41FA5}">
-                      <a16:colId xmlns:a16="http://schemas.microsoft.com/office/drawing/2014/main" val="1069656790"/>
-                    </a:ext>
-                  </a:extLst>
-                </a:gridCol>
-              </a:tblGrid>
-              <a:tr h="146680">
-                <a:tc>
-                  <a:txBody>
-                    <a:bodyPr/>
-                    <a:lstStyle/>
-                    <a:p>
-                      <a:pPr algn="ctr"/>
-                      <a:r>
-                        <a:rPr lang="en-US" sz="1200" b="0" dirty="0">
-                          <a:latin typeface="Times" pitchFamily="2" charset="0"/>
-                        </a:rPr>
-                        <a:t>address</a:t>
-                      </a:r>
-                    </a:p>
-                  </a:txBody>
-                  <a:tcPr anchor="ctr">
-                    <a:lnL w="9525" cap="flat" cmpd="sng" algn="ctr">
-                      <a:solidFill>
-                        <a:schemeClr val="tx1"/>
-                      </a:solidFill>
-                      <a:prstDash val="solid"/>
-                      <a:round/>
-                      <a:headEnd type="none" w="med" len="med"/>
-                      <a:tailEnd type="none" w="med" len="med"/>
-                    </a:lnL>
-                    <a:lnR w="9525" cap="flat" cmpd="sng" algn="ctr">
-                      <a:solidFill>
-                        <a:schemeClr val="tx1"/>
-                      </a:solidFill>
-                      <a:prstDash val="solid"/>
-                      <a:round/>
-                      <a:headEnd type="none" w="med" len="med"/>
-                      <a:tailEnd type="none" w="med" len="med"/>
-                    </a:lnR>
-                    <a:lnT w="9525" cap="flat" cmpd="sng" algn="ctr">
-                      <a:solidFill>
-                        <a:schemeClr val="tx1"/>
-                      </a:solidFill>
-                      <a:prstDash val="solid"/>
-                      <a:round/>
-                      <a:headEnd type="none" w="med" len="med"/>
-                      <a:tailEnd type="none" w="med" len="med"/>
-                    </a:lnT>
-                    <a:lnB w="9525" cap="flat" cmpd="sng" algn="ctr">
-                      <a:solidFill>
-                        <a:schemeClr val="tx1"/>
-                      </a:solidFill>
-                      <a:prstDash val="solid"/>
-                      <a:round/>
-                      <a:headEnd type="none" w="med" len="med"/>
-                      <a:tailEnd type="none" w="med" len="med"/>
-                    </a:lnB>
-                    <a:solidFill>
-                      <a:schemeClr val="accent5">
-                        <a:lumMod val="40000"/>
-                        <a:lumOff val="60000"/>
-                      </a:schemeClr>
-                    </a:solidFill>
-                  </a:tcPr>
-                </a:tc>
-                <a:extLst>
-                  <a:ext uri="{0D108BD9-81ED-4DB2-BD59-A6C34878D82A}">
-                    <a16:rowId xmlns:a16="http://schemas.microsoft.com/office/drawing/2014/main" val="3513791863"/>
-                  </a:ext>
-                </a:extLst>
-              </a:tr>
-              <a:tr h="888937">
-                <a:tc>
-                  <a:txBody>
-                    <a:bodyPr/>
-                    <a:lstStyle/>
-                    <a:p>
-                      <a:pPr algn="l"/>
-                      <a:r>
-                        <a:rPr lang="en-US" sz="1200" u="none" dirty="0" err="1">
-                          <a:latin typeface="Times" pitchFamily="2" charset="0"/>
-                        </a:rPr>
-                        <a:t>street_num</a:t>
-                      </a:r>
-                      <a:endParaRPr lang="en-US" sz="1200" u="none" dirty="0">
-                        <a:latin typeface="Times" pitchFamily="2" charset="0"/>
-                      </a:endParaRPr>
-                    </a:p>
-                    <a:p>
-                      <a:pPr algn="l"/>
-                      <a:r>
-                        <a:rPr lang="en-US" sz="1200" u="none" dirty="0" err="1">
-                          <a:latin typeface="Times" pitchFamily="2" charset="0"/>
-                        </a:rPr>
-                        <a:t>street_name</a:t>
-                      </a:r>
-                      <a:endParaRPr lang="en-US" sz="1200" u="none" dirty="0">
-                        <a:latin typeface="Times" pitchFamily="2" charset="0"/>
-                      </a:endParaRPr>
-                    </a:p>
-                    <a:p>
-                      <a:pPr algn="l"/>
-                      <a:r>
-                        <a:rPr lang="en-US" sz="1200" u="none" dirty="0">
-                          <a:latin typeface="Times" pitchFamily="2" charset="0"/>
-                        </a:rPr>
-                        <a:t>apartment</a:t>
-                      </a:r>
-                    </a:p>
-                    <a:p>
-                      <a:pPr algn="l"/>
-                      <a:r>
-                        <a:rPr lang="en-US" sz="1200" u="none" dirty="0">
-                          <a:latin typeface="Times" pitchFamily="2" charset="0"/>
-                        </a:rPr>
-                        <a:t>city</a:t>
-                      </a:r>
-                    </a:p>
-                    <a:p>
-                      <a:pPr algn="l"/>
-                      <a:r>
-                        <a:rPr lang="en-US" sz="1200" u="none" dirty="0">
-                          <a:latin typeface="Times" pitchFamily="2" charset="0"/>
-                        </a:rPr>
-                        <a:t>province</a:t>
-                      </a:r>
-                    </a:p>
-                    <a:p>
-                      <a:pPr algn="l"/>
-                      <a:r>
-                        <a:rPr lang="en-US" sz="1200" u="none" dirty="0">
-                          <a:latin typeface="Times" pitchFamily="2" charset="0"/>
-                        </a:rPr>
-                        <a:t>country</a:t>
-                      </a:r>
-                    </a:p>
-                  </a:txBody>
-                  <a:tcPr>
-                    <a:lnL w="9525" cap="flat" cmpd="sng" algn="ctr">
-                      <a:solidFill>
-                        <a:schemeClr val="tx1"/>
-                      </a:solidFill>
-                      <a:prstDash val="solid"/>
-                      <a:round/>
-                      <a:headEnd type="none" w="med" len="med"/>
-                      <a:tailEnd type="none" w="med" len="med"/>
-                    </a:lnL>
-                    <a:lnR w="9525" cap="flat" cmpd="sng" algn="ctr">
-                      <a:solidFill>
-                        <a:schemeClr val="tx1"/>
-                      </a:solidFill>
-                      <a:prstDash val="solid"/>
-                      <a:round/>
-                      <a:headEnd type="none" w="med" len="med"/>
-                      <a:tailEnd type="none" w="med" len="med"/>
-                    </a:lnR>
-                    <a:lnT w="9525" cap="flat" cmpd="sng" algn="ctr">
-                      <a:solidFill>
-                        <a:schemeClr val="tx1"/>
-                      </a:solidFill>
-                      <a:prstDash val="solid"/>
-                      <a:round/>
-                      <a:headEnd type="none" w="med" len="med"/>
-                      <a:tailEnd type="none" w="med" len="med"/>
-                    </a:lnT>
-                    <a:lnB w="9525" cap="flat" cmpd="sng" algn="ctr">
-                      <a:solidFill>
-                        <a:schemeClr val="tx1"/>
-                      </a:solidFill>
-                      <a:prstDash val="solid"/>
-                      <a:round/>
-                      <a:headEnd type="none" w="med" len="med"/>
-                      <a:tailEnd type="none" w="med" len="med"/>
-                    </a:lnB>
-                    <a:solidFill>
-                      <a:schemeClr val="bg1">
-                        <a:alpha val="20000"/>
-                      </a:schemeClr>
-                    </a:solidFill>
-                  </a:tcPr>
-                </a:tc>
-                <a:extLst>
-                  <a:ext uri="{0D108BD9-81ED-4DB2-BD59-A6C34878D82A}">
-                    <a16:rowId xmlns:a16="http://schemas.microsoft.com/office/drawing/2014/main" val="2009406627"/>
-                  </a:ext>
-                </a:extLst>
-              </a:tr>
-            </a:tbl>
-          </a:graphicData>
-        </a:graphic>
-      </p:graphicFrame>
-      <p:sp>
-        <p:nvSpPr>
-          <p:cNvPr id="43" name="Diamond 42">
-            <a:extLst>
-              <a:ext uri="{FF2B5EF4-FFF2-40B4-BE49-F238E27FC236}">
-                <a16:creationId xmlns:a16="http://schemas.microsoft.com/office/drawing/2014/main" id="{77DFCA1F-B7F0-4544-A792-B64A7CC85E4F}"/>
-              </a:ext>
-            </a:extLst>
-          </p:cNvPr>
-          <p:cNvSpPr/>
-          <p:nvPr/>
-        </p:nvSpPr>
-        <p:spPr>
-          <a:xfrm>
-            <a:off x="1989520" y="556794"/>
+            <a:off x="120212" y="2253506"/>
             <a:ext cx="2056434" cy="785258"/>
           </a:xfrm>
           <a:prstGeom prst="diamond">
@@ -6669,7 +6908,7 @@
                 </a:solidFill>
                 <a:latin typeface="Times" pitchFamily="2" charset="0"/>
               </a:rPr>
-              <a:t>hasAdd</a:t>
+              <a:t>pubAdd</a:t>
             </a:r>
             <a:endParaRPr lang="en-US" sz="1200" i="1" dirty="0">
               <a:solidFill>
@@ -6682,192 +6921,29 @@
       </p:sp>
       <p:cxnSp>
         <p:nvCxnSpPr>
-          <p:cNvPr id="45" name="Straight Connector 44">
-            <a:extLst>
-              <a:ext uri="{FF2B5EF4-FFF2-40B4-BE49-F238E27FC236}">
-                <a16:creationId xmlns:a16="http://schemas.microsoft.com/office/drawing/2014/main" id="{9940ABE8-FF34-5241-8BCB-3A5E520A445B}"/>
+          <p:cNvPr id="164" name="Straight Arrow Connector 163">
+            <a:extLst>
+              <a:ext uri="{FF2B5EF4-FFF2-40B4-BE49-F238E27FC236}">
+                <a16:creationId xmlns:a16="http://schemas.microsoft.com/office/drawing/2014/main" id="{13F5BBF8-3CC4-CD46-B26E-35A1C697DDCA}"/>
               </a:ext>
             </a:extLst>
           </p:cNvPr>
           <p:cNvCxnSpPr>
-            <a:stCxn id="43" idx="1"/>
-            <a:endCxn id="42" idx="3"/>
+            <a:stCxn id="162" idx="0"/>
+            <a:endCxn id="42" idx="2"/>
           </p:cNvCxnSpPr>
           <p:nvPr/>
         </p:nvCxnSpPr>
         <p:spPr>
-          <a:xfrm flipH="1">
-            <a:off x="1753823" y="949423"/>
-            <a:ext cx="235697" cy="7973"/>
+          <a:xfrm flipV="1">
+            <a:off x="1148429" y="1767950"/>
+            <a:ext cx="0" cy="485556"/>
           </a:xfrm>
-          <a:prstGeom prst="line">
-            <a:avLst/>
-          </a:prstGeom>
-        </p:spPr>
-        <p:style>
-          <a:lnRef idx="1">
-            <a:schemeClr val="accent1"/>
-          </a:lnRef>
-          <a:fillRef idx="0">
-            <a:schemeClr val="accent1"/>
-          </a:fillRef>
-          <a:effectRef idx="0">
-            <a:schemeClr val="accent1"/>
-          </a:effectRef>
-          <a:fontRef idx="minor">
-            <a:schemeClr val="tx1"/>
-          </a:fontRef>
-        </p:style>
-      </p:cxnSp>
-      <p:graphicFrame>
-        <p:nvGraphicFramePr>
-          <p:cNvPr id="46" name="Table 45">
-            <a:extLst>
-              <a:ext uri="{FF2B5EF4-FFF2-40B4-BE49-F238E27FC236}">
-                <a16:creationId xmlns:a16="http://schemas.microsoft.com/office/drawing/2014/main" id="{74715D0A-9B0B-B543-AC06-E740AC1CB475}"/>
-              </a:ext>
-            </a:extLst>
-          </p:cNvPr>
-          <p:cNvGraphicFramePr>
-            <a:graphicFrameLocks noGrp="1"/>
-          </p:cNvGraphicFramePr>
-          <p:nvPr>
-            <p:extLst>
-              <p:ext uri="{D42A27DB-BD31-4B8C-83A1-F6EECF244321}">
-                <p14:modId xmlns:p14="http://schemas.microsoft.com/office/powerpoint/2010/main" val="217603634"/>
-              </p:ext>
-            </p:extLst>
-          </p:nvPr>
-        </p:nvGraphicFramePr>
-        <p:xfrm>
-          <a:off x="2412343" y="27497"/>
-          <a:ext cx="1210788" cy="457200"/>
-        </p:xfrm>
-        <a:graphic>
-          <a:graphicData uri="http://schemas.openxmlformats.org/drawingml/2006/table">
-            <a:tbl>
-              <a:tblPr firstRow="1" bandRow="1">
-                <a:tableStyleId>{5FD0F851-EC5A-4D38-B0AD-8093EC10F338}</a:tableStyleId>
-              </a:tblPr>
-              <a:tblGrid>
-                <a:gridCol w="1210788">
-                  <a:extLst>
-                    <a:ext uri="{9D8B030D-6E8A-4147-A177-3AD203B41FA5}">
-                      <a16:colId xmlns:a16="http://schemas.microsoft.com/office/drawing/2014/main" val="1069656790"/>
-                    </a:ext>
-                  </a:extLst>
-                </a:gridCol>
-              </a:tblGrid>
-              <a:tr h="315661">
-                <a:tc>
-                  <a:txBody>
-                    <a:bodyPr/>
-                    <a:lstStyle/>
-                    <a:p>
-                      <a:pPr algn="ctr"/>
-                      <a:r>
-                        <a:rPr lang="en-US" sz="1200" b="0" dirty="0" err="1">
-                          <a:latin typeface="Times" pitchFamily="2" charset="0"/>
-                        </a:rPr>
-                        <a:t>isShipping</a:t>
-                      </a:r>
-                      <a:endParaRPr lang="en-US" sz="1200" b="0" dirty="0">
-                        <a:latin typeface="Times" pitchFamily="2" charset="0"/>
-                      </a:endParaRPr>
-                    </a:p>
-                    <a:p>
-                      <a:pPr algn="ctr"/>
-                      <a:r>
-                        <a:rPr lang="en-US" sz="1200" b="0" dirty="0" err="1">
-                          <a:latin typeface="Times" pitchFamily="2" charset="0"/>
-                        </a:rPr>
-                        <a:t>isBilling</a:t>
-                      </a:r>
-                      <a:endParaRPr lang="en-US" sz="1200" b="0" dirty="0">
-                        <a:latin typeface="Times" pitchFamily="2" charset="0"/>
-                      </a:endParaRPr>
-                    </a:p>
-                  </a:txBody>
-                  <a:tcPr>
-                    <a:lnL w="9525" cap="flat" cmpd="sng" algn="ctr">
-                      <a:solidFill>
-                        <a:schemeClr val="tx1"/>
-                      </a:solidFill>
-                      <a:prstDash val="solid"/>
-                      <a:round/>
-                      <a:headEnd type="none" w="med" len="med"/>
-                      <a:tailEnd type="none" w="med" len="med"/>
-                    </a:lnL>
-                    <a:lnR w="9525" cap="flat" cmpd="sng" algn="ctr">
-                      <a:solidFill>
-                        <a:schemeClr val="tx1"/>
-                      </a:solidFill>
-                      <a:prstDash val="solid"/>
-                      <a:round/>
-                      <a:headEnd type="none" w="med" len="med"/>
-                      <a:tailEnd type="none" w="med" len="med"/>
-                    </a:lnR>
-                    <a:lnT w="9525" cap="flat" cmpd="sng" algn="ctr">
-                      <a:solidFill>
-                        <a:schemeClr val="tx1"/>
-                      </a:solidFill>
-                      <a:prstDash val="solid"/>
-                      <a:round/>
-                      <a:headEnd type="none" w="med" len="med"/>
-                      <a:tailEnd type="none" w="med" len="med"/>
-                    </a:lnT>
-                    <a:lnB w="9525" cap="flat" cmpd="sng" algn="ctr">
-                      <a:solidFill>
-                        <a:schemeClr val="tx1"/>
-                      </a:solidFill>
-                      <a:prstDash val="solid"/>
-                      <a:round/>
-                      <a:headEnd type="none" w="med" len="med"/>
-                      <a:tailEnd type="none" w="med" len="med"/>
-                    </a:lnB>
-                    <a:solidFill>
-                      <a:schemeClr val="bg1">
-                        <a:alpha val="20000"/>
-                      </a:schemeClr>
-                    </a:solidFill>
-                  </a:tcPr>
-                </a:tc>
-                <a:extLst>
-                  <a:ext uri="{0D108BD9-81ED-4DB2-BD59-A6C34878D82A}">
-                    <a16:rowId xmlns:a16="http://schemas.microsoft.com/office/drawing/2014/main" val="2009406627"/>
-                  </a:ext>
-                </a:extLst>
-              </a:tr>
-            </a:tbl>
-          </a:graphicData>
-        </a:graphic>
-      </p:graphicFrame>
-      <p:cxnSp>
-        <p:nvCxnSpPr>
-          <p:cNvPr id="47" name="Straight Connector 46">
-            <a:extLst>
-              <a:ext uri="{FF2B5EF4-FFF2-40B4-BE49-F238E27FC236}">
-                <a16:creationId xmlns:a16="http://schemas.microsoft.com/office/drawing/2014/main" id="{7C6709F4-DC94-ED49-933F-AEA32DACB7AC}"/>
-              </a:ext>
-            </a:extLst>
-          </p:cNvPr>
-          <p:cNvCxnSpPr>
-            <a:cxnSpLocks/>
-            <a:stCxn id="46" idx="2"/>
-            <a:endCxn id="43" idx="0"/>
-          </p:cNvCxnSpPr>
-          <p:nvPr/>
-        </p:nvCxnSpPr>
-        <p:spPr>
-          <a:xfrm>
-            <a:off x="3017737" y="484697"/>
-            <a:ext cx="0" cy="72097"/>
-          </a:xfrm>
-          <a:prstGeom prst="line">
+          <a:prstGeom prst="straightConnector1">
             <a:avLst/>
           </a:prstGeom>
           <a:ln>
-            <a:prstDash val="dash"/>
+            <a:tailEnd type="triangle"/>
           </a:ln>
         </p:spPr>
         <p:style>
@@ -6885,63 +6961,25 @@
           </a:fontRef>
         </p:style>
       </p:cxnSp>
-      <p:sp>
-        <p:nvSpPr>
-          <p:cNvPr id="69" name="TextBox 68">
-            <a:extLst>
-              <a:ext uri="{FF2B5EF4-FFF2-40B4-BE49-F238E27FC236}">
-                <a16:creationId xmlns:a16="http://schemas.microsoft.com/office/drawing/2014/main" id="{8E4A17B4-3079-A842-8530-F4BCF239B4E4}"/>
-              </a:ext>
-            </a:extLst>
-          </p:cNvPr>
-          <p:cNvSpPr txBox="1"/>
-          <p:nvPr/>
-        </p:nvSpPr>
-        <p:spPr>
-          <a:xfrm>
-            <a:off x="3993288" y="730821"/>
-            <a:ext cx="415498" cy="276999"/>
-          </a:xfrm>
-          <a:prstGeom prst="rect">
-            <a:avLst/>
-          </a:prstGeom>
-          <a:noFill/>
-        </p:spPr>
-        <p:txBody>
-          <a:bodyPr wrap="none" rtlCol="0">
-            <a:spAutoFit/>
-          </a:bodyPr>
-          <a:lstStyle/>
-          <a:p>
-            <a:r>
-              <a:rPr lang="en-US" sz="1200" i="1" dirty="0">
-                <a:latin typeface="Times" pitchFamily="2" charset="0"/>
-              </a:rPr>
-              <a:t>0..2</a:t>
-            </a:r>
-          </a:p>
-        </p:txBody>
-      </p:sp>
       <p:cxnSp>
         <p:nvCxnSpPr>
-          <p:cNvPr id="29" name="Straight Connector 28">
-            <a:extLst>
-              <a:ext uri="{FF2B5EF4-FFF2-40B4-BE49-F238E27FC236}">
-                <a16:creationId xmlns:a16="http://schemas.microsoft.com/office/drawing/2014/main" id="{69C6911F-8085-E342-B9A8-0F62FACC4EDD}"/>
+          <p:cNvPr id="166" name="Straight Connector 165">
+            <a:extLst>
+              <a:ext uri="{FF2B5EF4-FFF2-40B4-BE49-F238E27FC236}">
+                <a16:creationId xmlns:a16="http://schemas.microsoft.com/office/drawing/2014/main" id="{A20387CF-6F93-9545-84AE-BDBD788805EE}"/>
               </a:ext>
             </a:extLst>
           </p:cNvPr>
           <p:cNvCxnSpPr>
-            <a:cxnSpLocks/>
-            <a:stCxn id="43" idx="3"/>
-            <a:endCxn id="4" idx="1"/>
+            <a:stCxn id="162" idx="2"/>
+            <a:endCxn id="89" idx="0"/>
           </p:cNvCxnSpPr>
           <p:nvPr/>
         </p:nvCxnSpPr>
         <p:spPr>
           <a:xfrm>
-            <a:off x="4045954" y="949423"/>
-            <a:ext cx="362833" cy="1123"/>
+            <a:off x="1148429" y="3038764"/>
+            <a:ext cx="0" cy="485556"/>
           </a:xfrm>
           <a:prstGeom prst="line">
             <a:avLst/>

--- a/ER Diagram/ER Diagram - Project - COMP3005.pptx
+++ b/ER Diagram/ER Diagram - Project - COMP3005.pptx
@@ -3811,14 +3811,14 @@
           <p:nvPr>
             <p:extLst>
               <p:ext uri="{D42A27DB-BD31-4B8C-83A1-F6EECF244321}">
-                <p14:modId xmlns:p14="http://schemas.microsoft.com/office/powerpoint/2010/main" val="1298395841"/>
+                <p14:modId xmlns:p14="http://schemas.microsoft.com/office/powerpoint/2010/main" val="2343558751"/>
               </p:ext>
             </p:extLst>
           </p:nvPr>
         </p:nvGraphicFramePr>
         <p:xfrm>
-          <a:off x="10974362" y="5239032"/>
-          <a:ext cx="1078230" cy="1463040"/>
+          <a:off x="10974362" y="5392188"/>
+          <a:ext cx="1078230" cy="1163257"/>
         </p:xfrm>
         <a:graphic>
           <a:graphicData uri="http://schemas.openxmlformats.org/drawingml/2006/table">
@@ -3956,30 +3956,6 @@
                         </a:rPr>
                         <a:t>()</a:t>
                       </a:r>
-                    </a:p>
-                    <a:p>
-                      <a:pPr algn="l"/>
-                      <a:r>
-                        <a:rPr lang="en-US" sz="1200" u="none" dirty="0" err="1">
-                          <a:latin typeface="Times" pitchFamily="2" charset="0"/>
-                        </a:rPr>
-                        <a:t>shipping_add</a:t>
-                      </a:r>
-                      <a:endParaRPr lang="en-US" sz="1200" u="none" dirty="0">
-                        <a:latin typeface="Times" pitchFamily="2" charset="0"/>
-                      </a:endParaRPr>
-                    </a:p>
-                    <a:p>
-                      <a:pPr algn="l"/>
-                      <a:r>
-                        <a:rPr lang="en-US" sz="1200" u="none" dirty="0" err="1">
-                          <a:latin typeface="Times" pitchFamily="2" charset="0"/>
-                        </a:rPr>
-                        <a:t>billing_add</a:t>
-                      </a:r>
-                      <a:endParaRPr lang="en-US" sz="1200" u="none" dirty="0">
-                        <a:latin typeface="Times" pitchFamily="2" charset="0"/>
-                      </a:endParaRPr>
                     </a:p>
                   </a:txBody>
                   <a:tcPr>
@@ -4399,8 +4375,8 @@
         </p:nvCxnSpPr>
         <p:spPr>
           <a:xfrm flipV="1">
-            <a:off x="10143474" y="5970552"/>
-            <a:ext cx="830888" cy="3266"/>
+            <a:off x="10143474" y="5973816"/>
+            <a:ext cx="830888" cy="2"/>
           </a:xfrm>
           <a:prstGeom prst="line">
             <a:avLst/>
